--- a/doc/Introduction.pptx
+++ b/doc/Introduction.pptx
@@ -5,11 +5,10 @@
     <p:sldMasterId id="2147483648" r:id="rId1"/>
   </p:sldMasterIdLst>
   <p:notesMasterIdLst>
-    <p:notesMasterId r:id="rId4"/>
+    <p:notesMasterId r:id="rId3"/>
   </p:notesMasterIdLst>
   <p:sldIdLst>
     <p:sldId id="257" r:id="rId2"/>
-    <p:sldId id="5112" r:id="rId3"/>
   </p:sldIdLst>
   <p:sldSz cx="12192000" cy="6858000"/>
   <p:notesSz cx="6858000" cy="9144000"/>
@@ -198,7 +197,7 @@
           <a:p>
             <a:fld id="{4C036ADD-D491-4F57-97F3-06818EDBCA02}" type="datetimeFigureOut">
               <a:rPr lang="en-SG" smtClean="0"/>
-              <a:t>21/2/2024</a:t>
+              <a:t>7/3/2024</a:t>
             </a:fld>
             <a:endParaRPr lang="en-SG"/>
           </a:p>
@@ -466,90 +465,6 @@
 </p:notesMaster>
 </file>
 
-<file path=ppt/notesSlides/notesSlide1.xml><?xml version="1.0" encoding="utf-8"?>
-<p:notes xmlns:a="http://schemas.openxmlformats.org/drawingml/2006/main" xmlns:r="http://schemas.openxmlformats.org/officeDocument/2006/relationships" xmlns:p="http://schemas.openxmlformats.org/presentationml/2006/main">
-  <p:cSld>
-    <p:spTree>
-      <p:nvGrpSpPr>
-        <p:cNvPr id="1" name=""/>
-        <p:cNvGrpSpPr/>
-        <p:nvPr/>
-      </p:nvGrpSpPr>
-      <p:grpSpPr>
-        <a:xfrm>
-          <a:off x="0" y="0"/>
-          <a:ext cx="0" cy="0"/>
-          <a:chOff x="0" y="0"/>
-          <a:chExt cx="0" cy="0"/>
-        </a:xfrm>
-      </p:grpSpPr>
-      <p:sp>
-        <p:nvSpPr>
-          <p:cNvPr id="2" name="Slide Image Placeholder 1"/>
-          <p:cNvSpPr>
-            <a:spLocks noGrp="1" noRot="1" noChangeAspect="1"/>
-          </p:cNvSpPr>
-          <p:nvPr>
-            <p:ph type="sldImg"/>
-          </p:nvPr>
-        </p:nvSpPr>
-        <p:spPr/>
-      </p:sp>
-      <p:sp>
-        <p:nvSpPr>
-          <p:cNvPr id="3" name="Notes Placeholder 2"/>
-          <p:cNvSpPr>
-            <a:spLocks noGrp="1"/>
-          </p:cNvSpPr>
-          <p:nvPr>
-            <p:ph type="body" idx="1"/>
-          </p:nvPr>
-        </p:nvSpPr>
-        <p:spPr/>
-        <p:txBody>
-          <a:bodyPr/>
-          <a:lstStyle/>
-          <a:p>
-            <a:endParaRPr lang="en-US"/>
-          </a:p>
-        </p:txBody>
-      </p:sp>
-      <p:sp>
-        <p:nvSpPr>
-          <p:cNvPr id="4" name="Slide Number Placeholder 3"/>
-          <p:cNvSpPr>
-            <a:spLocks noGrp="1"/>
-          </p:cNvSpPr>
-          <p:nvPr>
-            <p:ph type="sldNum" sz="quarter" idx="5"/>
-          </p:nvPr>
-        </p:nvSpPr>
-        <p:spPr/>
-        <p:txBody>
-          <a:bodyPr/>
-          <a:lstStyle/>
-          <a:p>
-            <a:fld id="{36115B8F-4B64-AC44-817E-EF895DC2FF46}" type="slidenum">
-              <a:rPr lang="en-US" smtClean="0"/>
-              <a:t>2</a:t>
-            </a:fld>
-            <a:endParaRPr lang="en-US"/>
-          </a:p>
-        </p:txBody>
-      </p:sp>
-    </p:spTree>
-    <p:extLst>
-      <p:ext uri="{BB962C8B-B14F-4D97-AF65-F5344CB8AC3E}">
-        <p14:creationId xmlns:p14="http://schemas.microsoft.com/office/powerpoint/2010/main" val="3840370347"/>
-      </p:ext>
-    </p:extLst>
-  </p:cSld>
-  <p:clrMapOvr>
-    <a:masterClrMapping/>
-  </p:clrMapOvr>
-</p:notes>
-</file>
-
 <file path=ppt/slideLayouts/slideLayout1.xml><?xml version="1.0" encoding="utf-8"?>
 <p:sldLayout xmlns:a="http://schemas.openxmlformats.org/drawingml/2006/main" xmlns:r="http://schemas.openxmlformats.org/officeDocument/2006/relationships" xmlns:p="http://schemas.openxmlformats.org/presentationml/2006/main" type="title" preserve="1">
   <p:cSld name="Title Slide">
@@ -699,7 +614,7 @@
           <a:p>
             <a:fld id="{035E68B9-EEFB-48DA-857D-5D3BC6E19A78}" type="datetimeFigureOut">
               <a:rPr lang="en-SG" smtClean="0"/>
-              <a:t>21/2/2024</a:t>
+              <a:t>7/3/2024</a:t>
             </a:fld>
             <a:endParaRPr lang="en-SG"/>
           </a:p>
@@ -899,7 +814,7 @@
           <a:p>
             <a:fld id="{035E68B9-EEFB-48DA-857D-5D3BC6E19A78}" type="datetimeFigureOut">
               <a:rPr lang="en-SG" smtClean="0"/>
-              <a:t>21/2/2024</a:t>
+              <a:t>7/3/2024</a:t>
             </a:fld>
             <a:endParaRPr lang="en-SG"/>
           </a:p>
@@ -1109,7 +1024,7 @@
           <a:p>
             <a:fld id="{035E68B9-EEFB-48DA-857D-5D3BC6E19A78}" type="datetimeFigureOut">
               <a:rPr lang="en-SG" smtClean="0"/>
-              <a:t>21/2/2024</a:t>
+              <a:t>7/3/2024</a:t>
             </a:fld>
             <a:endParaRPr lang="en-SG"/>
           </a:p>
@@ -1309,7 +1224,7 @@
           <a:p>
             <a:fld id="{035E68B9-EEFB-48DA-857D-5D3BC6E19A78}" type="datetimeFigureOut">
               <a:rPr lang="en-SG" smtClean="0"/>
-              <a:t>21/2/2024</a:t>
+              <a:t>7/3/2024</a:t>
             </a:fld>
             <a:endParaRPr lang="en-SG"/>
           </a:p>
@@ -1585,7 +1500,7 @@
           <a:p>
             <a:fld id="{035E68B9-EEFB-48DA-857D-5D3BC6E19A78}" type="datetimeFigureOut">
               <a:rPr lang="en-SG" smtClean="0"/>
-              <a:t>21/2/2024</a:t>
+              <a:t>7/3/2024</a:t>
             </a:fld>
             <a:endParaRPr lang="en-SG"/>
           </a:p>
@@ -1853,7 +1768,7 @@
           <a:p>
             <a:fld id="{035E68B9-EEFB-48DA-857D-5D3BC6E19A78}" type="datetimeFigureOut">
               <a:rPr lang="en-SG" smtClean="0"/>
-              <a:t>21/2/2024</a:t>
+              <a:t>7/3/2024</a:t>
             </a:fld>
             <a:endParaRPr lang="en-SG"/>
           </a:p>
@@ -2268,7 +2183,7 @@
           <a:p>
             <a:fld id="{035E68B9-EEFB-48DA-857D-5D3BC6E19A78}" type="datetimeFigureOut">
               <a:rPr lang="en-SG" smtClean="0"/>
-              <a:t>21/2/2024</a:t>
+              <a:t>7/3/2024</a:t>
             </a:fld>
             <a:endParaRPr lang="en-SG"/>
           </a:p>
@@ -2410,7 +2325,7 @@
           <a:p>
             <a:fld id="{035E68B9-EEFB-48DA-857D-5D3BC6E19A78}" type="datetimeFigureOut">
               <a:rPr lang="en-SG" smtClean="0"/>
-              <a:t>21/2/2024</a:t>
+              <a:t>7/3/2024</a:t>
             </a:fld>
             <a:endParaRPr lang="en-SG"/>
           </a:p>
@@ -2523,7 +2438,7 @@
           <a:p>
             <a:fld id="{035E68B9-EEFB-48DA-857D-5D3BC6E19A78}" type="datetimeFigureOut">
               <a:rPr lang="en-SG" smtClean="0"/>
-              <a:t>21/2/2024</a:t>
+              <a:t>7/3/2024</a:t>
             </a:fld>
             <a:endParaRPr lang="en-SG"/>
           </a:p>
@@ -2836,7 +2751,7 @@
           <a:p>
             <a:fld id="{035E68B9-EEFB-48DA-857D-5D3BC6E19A78}" type="datetimeFigureOut">
               <a:rPr lang="en-SG" smtClean="0"/>
-              <a:t>21/2/2024</a:t>
+              <a:t>7/3/2024</a:t>
             </a:fld>
             <a:endParaRPr lang="en-SG"/>
           </a:p>
@@ -3125,7 +3040,7 @@
           <a:p>
             <a:fld id="{035E68B9-EEFB-48DA-857D-5D3BC6E19A78}" type="datetimeFigureOut">
               <a:rPr lang="en-SG" smtClean="0"/>
-              <a:t>21/2/2024</a:t>
+              <a:t>7/3/2024</a:t>
             </a:fld>
             <a:endParaRPr lang="en-SG"/>
           </a:p>
@@ -3368,7 +3283,7 @@
           <a:p>
             <a:fld id="{035E68B9-EEFB-48DA-857D-5D3BC6E19A78}" type="datetimeFigureOut">
               <a:rPr lang="en-SG" smtClean="0"/>
-              <a:t>21/2/2024</a:t>
+              <a:t>7/3/2024</a:t>
             </a:fld>
             <a:endParaRPr lang="en-SG"/>
           </a:p>
@@ -3787,91 +3702,26 @@
       </p:grpSpPr>
       <p:sp>
         <p:nvSpPr>
-          <p:cNvPr id="4" name="TextBox 3">
-            <a:extLst>
-              <a:ext uri="{FF2B5EF4-FFF2-40B4-BE49-F238E27FC236}">
-                <a16:creationId xmlns:a16="http://schemas.microsoft.com/office/drawing/2014/main" id="{B2EE9385-272D-78F8-37EF-D7BFBD2E461E}"/>
-              </a:ext>
-            </a:extLst>
-          </p:cNvPr>
-          <p:cNvSpPr txBox="1"/>
-          <p:nvPr/>
-        </p:nvSpPr>
-        <p:spPr>
-          <a:xfrm>
-            <a:off x="0" y="-12557"/>
-            <a:ext cx="12191999" cy="461665"/>
+          <p:cNvPr id="1091" name="Rectangle 1090">
+            <a:extLst>
+              <a:ext uri="{FF2B5EF4-FFF2-40B4-BE49-F238E27FC236}">
+                <a16:creationId xmlns:a16="http://schemas.microsoft.com/office/drawing/2014/main" id="{29962B29-5C8E-66CE-F059-7F6436A4D7C1}"/>
+              </a:ext>
+            </a:extLst>
+          </p:cNvPr>
+          <p:cNvSpPr/>
+          <p:nvPr/>
+        </p:nvSpPr>
+        <p:spPr>
+          <a:xfrm>
+            <a:off x="3916109" y="1584315"/>
+            <a:ext cx="1477483" cy="5021523"/>
           </a:xfrm>
           <a:prstGeom prst="rect">
             <a:avLst/>
           </a:prstGeom>
           <a:solidFill>
-            <a:schemeClr val="tx2">
-              <a:lumMod val="90000"/>
-              <a:lumOff val="10000"/>
-            </a:schemeClr>
-          </a:solidFill>
-          <a:ln>
-            <a:solidFill>
-              <a:schemeClr val="tx1"/>
-            </a:solidFill>
-          </a:ln>
-        </p:spPr>
-        <p:txBody>
-          <a:bodyPr wrap="square" rtlCol="0">
-            <a:spAutoFit/>
-          </a:bodyPr>
-          <a:lstStyle/>
-          <a:p>
-            <a:r>
-              <a:rPr lang="en-SG" sz="2400" dirty="0">
-                <a:solidFill>
-                  <a:schemeClr val="bg1"/>
-                </a:solidFill>
-              </a:rPr>
-              <a:t>Cluster Users </a:t>
-            </a:r>
-            <a:r>
-              <a:rPr lang="en-SG" sz="2400">
-                <a:solidFill>
-                  <a:schemeClr val="bg1"/>
-                </a:solidFill>
-              </a:rPr>
-              <a:t>Emulation System </a:t>
-            </a:r>
-            <a:endParaRPr lang="en-SG" sz="2400" dirty="0">
-              <a:solidFill>
-                <a:srgbClr val="FF0000"/>
-              </a:solidFill>
-            </a:endParaRPr>
-          </a:p>
-        </p:txBody>
-      </p:sp>
-      <p:sp>
-        <p:nvSpPr>
-          <p:cNvPr id="6" name="Rectangle 5">
-            <a:extLst>
-              <a:ext uri="{FF2B5EF4-FFF2-40B4-BE49-F238E27FC236}">
-                <a16:creationId xmlns:a16="http://schemas.microsoft.com/office/drawing/2014/main" id="{8A1D0724-3AFD-D889-2F78-8EC9CD2EA534}"/>
-              </a:ext>
-            </a:extLst>
-          </p:cNvPr>
-          <p:cNvSpPr/>
-          <p:nvPr/>
-        </p:nvSpPr>
-        <p:spPr>
-          <a:xfrm>
-            <a:off x="512270" y="961887"/>
-            <a:ext cx="3106884" cy="1392693"/>
-          </a:xfrm>
-          <a:prstGeom prst="rect">
-            <a:avLst/>
-          </a:prstGeom>
-          <a:solidFill>
-            <a:schemeClr val="accent6">
-              <a:lumMod val="20000"/>
-              <a:lumOff val="80000"/>
-            </a:schemeClr>
+            <a:schemeClr val="bg2"/>
           </a:solidFill>
         </p:spPr>
         <p:style>
@@ -3899,343 +3749,38 @@
           </a:p>
         </p:txBody>
       </p:sp>
-      <p:pic>
-        <p:nvPicPr>
-          <p:cNvPr id="8" name="Picture 7">
-            <a:extLst>
-              <a:ext uri="{FF2B5EF4-FFF2-40B4-BE49-F238E27FC236}">
-                <a16:creationId xmlns:a16="http://schemas.microsoft.com/office/drawing/2014/main" id="{A1BF0522-C6EC-850C-3D04-CC06EBCFA6F7}"/>
-              </a:ext>
-            </a:extLst>
-          </p:cNvPr>
-          <p:cNvPicPr>
-            <a:picLocks noChangeAspect="1"/>
-          </p:cNvPicPr>
-          <p:nvPr/>
-        </p:nvPicPr>
-        <p:blipFill>
-          <a:blip r:embed="rId2"/>
-          <a:stretch>
-            <a:fillRect/>
-          </a:stretch>
-        </p:blipFill>
-        <p:spPr>
-          <a:xfrm>
-            <a:off x="634395" y="1086746"/>
-            <a:ext cx="476190" cy="476190"/>
-          </a:xfrm>
-          <a:prstGeom prst="rect">
-            <a:avLst/>
-          </a:prstGeom>
-          <a:ln w="9525">
+      <p:sp>
+        <p:nvSpPr>
+          <p:cNvPr id="4" name="TextBox 3">
+            <a:extLst>
+              <a:ext uri="{FF2B5EF4-FFF2-40B4-BE49-F238E27FC236}">
+                <a16:creationId xmlns:a16="http://schemas.microsoft.com/office/drawing/2014/main" id="{B2EE9385-272D-78F8-37EF-D7BFBD2E461E}"/>
+              </a:ext>
+            </a:extLst>
+          </p:cNvPr>
+          <p:cNvSpPr txBox="1"/>
+          <p:nvPr/>
+        </p:nvSpPr>
+        <p:spPr>
+          <a:xfrm>
+            <a:off x="0" y="-12557"/>
+            <a:ext cx="12191999" cy="461665"/>
+          </a:xfrm>
+          <a:prstGeom prst="rect">
+            <a:avLst/>
+          </a:prstGeom>
+          <a:solidFill>
+            <a:schemeClr val="tx2">
+              <a:lumMod val="90000"/>
+              <a:lumOff val="10000"/>
+            </a:schemeClr>
+          </a:solidFill>
+          <a:ln>
             <a:solidFill>
               <a:schemeClr val="tx1"/>
             </a:solidFill>
           </a:ln>
         </p:spPr>
-      </p:pic>
-      <p:pic>
-        <p:nvPicPr>
-          <p:cNvPr id="10" name="Picture 9">
-            <a:extLst>
-              <a:ext uri="{FF2B5EF4-FFF2-40B4-BE49-F238E27FC236}">
-                <a16:creationId xmlns:a16="http://schemas.microsoft.com/office/drawing/2014/main" id="{E6C0E31D-9230-EF97-B2E7-8C85F43511AB}"/>
-              </a:ext>
-            </a:extLst>
-          </p:cNvPr>
-          <p:cNvPicPr>
-            <a:picLocks noChangeAspect="1"/>
-          </p:cNvPicPr>
-          <p:nvPr/>
-        </p:nvPicPr>
-        <p:blipFill>
-          <a:blip r:embed="rId3"/>
-          <a:stretch>
-            <a:fillRect/>
-          </a:stretch>
-        </p:blipFill>
-        <p:spPr>
-          <a:xfrm>
-            <a:off x="1231006" y="1086746"/>
-            <a:ext cx="476190" cy="476190"/>
-          </a:xfrm>
-          <a:prstGeom prst="rect">
-            <a:avLst/>
-          </a:prstGeom>
-          <a:ln w="9525">
-            <a:solidFill>
-              <a:schemeClr val="tx1"/>
-            </a:solidFill>
-          </a:ln>
-        </p:spPr>
-      </p:pic>
-      <p:pic>
-        <p:nvPicPr>
-          <p:cNvPr id="12" name="Picture 11">
-            <a:extLst>
-              <a:ext uri="{FF2B5EF4-FFF2-40B4-BE49-F238E27FC236}">
-                <a16:creationId xmlns:a16="http://schemas.microsoft.com/office/drawing/2014/main" id="{3DBDA4B5-9643-9A86-70E2-E85CEEE396F9}"/>
-              </a:ext>
-            </a:extLst>
-          </p:cNvPr>
-          <p:cNvPicPr>
-            <a:picLocks noChangeAspect="1"/>
-          </p:cNvPicPr>
-          <p:nvPr/>
-        </p:nvPicPr>
-        <p:blipFill>
-          <a:blip r:embed="rId4"/>
-          <a:stretch>
-            <a:fillRect/>
-          </a:stretch>
-        </p:blipFill>
-        <p:spPr>
-          <a:xfrm>
-            <a:off x="1839234" y="1086746"/>
-            <a:ext cx="476190" cy="476190"/>
-          </a:xfrm>
-          <a:prstGeom prst="rect">
-            <a:avLst/>
-          </a:prstGeom>
-          <a:ln w="9525">
-            <a:solidFill>
-              <a:schemeClr val="tx1"/>
-            </a:solidFill>
-          </a:ln>
-        </p:spPr>
-      </p:pic>
-      <p:pic>
-        <p:nvPicPr>
-          <p:cNvPr id="14" name="Picture 13">
-            <a:extLst>
-              <a:ext uri="{FF2B5EF4-FFF2-40B4-BE49-F238E27FC236}">
-                <a16:creationId xmlns:a16="http://schemas.microsoft.com/office/drawing/2014/main" id="{073E0814-3674-CFAB-4EB5-86328B0377AF}"/>
-              </a:ext>
-            </a:extLst>
-          </p:cNvPr>
-          <p:cNvPicPr>
-            <a:picLocks noChangeAspect="1"/>
-          </p:cNvPicPr>
-          <p:nvPr/>
-        </p:nvPicPr>
-        <p:blipFill>
-          <a:blip r:embed="rId5"/>
-          <a:stretch>
-            <a:fillRect/>
-          </a:stretch>
-        </p:blipFill>
-        <p:spPr>
-          <a:xfrm>
-            <a:off x="2418049" y="1086746"/>
-            <a:ext cx="476190" cy="476190"/>
-          </a:xfrm>
-          <a:prstGeom prst="rect">
-            <a:avLst/>
-          </a:prstGeom>
-          <a:ln w="9525">
-            <a:solidFill>
-              <a:schemeClr val="tx1"/>
-            </a:solidFill>
-          </a:ln>
-        </p:spPr>
-      </p:pic>
-      <p:pic>
-        <p:nvPicPr>
-          <p:cNvPr id="16" name="Picture 15">
-            <a:extLst>
-              <a:ext uri="{FF2B5EF4-FFF2-40B4-BE49-F238E27FC236}">
-                <a16:creationId xmlns:a16="http://schemas.microsoft.com/office/drawing/2014/main" id="{4AA0F7F5-89EC-0B6D-D75A-E7DD822252F1}"/>
-              </a:ext>
-            </a:extLst>
-          </p:cNvPr>
-          <p:cNvPicPr>
-            <a:picLocks noChangeAspect="1"/>
-          </p:cNvPicPr>
-          <p:nvPr/>
-        </p:nvPicPr>
-        <p:blipFill>
-          <a:blip r:embed="rId6"/>
-          <a:stretch>
-            <a:fillRect/>
-          </a:stretch>
-        </p:blipFill>
-        <p:spPr>
-          <a:xfrm>
-            <a:off x="634395" y="1678496"/>
-            <a:ext cx="476190" cy="476190"/>
-          </a:xfrm>
-          <a:prstGeom prst="rect">
-            <a:avLst/>
-          </a:prstGeom>
-          <a:ln w="9525">
-            <a:solidFill>
-              <a:schemeClr val="tx1"/>
-            </a:solidFill>
-          </a:ln>
-        </p:spPr>
-      </p:pic>
-      <p:pic>
-        <p:nvPicPr>
-          <p:cNvPr id="18" name="Picture 17">
-            <a:extLst>
-              <a:ext uri="{FF2B5EF4-FFF2-40B4-BE49-F238E27FC236}">
-                <a16:creationId xmlns:a16="http://schemas.microsoft.com/office/drawing/2014/main" id="{CE48A944-D021-5B5C-76F5-302DA892970D}"/>
-              </a:ext>
-            </a:extLst>
-          </p:cNvPr>
-          <p:cNvPicPr>
-            <a:picLocks noChangeAspect="1"/>
-          </p:cNvPicPr>
-          <p:nvPr/>
-        </p:nvPicPr>
-        <p:blipFill>
-          <a:blip r:embed="rId7"/>
-          <a:stretch>
-            <a:fillRect/>
-          </a:stretch>
-        </p:blipFill>
-        <p:spPr>
-          <a:xfrm>
-            <a:off x="1231006" y="1687795"/>
-            <a:ext cx="476190" cy="476190"/>
-          </a:xfrm>
-          <a:prstGeom prst="rect">
-            <a:avLst/>
-          </a:prstGeom>
-          <a:ln w="9525">
-            <a:solidFill>
-              <a:schemeClr val="tx1"/>
-            </a:solidFill>
-          </a:ln>
-        </p:spPr>
-      </p:pic>
-      <p:pic>
-        <p:nvPicPr>
-          <p:cNvPr id="20" name="Picture 19">
-            <a:extLst>
-              <a:ext uri="{FF2B5EF4-FFF2-40B4-BE49-F238E27FC236}">
-                <a16:creationId xmlns:a16="http://schemas.microsoft.com/office/drawing/2014/main" id="{B55EC4B4-73D3-11A1-ABD4-6FE7CA0E4DBE}"/>
-              </a:ext>
-            </a:extLst>
-          </p:cNvPr>
-          <p:cNvPicPr>
-            <a:picLocks noChangeAspect="1"/>
-          </p:cNvPicPr>
-          <p:nvPr/>
-        </p:nvPicPr>
-        <p:blipFill>
-          <a:blip r:embed="rId8"/>
-          <a:stretch>
-            <a:fillRect/>
-          </a:stretch>
-        </p:blipFill>
-        <p:spPr>
-          <a:xfrm>
-            <a:off x="1827617" y="1687795"/>
-            <a:ext cx="476190" cy="476190"/>
-          </a:xfrm>
-          <a:prstGeom prst="rect">
-            <a:avLst/>
-          </a:prstGeom>
-          <a:ln w="9525">
-            <a:solidFill>
-              <a:schemeClr val="tx1"/>
-            </a:solidFill>
-          </a:ln>
-        </p:spPr>
-      </p:pic>
-      <p:pic>
-        <p:nvPicPr>
-          <p:cNvPr id="3" name="Picture 2">
-            <a:extLst>
-              <a:ext uri="{FF2B5EF4-FFF2-40B4-BE49-F238E27FC236}">
-                <a16:creationId xmlns:a16="http://schemas.microsoft.com/office/drawing/2014/main" id="{A44ACFE4-00E0-1C85-8A59-E7BED5CF0040}"/>
-              </a:ext>
-            </a:extLst>
-          </p:cNvPr>
-          <p:cNvPicPr>
-            <a:picLocks noChangeAspect="1"/>
-          </p:cNvPicPr>
-          <p:nvPr/>
-        </p:nvPicPr>
-        <p:blipFill>
-          <a:blip r:embed="rId9"/>
-          <a:stretch>
-            <a:fillRect/>
-          </a:stretch>
-        </p:blipFill>
-        <p:spPr>
-          <a:xfrm>
-            <a:off x="2418049" y="1678496"/>
-            <a:ext cx="476190" cy="476190"/>
-          </a:xfrm>
-          <a:prstGeom prst="rect">
-            <a:avLst/>
-          </a:prstGeom>
-          <a:ln w="9525">
-            <a:solidFill>
-              <a:schemeClr val="tx1"/>
-            </a:solidFill>
-          </a:ln>
-        </p:spPr>
-      </p:pic>
-      <p:pic>
-        <p:nvPicPr>
-          <p:cNvPr id="7" name="Picture 6">
-            <a:extLst>
-              <a:ext uri="{FF2B5EF4-FFF2-40B4-BE49-F238E27FC236}">
-                <a16:creationId xmlns:a16="http://schemas.microsoft.com/office/drawing/2014/main" id="{733503BF-7149-F44D-4161-1B52B8A3FF05}"/>
-              </a:ext>
-            </a:extLst>
-          </p:cNvPr>
-          <p:cNvPicPr>
-            <a:picLocks noChangeAspect="1"/>
-          </p:cNvPicPr>
-          <p:nvPr/>
-        </p:nvPicPr>
-        <p:blipFill>
-          <a:blip r:embed="rId10"/>
-          <a:stretch>
-            <a:fillRect/>
-          </a:stretch>
-        </p:blipFill>
-        <p:spPr>
-          <a:xfrm>
-            <a:off x="2996864" y="1086746"/>
-            <a:ext cx="476190" cy="476190"/>
-          </a:xfrm>
-          <a:prstGeom prst="rect">
-            <a:avLst/>
-          </a:prstGeom>
-          <a:ln w="9525">
-            <a:solidFill>
-              <a:schemeClr val="tx1"/>
-            </a:solidFill>
-          </a:ln>
-        </p:spPr>
-      </p:pic>
-      <p:sp>
-        <p:nvSpPr>
-          <p:cNvPr id="9" name="TextBox 8">
-            <a:extLst>
-              <a:ext uri="{FF2B5EF4-FFF2-40B4-BE49-F238E27FC236}">
-                <a16:creationId xmlns:a16="http://schemas.microsoft.com/office/drawing/2014/main" id="{DD3783EB-DE79-B8C3-0845-CD97977324CD}"/>
-              </a:ext>
-            </a:extLst>
-          </p:cNvPr>
-          <p:cNvSpPr txBox="1"/>
-          <p:nvPr/>
-        </p:nvSpPr>
-        <p:spPr>
-          <a:xfrm>
-            <a:off x="2981923" y="1758787"/>
-            <a:ext cx="377190" cy="523220"/>
-          </a:xfrm>
-          <a:prstGeom prst="rect">
-            <a:avLst/>
-          </a:prstGeom>
-          <a:noFill/>
-        </p:spPr>
         <p:txBody>
           <a:bodyPr wrap="square" rtlCol="0">
             <a:spAutoFit/>
@@ -4243,55 +3788,35 @@
           <a:lstStyle/>
           <a:p>
             <a:r>
-              <a:rPr lang="en-US" sz="2800" b="1" dirty="0"/>
-              <a:t>…</a:t>
-            </a:r>
-            <a:endParaRPr lang="en-SG" sz="2800" b="1" dirty="0"/>
-          </a:p>
-        </p:txBody>
-      </p:sp>
-      <p:sp>
-        <p:nvSpPr>
-          <p:cNvPr id="11" name="TextBox 10">
-            <a:extLst>
-              <a:ext uri="{FF2B5EF4-FFF2-40B4-BE49-F238E27FC236}">
-                <a16:creationId xmlns:a16="http://schemas.microsoft.com/office/drawing/2014/main" id="{EE6230D4-AC48-3850-E80D-2A9AC969B64D}"/>
-              </a:ext>
-            </a:extLst>
-          </p:cNvPr>
-          <p:cNvSpPr txBox="1"/>
-          <p:nvPr/>
-        </p:nvSpPr>
-        <p:spPr>
-          <a:xfrm>
-            <a:off x="434088" y="644757"/>
-            <a:ext cx="2970386" cy="307777"/>
-          </a:xfrm>
-          <a:prstGeom prst="rect">
-            <a:avLst/>
-          </a:prstGeom>
-          <a:noFill/>
-        </p:spPr>
-        <p:txBody>
-          <a:bodyPr wrap="square" rtlCol="0">
-            <a:spAutoFit/>
-          </a:bodyPr>
-          <a:lstStyle/>
-          <a:p>
-            <a:r>
-              <a:rPr lang="en-US" sz="1400" b="1" dirty="0"/>
-              <a:t>Network Activity Generator Repo</a:t>
-            </a:r>
-            <a:endParaRPr lang="en-SG" sz="1400" b="1" dirty="0"/>
-          </a:p>
-        </p:txBody>
-      </p:sp>
-      <p:sp>
-        <p:nvSpPr>
-          <p:cNvPr id="13" name="Rectangle 12">
-            <a:extLst>
-              <a:ext uri="{FF2B5EF4-FFF2-40B4-BE49-F238E27FC236}">
-                <a16:creationId xmlns:a16="http://schemas.microsoft.com/office/drawing/2014/main" id="{5A8033D0-9BEB-DF6E-C032-6D100A50E1B8}"/>
+              <a:rPr lang="en-SG" sz="2400" dirty="0">
+                <a:solidFill>
+                  <a:schemeClr val="bg1"/>
+                </a:solidFill>
+              </a:rPr>
+              <a:t>Cluster Users </a:t>
+            </a:r>
+            <a:r>
+              <a:rPr lang="en-SG" sz="2400">
+                <a:solidFill>
+                  <a:schemeClr val="bg1"/>
+                </a:solidFill>
+              </a:rPr>
+              <a:t>Emulation System </a:t>
+            </a:r>
+            <a:endParaRPr lang="en-SG" sz="2400" dirty="0">
+              <a:solidFill>
+                <a:srgbClr val="FF0000"/>
+              </a:solidFill>
+            </a:endParaRPr>
+          </a:p>
+        </p:txBody>
+      </p:sp>
+      <p:sp>
+        <p:nvSpPr>
+          <p:cNvPr id="6" name="Rectangle 5">
+            <a:extLst>
+              <a:ext uri="{FF2B5EF4-FFF2-40B4-BE49-F238E27FC236}">
+                <a16:creationId xmlns:a16="http://schemas.microsoft.com/office/drawing/2014/main" id="{8A1D0724-3AFD-D889-2F78-8EC9CD2EA534}"/>
               </a:ext>
             </a:extLst>
           </p:cNvPr>
@@ -4300,14 +3825,14 @@
         </p:nvSpPr>
         <p:spPr>
           <a:xfrm>
-            <a:off x="512270" y="2732653"/>
-            <a:ext cx="3106884" cy="1256417"/>
+            <a:off x="512270" y="1208776"/>
+            <a:ext cx="2810625" cy="1115550"/>
           </a:xfrm>
           <a:prstGeom prst="rect">
             <a:avLst/>
           </a:prstGeom>
           <a:solidFill>
-            <a:schemeClr val="accent4">
+            <a:schemeClr val="accent6">
               <a:lumMod val="20000"/>
               <a:lumOff val="80000"/>
             </a:schemeClr>
@@ -4338,48 +3863,12 @@
           </a:p>
         </p:txBody>
       </p:sp>
-      <p:sp>
-        <p:nvSpPr>
-          <p:cNvPr id="15" name="TextBox 14">
-            <a:extLst>
-              <a:ext uri="{FF2B5EF4-FFF2-40B4-BE49-F238E27FC236}">
-                <a16:creationId xmlns:a16="http://schemas.microsoft.com/office/drawing/2014/main" id="{F3B58BF5-75D7-379E-9AC9-BBF7DC32C505}"/>
-              </a:ext>
-            </a:extLst>
-          </p:cNvPr>
-          <p:cNvSpPr txBox="1"/>
-          <p:nvPr/>
-        </p:nvSpPr>
-        <p:spPr>
-          <a:xfrm>
-            <a:off x="434088" y="2388169"/>
-            <a:ext cx="3116832" cy="307777"/>
-          </a:xfrm>
-          <a:prstGeom prst="rect">
-            <a:avLst/>
-          </a:prstGeom>
-          <a:noFill/>
-        </p:spPr>
-        <p:txBody>
-          <a:bodyPr wrap="square" rtlCol="0">
-            <a:spAutoFit/>
-          </a:bodyPr>
-          <a:lstStyle/>
-          <a:p>
-            <a:r>
-              <a:rPr lang="en-US" sz="1400" b="1" dirty="0"/>
-              <a:t>Application Activity Generator Repo</a:t>
-            </a:r>
-            <a:endParaRPr lang="en-SG" sz="1400" b="1" dirty="0"/>
-          </a:p>
-        </p:txBody>
-      </p:sp>
       <p:pic>
         <p:nvPicPr>
-          <p:cNvPr id="17" name="Picture 16" descr="Icon&#10;&#10;Description automatically generated">
-            <a:extLst>
-              <a:ext uri="{FF2B5EF4-FFF2-40B4-BE49-F238E27FC236}">
-                <a16:creationId xmlns:a16="http://schemas.microsoft.com/office/drawing/2014/main" id="{BF027C16-1015-2469-46E8-9B4E0E9561E0}"/>
+          <p:cNvPr id="8" name="Picture 7">
+            <a:extLst>
+              <a:ext uri="{FF2B5EF4-FFF2-40B4-BE49-F238E27FC236}">
+                <a16:creationId xmlns:a16="http://schemas.microsoft.com/office/drawing/2014/main" id="{A1BF0522-C6EC-850C-3D04-CC06EBCFA6F7}"/>
               </a:ext>
             </a:extLst>
           </p:cNvPr>
@@ -4389,15 +3878,17 @@
           <p:nvPr/>
         </p:nvPicPr>
         <p:blipFill>
-          <a:blip r:embed="rId11"/>
+          <a:blip r:embed="rId2">
+            <a:alphaModFix amt="85000"/>
+          </a:blip>
           <a:stretch>
             <a:fillRect/>
           </a:stretch>
         </p:blipFill>
         <p:spPr>
           <a:xfrm>
-            <a:off x="2362417" y="2840015"/>
-            <a:ext cx="476189" cy="476189"/>
+            <a:off x="634395" y="1306202"/>
+            <a:ext cx="391856" cy="391856"/>
           </a:xfrm>
           <a:prstGeom prst="rect">
             <a:avLst/>
@@ -4411,10 +3902,10 @@
       </p:pic>
       <p:pic>
         <p:nvPicPr>
-          <p:cNvPr id="19" name="Picture 18" descr="Graphical user interface, logo&#10;&#10;Description automatically generated">
-            <a:extLst>
-              <a:ext uri="{FF2B5EF4-FFF2-40B4-BE49-F238E27FC236}">
-                <a16:creationId xmlns:a16="http://schemas.microsoft.com/office/drawing/2014/main" id="{1F9BCE11-C5ED-0BEE-E9EB-B463D877A518}"/>
+          <p:cNvPr id="10" name="Picture 9">
+            <a:extLst>
+              <a:ext uri="{FF2B5EF4-FFF2-40B4-BE49-F238E27FC236}">
+                <a16:creationId xmlns:a16="http://schemas.microsoft.com/office/drawing/2014/main" id="{E6C0E31D-9230-EF97-B2E7-8C85F43511AB}"/>
               </a:ext>
             </a:extLst>
           </p:cNvPr>
@@ -4423,15 +3914,18 @@
           </p:cNvPicPr>
           <p:nvPr/>
         </p:nvPicPr>
-        <p:blipFill rotWithShape="1">
-          <a:blip r:embed="rId12"/>
-          <a:srcRect t="19285" r="62157" b="18321"/>
-          <a:stretch/>
+        <p:blipFill>
+          <a:blip r:embed="rId3">
+            <a:alphaModFix amt="85000"/>
+          </a:blip>
+          <a:stretch>
+            <a:fillRect/>
+          </a:stretch>
         </p:blipFill>
         <p:spPr>
           <a:xfrm>
-            <a:off x="1187872" y="2843186"/>
-            <a:ext cx="504799" cy="461665"/>
+            <a:off x="1134384" y="1307557"/>
+            <a:ext cx="391856" cy="391856"/>
           </a:xfrm>
           <a:prstGeom prst="rect">
             <a:avLst/>
@@ -4445,10 +3939,10 @@
       </p:pic>
       <p:pic>
         <p:nvPicPr>
-          <p:cNvPr id="21" name="Picture 20" descr="Icon&#10;&#10;Description automatically generated">
-            <a:extLst>
-              <a:ext uri="{FF2B5EF4-FFF2-40B4-BE49-F238E27FC236}">
-                <a16:creationId xmlns:a16="http://schemas.microsoft.com/office/drawing/2014/main" id="{4DAC89FD-5512-2D23-AB8B-7D3B3832949B}"/>
+          <p:cNvPr id="12" name="Picture 11">
+            <a:extLst>
+              <a:ext uri="{FF2B5EF4-FFF2-40B4-BE49-F238E27FC236}">
+                <a16:creationId xmlns:a16="http://schemas.microsoft.com/office/drawing/2014/main" id="{3DBDA4B5-9643-9A86-70E2-E85CEEE396F9}"/>
               </a:ext>
             </a:extLst>
           </p:cNvPr>
@@ -4458,49 +3952,17 @@
           <p:nvPr/>
         </p:nvPicPr>
         <p:blipFill>
-          <a:blip r:embed="rId13"/>
+          <a:blip r:embed="rId4">
+            <a:alphaModFix amt="85000"/>
+          </a:blip>
           <a:stretch>
             <a:fillRect/>
           </a:stretch>
         </p:blipFill>
         <p:spPr>
           <a:xfrm>
-            <a:off x="619239" y="2843186"/>
-            <a:ext cx="461665" cy="461665"/>
-          </a:xfrm>
-          <a:prstGeom prst="rect">
-            <a:avLst/>
-          </a:prstGeom>
-          <a:ln w="12700">
-            <a:solidFill>
-              <a:schemeClr val="tx1"/>
-            </a:solidFill>
-          </a:ln>
-        </p:spPr>
-      </p:pic>
-      <p:pic>
-        <p:nvPicPr>
-          <p:cNvPr id="22" name="Picture 21" descr="A red sign with white letters&#10;&#10;Description automatically generated with low confidence">
-            <a:extLst>
-              <a:ext uri="{FF2B5EF4-FFF2-40B4-BE49-F238E27FC236}">
-                <a16:creationId xmlns:a16="http://schemas.microsoft.com/office/drawing/2014/main" id="{71276E14-4550-181F-ABAE-9375818CEF3C}"/>
-              </a:ext>
-            </a:extLst>
-          </p:cNvPr>
-          <p:cNvPicPr>
-            <a:picLocks noChangeAspect="1"/>
-          </p:cNvPicPr>
-          <p:nvPr/>
-        </p:nvPicPr>
-        <p:blipFill rotWithShape="1">
-          <a:blip r:embed="rId14"/>
-          <a:srcRect l="-1" r="-7307"/>
-          <a:stretch/>
-        </p:blipFill>
-        <p:spPr>
-          <a:xfrm>
-            <a:off x="1793784" y="2843186"/>
-            <a:ext cx="476190" cy="467964"/>
+            <a:off x="1663844" y="1314145"/>
+            <a:ext cx="406283" cy="406283"/>
           </a:xfrm>
           <a:prstGeom prst="rect">
             <a:avLst/>
@@ -4514,10 +3976,10 @@
       </p:pic>
       <p:pic>
         <p:nvPicPr>
-          <p:cNvPr id="24" name="Picture 23">
-            <a:extLst>
-              <a:ext uri="{FF2B5EF4-FFF2-40B4-BE49-F238E27FC236}">
-                <a16:creationId xmlns:a16="http://schemas.microsoft.com/office/drawing/2014/main" id="{FC27AF9C-F960-E5D7-777D-6AAC00070554}"/>
+          <p:cNvPr id="14" name="Picture 13">
+            <a:extLst>
+              <a:ext uri="{FF2B5EF4-FFF2-40B4-BE49-F238E27FC236}">
+                <a16:creationId xmlns:a16="http://schemas.microsoft.com/office/drawing/2014/main" id="{073E0814-3674-CFAB-4EB5-86328B0377AF}"/>
               </a:ext>
             </a:extLst>
           </p:cNvPr>
@@ -4527,15 +3989,17 @@
           <p:nvPr/>
         </p:nvPicPr>
         <p:blipFill>
-          <a:blip r:embed="rId15"/>
+          <a:blip r:embed="rId5">
+            <a:alphaModFix amt="85000"/>
+          </a:blip>
           <a:stretch>
             <a:fillRect/>
           </a:stretch>
         </p:blipFill>
         <p:spPr>
           <a:xfrm>
-            <a:off x="2928284" y="2834778"/>
-            <a:ext cx="476190" cy="476190"/>
+            <a:off x="2202997" y="1323100"/>
+            <a:ext cx="406282" cy="406282"/>
           </a:xfrm>
           <a:prstGeom prst="rect">
             <a:avLst/>
@@ -4549,10 +4013,10 @@
       </p:pic>
       <p:pic>
         <p:nvPicPr>
-          <p:cNvPr id="26" name="Picture 25">
-            <a:extLst>
-              <a:ext uri="{FF2B5EF4-FFF2-40B4-BE49-F238E27FC236}">
-                <a16:creationId xmlns:a16="http://schemas.microsoft.com/office/drawing/2014/main" id="{4FA48A7A-54CD-8667-1202-81E5C0DE5288}"/>
+          <p:cNvPr id="16" name="Picture 15">
+            <a:extLst>
+              <a:ext uri="{FF2B5EF4-FFF2-40B4-BE49-F238E27FC236}">
+                <a16:creationId xmlns:a16="http://schemas.microsoft.com/office/drawing/2014/main" id="{4AA0F7F5-89EC-0B6D-D75A-E7DD822252F1}"/>
               </a:ext>
             </a:extLst>
           </p:cNvPr>
@@ -4562,15 +4026,17 @@
           <p:nvPr/>
         </p:nvPicPr>
         <p:blipFill>
-          <a:blip r:embed="rId16"/>
+          <a:blip r:embed="rId6">
+            <a:alphaModFix amt="85000"/>
+          </a:blip>
           <a:stretch>
             <a:fillRect/>
           </a:stretch>
         </p:blipFill>
         <p:spPr>
           <a:xfrm>
-            <a:off x="604714" y="3415384"/>
-            <a:ext cx="476190" cy="466667"/>
+            <a:off x="634395" y="1824800"/>
+            <a:ext cx="378027" cy="410139"/>
           </a:xfrm>
           <a:prstGeom prst="rect">
             <a:avLst/>
@@ -4584,10 +4050,10 @@
       </p:pic>
       <p:pic>
         <p:nvPicPr>
-          <p:cNvPr id="27" name="Picture 26" descr="Icon&#10;&#10;Description automatically generated">
-            <a:extLst>
-              <a:ext uri="{FF2B5EF4-FFF2-40B4-BE49-F238E27FC236}">
-                <a16:creationId xmlns:a16="http://schemas.microsoft.com/office/drawing/2014/main" id="{B2B3F3BB-CBEB-655A-A3E1-3FB7AD90734E}"/>
+          <p:cNvPr id="18" name="Picture 17">
+            <a:extLst>
+              <a:ext uri="{FF2B5EF4-FFF2-40B4-BE49-F238E27FC236}">
+                <a16:creationId xmlns:a16="http://schemas.microsoft.com/office/drawing/2014/main" id="{CE48A944-D021-5B5C-76F5-302DA892970D}"/>
               </a:ext>
             </a:extLst>
           </p:cNvPr>
@@ -4597,15 +4063,15 @@
           <p:nvPr/>
         </p:nvPicPr>
         <p:blipFill>
-          <a:blip r:embed="rId17"/>
+          <a:blip r:embed="rId7"/>
           <a:stretch>
             <a:fillRect/>
           </a:stretch>
         </p:blipFill>
         <p:spPr>
           <a:xfrm>
-            <a:off x="1201958" y="3417848"/>
-            <a:ext cx="476190" cy="476190"/>
+            <a:off x="1131443" y="1831203"/>
+            <a:ext cx="391857" cy="391857"/>
           </a:xfrm>
           <a:prstGeom prst="rect">
             <a:avLst/>
@@ -4619,10 +4085,10 @@
       </p:pic>
       <p:pic>
         <p:nvPicPr>
-          <p:cNvPr id="29" name="Picture 28">
-            <a:extLst>
-              <a:ext uri="{FF2B5EF4-FFF2-40B4-BE49-F238E27FC236}">
-                <a16:creationId xmlns:a16="http://schemas.microsoft.com/office/drawing/2014/main" id="{4DC026DB-114A-9141-9371-BB089D14C699}"/>
+          <p:cNvPr id="20" name="Picture 19">
+            <a:extLst>
+              <a:ext uri="{FF2B5EF4-FFF2-40B4-BE49-F238E27FC236}">
+                <a16:creationId xmlns:a16="http://schemas.microsoft.com/office/drawing/2014/main" id="{B55EC4B4-73D3-11A1-ABD4-6FE7CA0E4DBE}"/>
               </a:ext>
             </a:extLst>
           </p:cNvPr>
@@ -4632,15 +4098,17 @@
           <p:nvPr/>
         </p:nvPicPr>
         <p:blipFill>
-          <a:blip r:embed="rId18"/>
+          <a:blip r:embed="rId8">
+            <a:alphaModFix amt="85000"/>
+          </a:blip>
           <a:stretch>
             <a:fillRect/>
           </a:stretch>
         </p:blipFill>
         <p:spPr>
           <a:xfrm>
-            <a:off x="1793784" y="3405861"/>
-            <a:ext cx="476190" cy="476190"/>
+            <a:off x="1657196" y="1822008"/>
+            <a:ext cx="412931" cy="412931"/>
           </a:xfrm>
           <a:prstGeom prst="rect">
             <a:avLst/>
@@ -4654,10 +4122,10 @@
       </p:pic>
       <p:pic>
         <p:nvPicPr>
-          <p:cNvPr id="31" name="Picture 30">
-            <a:extLst>
-              <a:ext uri="{FF2B5EF4-FFF2-40B4-BE49-F238E27FC236}">
-                <a16:creationId xmlns:a16="http://schemas.microsoft.com/office/drawing/2014/main" id="{C72599EA-8E2E-57B7-09F2-630D5890E4EB}"/>
+          <p:cNvPr id="3" name="Picture 2">
+            <a:extLst>
+              <a:ext uri="{FF2B5EF4-FFF2-40B4-BE49-F238E27FC236}">
+                <a16:creationId xmlns:a16="http://schemas.microsoft.com/office/drawing/2014/main" id="{A44ACFE4-00E0-1C85-8A59-E7BED5CF0040}"/>
               </a:ext>
             </a:extLst>
           </p:cNvPr>
@@ -4667,15 +4135,17 @@
           <p:nvPr/>
         </p:nvPicPr>
         <p:blipFill>
-          <a:blip r:embed="rId19"/>
+          <a:blip r:embed="rId9">
+            <a:alphaModFix amt="85000"/>
+          </a:blip>
           <a:stretch>
             <a:fillRect/>
           </a:stretch>
         </p:blipFill>
         <p:spPr>
           <a:xfrm>
-            <a:off x="2377990" y="3405861"/>
-            <a:ext cx="476190" cy="476190"/>
+            <a:off x="2218814" y="1824997"/>
+            <a:ext cx="412931" cy="412931"/>
           </a:xfrm>
           <a:prstGeom prst="rect">
             <a:avLst/>
@@ -4687,12 +4157,49 @@
           </a:ln>
         </p:spPr>
       </p:pic>
-      <p:sp>
-        <p:nvSpPr>
-          <p:cNvPr id="32" name="TextBox 31">
-            <a:extLst>
-              <a:ext uri="{FF2B5EF4-FFF2-40B4-BE49-F238E27FC236}">
-                <a16:creationId xmlns:a16="http://schemas.microsoft.com/office/drawing/2014/main" id="{4F020276-CF6C-C3E7-315A-4A15F12CDEA2}"/>
+      <p:pic>
+        <p:nvPicPr>
+          <p:cNvPr id="7" name="Picture 6">
+            <a:extLst>
+              <a:ext uri="{FF2B5EF4-FFF2-40B4-BE49-F238E27FC236}">
+                <a16:creationId xmlns:a16="http://schemas.microsoft.com/office/drawing/2014/main" id="{733503BF-7149-F44D-4161-1B52B8A3FF05}"/>
+              </a:ext>
+            </a:extLst>
+          </p:cNvPr>
+          <p:cNvPicPr>
+            <a:picLocks noChangeAspect="1"/>
+          </p:cNvPicPr>
+          <p:nvPr/>
+        </p:nvPicPr>
+        <p:blipFill>
+          <a:blip r:embed="rId10">
+            <a:alphaModFix amt="85000"/>
+          </a:blip>
+          <a:stretch>
+            <a:fillRect/>
+          </a:stretch>
+        </p:blipFill>
+        <p:spPr>
+          <a:xfrm>
+            <a:off x="2729172" y="1323100"/>
+            <a:ext cx="402390" cy="402390"/>
+          </a:xfrm>
+          <a:prstGeom prst="rect">
+            <a:avLst/>
+          </a:prstGeom>
+          <a:ln w="9525">
+            <a:solidFill>
+              <a:schemeClr val="tx1"/>
+            </a:solidFill>
+          </a:ln>
+        </p:spPr>
+      </p:pic>
+      <p:sp>
+        <p:nvSpPr>
+          <p:cNvPr id="9" name="TextBox 8">
+            <a:extLst>
+              <a:ext uri="{FF2B5EF4-FFF2-40B4-BE49-F238E27FC236}">
+                <a16:creationId xmlns:a16="http://schemas.microsoft.com/office/drawing/2014/main" id="{DD3783EB-DE79-B8C3-0845-CD97977324CD}"/>
               </a:ext>
             </a:extLst>
           </p:cNvPr>
@@ -4701,7 +4208,7 @@
         </p:nvSpPr>
         <p:spPr>
           <a:xfrm>
-            <a:off x="2928284" y="3427431"/>
+            <a:off x="2687289" y="1801106"/>
             <a:ext cx="377190" cy="523220"/>
           </a:xfrm>
           <a:prstGeom prst="rect">
@@ -4725,10 +4232,46 @@
       </p:sp>
       <p:sp>
         <p:nvSpPr>
-          <p:cNvPr id="33" name="Rectangle 32">
-            <a:extLst>
-              <a:ext uri="{FF2B5EF4-FFF2-40B4-BE49-F238E27FC236}">
-                <a16:creationId xmlns:a16="http://schemas.microsoft.com/office/drawing/2014/main" id="{2829CD0F-6062-08CA-7B61-186643401287}"/>
+          <p:cNvPr id="11" name="TextBox 10">
+            <a:extLst>
+              <a:ext uri="{FF2B5EF4-FFF2-40B4-BE49-F238E27FC236}">
+                <a16:creationId xmlns:a16="http://schemas.microsoft.com/office/drawing/2014/main" id="{EE6230D4-AC48-3850-E80D-2A9AC969B64D}"/>
+              </a:ext>
+            </a:extLst>
+          </p:cNvPr>
+          <p:cNvSpPr txBox="1"/>
+          <p:nvPr/>
+        </p:nvSpPr>
+        <p:spPr>
+          <a:xfrm>
+            <a:off x="434088" y="891645"/>
+            <a:ext cx="2970386" cy="307777"/>
+          </a:xfrm>
+          <a:prstGeom prst="rect">
+            <a:avLst/>
+          </a:prstGeom>
+          <a:noFill/>
+        </p:spPr>
+        <p:txBody>
+          <a:bodyPr wrap="square" rtlCol="0">
+            <a:spAutoFit/>
+          </a:bodyPr>
+          <a:lstStyle/>
+          <a:p>
+            <a:r>
+              <a:rPr lang="en-US" sz="1400" b="1" dirty="0"/>
+              <a:t>Network Activities Module Repo</a:t>
+            </a:r>
+            <a:endParaRPr lang="en-SG" sz="1400" b="1" dirty="0"/>
+          </a:p>
+        </p:txBody>
+      </p:sp>
+      <p:sp>
+        <p:nvSpPr>
+          <p:cNvPr id="13" name="Rectangle 12">
+            <a:extLst>
+              <a:ext uri="{FF2B5EF4-FFF2-40B4-BE49-F238E27FC236}">
+                <a16:creationId xmlns:a16="http://schemas.microsoft.com/office/drawing/2014/main" id="{5A8033D0-9BEB-DF6E-C032-6D100A50E1B8}"/>
               </a:ext>
             </a:extLst>
           </p:cNvPr>
@@ -4737,14 +4280,14 @@
         </p:nvSpPr>
         <p:spPr>
           <a:xfrm>
-            <a:off x="512270" y="4428774"/>
-            <a:ext cx="3106884" cy="1256417"/>
+            <a:off x="512270" y="2732653"/>
+            <a:ext cx="2790140" cy="1134483"/>
           </a:xfrm>
           <a:prstGeom prst="rect">
             <a:avLst/>
           </a:prstGeom>
           <a:solidFill>
-            <a:schemeClr val="accent2">
+            <a:schemeClr val="accent4">
               <a:lumMod val="20000"/>
               <a:lumOff val="80000"/>
             </a:schemeClr>
@@ -4777,10 +4320,10 @@
       </p:sp>
       <p:sp>
         <p:nvSpPr>
-          <p:cNvPr id="34" name="TextBox 33">
-            <a:extLst>
-              <a:ext uri="{FF2B5EF4-FFF2-40B4-BE49-F238E27FC236}">
-                <a16:creationId xmlns:a16="http://schemas.microsoft.com/office/drawing/2014/main" id="{402ED6BC-C3A1-4E68-4101-5791F5F43094}"/>
+          <p:cNvPr id="15" name="TextBox 14">
+            <a:extLst>
+              <a:ext uri="{FF2B5EF4-FFF2-40B4-BE49-F238E27FC236}">
+                <a16:creationId xmlns:a16="http://schemas.microsoft.com/office/drawing/2014/main" id="{F3B58BF5-75D7-379E-9AC9-BBF7DC32C505}"/>
               </a:ext>
             </a:extLst>
           </p:cNvPr>
@@ -4789,7 +4332,7 @@
         </p:nvSpPr>
         <p:spPr>
           <a:xfrm>
-            <a:off x="434088" y="4084290"/>
+            <a:off x="400720" y="2415167"/>
             <a:ext cx="3116832" cy="307777"/>
           </a:xfrm>
           <a:prstGeom prst="rect">
@@ -4805,54 +4348,18 @@
           <a:p>
             <a:r>
               <a:rPr lang="en-US" sz="1400" b="1" dirty="0"/>
-              <a:t>Human Activity Generator Repo</a:t>
+              <a:t>Application Activities Module Repo</a:t>
             </a:r>
             <a:endParaRPr lang="en-SG" sz="1400" b="1" dirty="0"/>
-          </a:p>
-        </p:txBody>
-      </p:sp>
-      <p:sp>
-        <p:nvSpPr>
-          <p:cNvPr id="44" name="TextBox 43">
-            <a:extLst>
-              <a:ext uri="{FF2B5EF4-FFF2-40B4-BE49-F238E27FC236}">
-                <a16:creationId xmlns:a16="http://schemas.microsoft.com/office/drawing/2014/main" id="{3AA783C8-8F41-6087-DE31-EEC23D46DA19}"/>
-              </a:ext>
-            </a:extLst>
-          </p:cNvPr>
-          <p:cNvSpPr txBox="1"/>
-          <p:nvPr/>
-        </p:nvSpPr>
-        <p:spPr>
-          <a:xfrm>
-            <a:off x="2928284" y="5123552"/>
-            <a:ext cx="377190" cy="523220"/>
-          </a:xfrm>
-          <a:prstGeom prst="rect">
-            <a:avLst/>
-          </a:prstGeom>
-          <a:noFill/>
-        </p:spPr>
-        <p:txBody>
-          <a:bodyPr wrap="square" rtlCol="0">
-            <a:spAutoFit/>
-          </a:bodyPr>
-          <a:lstStyle/>
-          <a:p>
-            <a:r>
-              <a:rPr lang="en-US" sz="2800" b="1" dirty="0"/>
-              <a:t>…</a:t>
-            </a:r>
-            <a:endParaRPr lang="en-SG" sz="2800" b="1" dirty="0"/>
           </a:p>
         </p:txBody>
       </p:sp>
       <p:pic>
         <p:nvPicPr>
-          <p:cNvPr id="45" name="Picture 44" descr="A picture containing logo&#10;&#10;Description automatically generated">
-            <a:extLst>
-              <a:ext uri="{FF2B5EF4-FFF2-40B4-BE49-F238E27FC236}">
-                <a16:creationId xmlns:a16="http://schemas.microsoft.com/office/drawing/2014/main" id="{670E3DF4-A19B-CE5E-4377-5982373FD79A}"/>
+          <p:cNvPr id="17" name="Picture 16" descr="Icon&#10;&#10;Description automatically generated">
+            <a:extLst>
+              <a:ext uri="{FF2B5EF4-FFF2-40B4-BE49-F238E27FC236}">
+                <a16:creationId xmlns:a16="http://schemas.microsoft.com/office/drawing/2014/main" id="{BF027C16-1015-2469-46E8-9B4E0E9561E0}"/>
               </a:ext>
             </a:extLst>
           </p:cNvPr>
@@ -4862,15 +4369,17 @@
           <p:nvPr/>
         </p:nvPicPr>
         <p:blipFill>
-          <a:blip r:embed="rId20"/>
+          <a:blip r:embed="rId11">
+            <a:alphaModFix amt="70000"/>
+          </a:blip>
           <a:stretch>
             <a:fillRect/>
           </a:stretch>
         </p:blipFill>
         <p:spPr>
           <a:xfrm>
-            <a:off x="589558" y="4519062"/>
-            <a:ext cx="491346" cy="491346"/>
+            <a:off x="2245292" y="2834078"/>
+            <a:ext cx="401301" cy="401301"/>
           </a:xfrm>
           <a:prstGeom prst="rect">
             <a:avLst/>
@@ -4884,10 +4393,10 @@
       </p:pic>
       <p:pic>
         <p:nvPicPr>
-          <p:cNvPr id="47" name="Picture 46">
-            <a:extLst>
-              <a:ext uri="{FF2B5EF4-FFF2-40B4-BE49-F238E27FC236}">
-                <a16:creationId xmlns:a16="http://schemas.microsoft.com/office/drawing/2014/main" id="{A292ACD7-DCD5-DA09-1D87-EB155625CF7D}"/>
+          <p:cNvPr id="19" name="Picture 18" descr="Graphical user interface, logo&#10;&#10;Description automatically generated">
+            <a:extLst>
+              <a:ext uri="{FF2B5EF4-FFF2-40B4-BE49-F238E27FC236}">
+                <a16:creationId xmlns:a16="http://schemas.microsoft.com/office/drawing/2014/main" id="{1F9BCE11-C5ED-0BEE-E9EB-B463D877A518}"/>
               </a:ext>
             </a:extLst>
           </p:cNvPr>
@@ -4896,16 +4405,15 @@
           </p:cNvPicPr>
           <p:nvPr/>
         </p:nvPicPr>
-        <p:blipFill>
-          <a:blip r:embed="rId21"/>
-          <a:stretch>
-            <a:fillRect/>
-          </a:stretch>
+        <p:blipFill rotWithShape="1">
+          <a:blip r:embed="rId12"/>
+          <a:srcRect t="19285" r="62157" b="18321"/>
+          <a:stretch/>
         </p:blipFill>
         <p:spPr>
           <a:xfrm>
-            <a:off x="1187872" y="4519062"/>
-            <a:ext cx="476190" cy="476190"/>
+            <a:off x="1132270" y="2834778"/>
+            <a:ext cx="438795" cy="401301"/>
           </a:xfrm>
           <a:prstGeom prst="rect">
             <a:avLst/>
@@ -4919,10 +4427,10 @@
       </p:pic>
       <p:pic>
         <p:nvPicPr>
-          <p:cNvPr id="48" name="Picture 47" descr="A close-up of a game controller&#10;&#10;Description automatically generated with low confidence">
-            <a:extLst>
-              <a:ext uri="{FF2B5EF4-FFF2-40B4-BE49-F238E27FC236}">
-                <a16:creationId xmlns:a16="http://schemas.microsoft.com/office/drawing/2014/main" id="{72A672C6-6F27-1320-E7D8-15BD4801D808}"/>
+          <p:cNvPr id="21" name="Picture 20" descr="Icon&#10;&#10;Description automatically generated">
+            <a:extLst>
+              <a:ext uri="{FF2B5EF4-FFF2-40B4-BE49-F238E27FC236}">
+                <a16:creationId xmlns:a16="http://schemas.microsoft.com/office/drawing/2014/main" id="{4DAC89FD-5512-2D23-AB8B-7D3B3832949B}"/>
               </a:ext>
             </a:extLst>
           </p:cNvPr>
@@ -4932,15 +4440,53 @@
           <p:nvPr/>
         </p:nvPicPr>
         <p:blipFill>
-          <a:blip r:embed="rId22"/>
+          <a:blip r:embed="rId13">
+            <a:alphaModFix amt="85000"/>
+          </a:blip>
           <a:stretch>
             <a:fillRect/>
           </a:stretch>
         </p:blipFill>
         <p:spPr>
           <a:xfrm>
-            <a:off x="1771030" y="4527604"/>
-            <a:ext cx="474262" cy="474262"/>
+            <a:off x="619239" y="2843186"/>
+            <a:ext cx="392893" cy="392893"/>
+          </a:xfrm>
+          <a:prstGeom prst="rect">
+            <a:avLst/>
+          </a:prstGeom>
+          <a:ln w="12700">
+            <a:solidFill>
+              <a:schemeClr val="tx1"/>
+            </a:solidFill>
+          </a:ln>
+        </p:spPr>
+      </p:pic>
+      <p:pic>
+        <p:nvPicPr>
+          <p:cNvPr id="22" name="Picture 21" descr="A red sign with white letters&#10;&#10;Description automatically generated with low confidence">
+            <a:extLst>
+              <a:ext uri="{FF2B5EF4-FFF2-40B4-BE49-F238E27FC236}">
+                <a16:creationId xmlns:a16="http://schemas.microsoft.com/office/drawing/2014/main" id="{71276E14-4550-181F-ABAE-9375818CEF3C}"/>
+              </a:ext>
+            </a:extLst>
+          </p:cNvPr>
+          <p:cNvPicPr>
+            <a:picLocks noChangeAspect="1"/>
+          </p:cNvPicPr>
+          <p:nvPr/>
+        </p:nvPicPr>
+        <p:blipFill rotWithShape="1">
+          <a:blip r:embed="rId14">
+            <a:alphaModFix amt="70000"/>
+          </a:blip>
+          <a:srcRect l="-1" r="-7307"/>
+          <a:stretch/>
+        </p:blipFill>
+        <p:spPr>
+          <a:xfrm>
+            <a:off x="1703315" y="2843186"/>
+            <a:ext cx="399799" cy="392893"/>
           </a:xfrm>
           <a:prstGeom prst="rect">
             <a:avLst/>
@@ -4954,10 +4500,10 @@
       </p:pic>
       <p:pic>
         <p:nvPicPr>
-          <p:cNvPr id="49" name="Picture 48" descr="A picture containing text, crossword puzzle&#10;&#10;Description automatically generated">
-            <a:extLst>
-              <a:ext uri="{FF2B5EF4-FFF2-40B4-BE49-F238E27FC236}">
-                <a16:creationId xmlns:a16="http://schemas.microsoft.com/office/drawing/2014/main" id="{213C3A60-933F-13D5-DEB2-DE7E765AAD8E}"/>
+          <p:cNvPr id="24" name="Picture 23">
+            <a:extLst>
+              <a:ext uri="{FF2B5EF4-FFF2-40B4-BE49-F238E27FC236}">
+                <a16:creationId xmlns:a16="http://schemas.microsoft.com/office/drawing/2014/main" id="{FC27AF9C-F960-E5D7-777D-6AAC00070554}"/>
               </a:ext>
             </a:extLst>
           </p:cNvPr>
@@ -4967,15 +4513,17 @@
           <p:nvPr/>
         </p:nvPicPr>
         <p:blipFill>
-          <a:blip r:embed="rId23"/>
+          <a:blip r:embed="rId15">
+            <a:alphaModFix amt="85000"/>
+          </a:blip>
           <a:stretch>
             <a:fillRect/>
           </a:stretch>
         </p:blipFill>
         <p:spPr>
           <a:xfrm>
-            <a:off x="2379917" y="4520989"/>
-            <a:ext cx="474263" cy="474263"/>
+            <a:off x="2762575" y="2817348"/>
+            <a:ext cx="418031" cy="418031"/>
           </a:xfrm>
           <a:prstGeom prst="rect">
             <a:avLst/>
@@ -4989,10 +4537,10 @@
       </p:pic>
       <p:pic>
         <p:nvPicPr>
-          <p:cNvPr id="51" name="Picture 50">
-            <a:extLst>
-              <a:ext uri="{FF2B5EF4-FFF2-40B4-BE49-F238E27FC236}">
-                <a16:creationId xmlns:a16="http://schemas.microsoft.com/office/drawing/2014/main" id="{A04A134A-710C-49FF-6559-50B6854A2430}"/>
+          <p:cNvPr id="26" name="Picture 25">
+            <a:extLst>
+              <a:ext uri="{FF2B5EF4-FFF2-40B4-BE49-F238E27FC236}">
+                <a16:creationId xmlns:a16="http://schemas.microsoft.com/office/drawing/2014/main" id="{4FA48A7A-54CD-8667-1202-81E5C0DE5288}"/>
               </a:ext>
             </a:extLst>
           </p:cNvPr>
@@ -5002,15 +4550,17 @@
           <p:nvPr/>
         </p:nvPicPr>
         <p:blipFill>
-          <a:blip r:embed="rId24"/>
+          <a:blip r:embed="rId16">
+            <a:alphaModFix amt="85000"/>
+          </a:blip>
           <a:stretch>
             <a:fillRect/>
           </a:stretch>
         </p:blipFill>
         <p:spPr>
           <a:xfrm>
-            <a:off x="2966054" y="4542830"/>
-            <a:ext cx="476190" cy="466667"/>
+            <a:off x="612591" y="3360862"/>
+            <a:ext cx="400912" cy="392894"/>
           </a:xfrm>
           <a:prstGeom prst="rect">
             <a:avLst/>
@@ -5024,10 +4574,10 @@
       </p:pic>
       <p:pic>
         <p:nvPicPr>
-          <p:cNvPr id="53" name="Picture 52">
-            <a:extLst>
-              <a:ext uri="{FF2B5EF4-FFF2-40B4-BE49-F238E27FC236}">
-                <a16:creationId xmlns:a16="http://schemas.microsoft.com/office/drawing/2014/main" id="{9C7497ED-5EE7-10DE-F57B-E717B302533F}"/>
+          <p:cNvPr id="27" name="Picture 26" descr="Icon&#10;&#10;Description automatically generated">
+            <a:extLst>
+              <a:ext uri="{FF2B5EF4-FFF2-40B4-BE49-F238E27FC236}">
+                <a16:creationId xmlns:a16="http://schemas.microsoft.com/office/drawing/2014/main" id="{B2B3F3BB-CBEB-655A-A3E1-3FB7AD90734E}"/>
               </a:ext>
             </a:extLst>
           </p:cNvPr>
@@ -5037,15 +4587,17 @@
           <p:nvPr/>
         </p:nvPicPr>
         <p:blipFill>
-          <a:blip r:embed="rId25"/>
+          <a:blip r:embed="rId17">
+            <a:alphaModFix amt="85000"/>
+          </a:blip>
           <a:stretch>
             <a:fillRect/>
           </a:stretch>
         </p:blipFill>
         <p:spPr>
           <a:xfrm>
-            <a:off x="589557" y="5087284"/>
-            <a:ext cx="491347" cy="491347"/>
+            <a:off x="1140861" y="3355052"/>
+            <a:ext cx="422740" cy="422740"/>
           </a:xfrm>
           <a:prstGeom prst="rect">
             <a:avLst/>
@@ -5059,10 +4611,10 @@
       </p:pic>
       <p:pic>
         <p:nvPicPr>
-          <p:cNvPr id="54" name="Picture 53" descr="Icon&#10;&#10;Description automatically generated">
-            <a:extLst>
-              <a:ext uri="{FF2B5EF4-FFF2-40B4-BE49-F238E27FC236}">
-                <a16:creationId xmlns:a16="http://schemas.microsoft.com/office/drawing/2014/main" id="{3B2E3843-42F8-6AAE-1BBA-A343ECD0DA0A}"/>
+          <p:cNvPr id="29" name="Picture 28">
+            <a:extLst>
+              <a:ext uri="{FF2B5EF4-FFF2-40B4-BE49-F238E27FC236}">
+                <a16:creationId xmlns:a16="http://schemas.microsoft.com/office/drawing/2014/main" id="{4DC026DB-114A-9141-9371-BB089D14C699}"/>
               </a:ext>
             </a:extLst>
           </p:cNvPr>
@@ -5072,15 +4624,17 @@
           <p:nvPr/>
         </p:nvPicPr>
         <p:blipFill>
-          <a:blip r:embed="rId26"/>
+          <a:blip r:embed="rId18">
+            <a:alphaModFix amt="85000"/>
+          </a:blip>
           <a:stretch>
             <a:fillRect/>
           </a:stretch>
         </p:blipFill>
         <p:spPr>
           <a:xfrm>
-            <a:off x="1187872" y="5106546"/>
-            <a:ext cx="468011" cy="468011"/>
+            <a:off x="1703315" y="3377648"/>
+            <a:ext cx="400144" cy="400144"/>
           </a:xfrm>
           <a:prstGeom prst="rect">
             <a:avLst/>
@@ -5094,10 +4648,10 @@
       </p:pic>
       <p:pic>
         <p:nvPicPr>
-          <p:cNvPr id="56" name="Picture 55">
-            <a:extLst>
-              <a:ext uri="{FF2B5EF4-FFF2-40B4-BE49-F238E27FC236}">
-                <a16:creationId xmlns:a16="http://schemas.microsoft.com/office/drawing/2014/main" id="{910F68CB-D736-A604-B790-870DA926ABEB}"/>
+          <p:cNvPr id="31" name="Picture 30">
+            <a:extLst>
+              <a:ext uri="{FF2B5EF4-FFF2-40B4-BE49-F238E27FC236}">
+                <a16:creationId xmlns:a16="http://schemas.microsoft.com/office/drawing/2014/main" id="{C72599EA-8E2E-57B7-09F2-630D5890E4EB}"/>
               </a:ext>
             </a:extLst>
           </p:cNvPr>
@@ -5107,50 +4661,17 @@
           <p:nvPr/>
         </p:nvPicPr>
         <p:blipFill>
-          <a:blip r:embed="rId27"/>
+          <a:blip r:embed="rId19">
+            <a:alphaModFix amt="85000"/>
+          </a:blip>
           <a:stretch>
             <a:fillRect/>
           </a:stretch>
         </p:blipFill>
         <p:spPr>
           <a:xfrm>
-            <a:off x="1763034" y="5102456"/>
-            <a:ext cx="476190" cy="476190"/>
-          </a:xfrm>
-          <a:prstGeom prst="rect">
-            <a:avLst/>
-          </a:prstGeom>
-          <a:ln w="12700">
-            <a:solidFill>
-              <a:schemeClr val="tx1"/>
-            </a:solidFill>
-          </a:ln>
-        </p:spPr>
-      </p:pic>
-      <p:pic>
-        <p:nvPicPr>
-          <p:cNvPr id="58" name="Picture 57">
-            <a:extLst>
-              <a:ext uri="{FF2B5EF4-FFF2-40B4-BE49-F238E27FC236}">
-                <a16:creationId xmlns:a16="http://schemas.microsoft.com/office/drawing/2014/main" id="{B5DC4495-5089-EB7B-7521-BACED82C3824}"/>
-              </a:ext>
-            </a:extLst>
-          </p:cNvPr>
-          <p:cNvPicPr>
-            <a:picLocks noChangeAspect="1"/>
-          </p:cNvPicPr>
-          <p:nvPr/>
-        </p:nvPicPr>
-        <p:blipFill>
-          <a:blip r:embed="rId28"/>
-          <a:stretch>
-            <a:fillRect/>
-          </a:stretch>
-        </p:blipFill>
-        <p:spPr>
-          <a:xfrm>
-            <a:off x="2377990" y="5087284"/>
-            <a:ext cx="476190" cy="476190"/>
+            <a:off x="2270541" y="3376336"/>
+            <a:ext cx="376052" cy="400144"/>
           </a:xfrm>
           <a:prstGeom prst="rect">
             <a:avLst/>
@@ -5164,10 +4685,46 @@
       </p:pic>
       <p:sp>
         <p:nvSpPr>
-          <p:cNvPr id="59" name="Rectangle 58">
-            <a:extLst>
-              <a:ext uri="{FF2B5EF4-FFF2-40B4-BE49-F238E27FC236}">
-                <a16:creationId xmlns:a16="http://schemas.microsoft.com/office/drawing/2014/main" id="{8E1B2449-153C-3D1B-72A4-43937E490AA4}"/>
+          <p:cNvPr id="32" name="TextBox 31">
+            <a:extLst>
+              <a:ext uri="{FF2B5EF4-FFF2-40B4-BE49-F238E27FC236}">
+                <a16:creationId xmlns:a16="http://schemas.microsoft.com/office/drawing/2014/main" id="{4F020276-CF6C-C3E7-315A-4A15F12CDEA2}"/>
+              </a:ext>
+            </a:extLst>
+          </p:cNvPr>
+          <p:cNvSpPr txBox="1"/>
+          <p:nvPr/>
+        </p:nvSpPr>
+        <p:spPr>
+          <a:xfrm>
+            <a:off x="2727139" y="3290467"/>
+            <a:ext cx="377190" cy="523220"/>
+          </a:xfrm>
+          <a:prstGeom prst="rect">
+            <a:avLst/>
+          </a:prstGeom>
+          <a:noFill/>
+        </p:spPr>
+        <p:txBody>
+          <a:bodyPr wrap="square" rtlCol="0">
+            <a:spAutoFit/>
+          </a:bodyPr>
+          <a:lstStyle/>
+          <a:p>
+            <a:r>
+              <a:rPr lang="en-US" sz="2800" b="1" dirty="0"/>
+              <a:t>…</a:t>
+            </a:r>
+            <a:endParaRPr lang="en-SG" sz="2800" b="1" dirty="0"/>
+          </a:p>
+        </p:txBody>
+      </p:sp>
+      <p:sp>
+        <p:nvSpPr>
+          <p:cNvPr id="33" name="Rectangle 32">
+            <a:extLst>
+              <a:ext uri="{FF2B5EF4-FFF2-40B4-BE49-F238E27FC236}">
+                <a16:creationId xmlns:a16="http://schemas.microsoft.com/office/drawing/2014/main" id="{2829CD0F-6062-08CA-7B61-186643401287}"/>
               </a:ext>
             </a:extLst>
           </p:cNvPr>
@@ -5176,14 +4733,17 @@
         </p:nvSpPr>
         <p:spPr>
           <a:xfrm>
-            <a:off x="506524" y="6072229"/>
-            <a:ext cx="3106884" cy="628208"/>
+            <a:off x="512270" y="4428774"/>
+            <a:ext cx="2790140" cy="1193569"/>
           </a:xfrm>
           <a:prstGeom prst="rect">
             <a:avLst/>
           </a:prstGeom>
           <a:solidFill>
-            <a:schemeClr val="bg2"/>
+            <a:schemeClr val="accent2">
+              <a:lumMod val="20000"/>
+              <a:lumOff val="80000"/>
+            </a:schemeClr>
           </a:solidFill>
         </p:spPr>
         <p:style>
@@ -5213,10 +4773,10 @@
       </p:sp>
       <p:sp>
         <p:nvSpPr>
-          <p:cNvPr id="60" name="TextBox 59">
-            <a:extLst>
-              <a:ext uri="{FF2B5EF4-FFF2-40B4-BE49-F238E27FC236}">
-                <a16:creationId xmlns:a16="http://schemas.microsoft.com/office/drawing/2014/main" id="{D2565515-FA44-5009-FDAF-8D351BFF0CDA}"/>
+          <p:cNvPr id="34" name="TextBox 33">
+            <a:extLst>
+              <a:ext uri="{FF2B5EF4-FFF2-40B4-BE49-F238E27FC236}">
+                <a16:creationId xmlns:a16="http://schemas.microsoft.com/office/drawing/2014/main" id="{402ED6BC-C3A1-4E68-4101-5791F5F43094}"/>
               </a:ext>
             </a:extLst>
           </p:cNvPr>
@@ -5225,7 +4785,7 @@
         </p:nvSpPr>
         <p:spPr>
           <a:xfrm>
-            <a:off x="434088" y="5742224"/>
+            <a:off x="434088" y="4084290"/>
             <a:ext cx="3116832" cy="307777"/>
           </a:xfrm>
           <a:prstGeom prst="rect">
@@ -5241,18 +4801,54 @@
           <a:p>
             <a:r>
               <a:rPr lang="en-US" sz="1400" b="1" dirty="0"/>
-              <a:t>System Activity Generator Repo</a:t>
+              <a:t>Human Activities Module Repo</a:t>
             </a:r>
             <a:endParaRPr lang="en-SG" sz="1400" b="1" dirty="0"/>
+          </a:p>
+        </p:txBody>
+      </p:sp>
+      <p:sp>
+        <p:nvSpPr>
+          <p:cNvPr id="44" name="TextBox 43">
+            <a:extLst>
+              <a:ext uri="{FF2B5EF4-FFF2-40B4-BE49-F238E27FC236}">
+                <a16:creationId xmlns:a16="http://schemas.microsoft.com/office/drawing/2014/main" id="{3AA783C8-8F41-6087-DE31-EEC23D46DA19}"/>
+              </a:ext>
+            </a:extLst>
+          </p:cNvPr>
+          <p:cNvSpPr txBox="1"/>
+          <p:nvPr/>
+        </p:nvSpPr>
+        <p:spPr>
+          <a:xfrm>
+            <a:off x="2817910" y="5059829"/>
+            <a:ext cx="377190" cy="523220"/>
+          </a:xfrm>
+          <a:prstGeom prst="rect">
+            <a:avLst/>
+          </a:prstGeom>
+          <a:noFill/>
+        </p:spPr>
+        <p:txBody>
+          <a:bodyPr wrap="square" rtlCol="0">
+            <a:spAutoFit/>
+          </a:bodyPr>
+          <a:lstStyle/>
+          <a:p>
+            <a:r>
+              <a:rPr lang="en-US" sz="2800" b="1" dirty="0"/>
+              <a:t>…</a:t>
+            </a:r>
+            <a:endParaRPr lang="en-SG" sz="2800" b="1" dirty="0"/>
           </a:p>
         </p:txBody>
       </p:sp>
       <p:pic>
         <p:nvPicPr>
-          <p:cNvPr id="61" name="Picture 60" descr="Icon&#10;&#10;Description automatically generated">
-            <a:extLst>
-              <a:ext uri="{FF2B5EF4-FFF2-40B4-BE49-F238E27FC236}">
-                <a16:creationId xmlns:a16="http://schemas.microsoft.com/office/drawing/2014/main" id="{5CD312E8-CD18-85BF-49F9-2EE7A501623A}"/>
+          <p:cNvPr id="45" name="Picture 44" descr="A picture containing logo&#10;&#10;Description automatically generated">
+            <a:extLst>
+              <a:ext uri="{FF2B5EF4-FFF2-40B4-BE49-F238E27FC236}">
+                <a16:creationId xmlns:a16="http://schemas.microsoft.com/office/drawing/2014/main" id="{670E3DF4-A19B-CE5E-4377-5982373FD79A}"/>
               </a:ext>
             </a:extLst>
           </p:cNvPr>
@@ -5262,15 +4858,17 @@
           <p:nvPr/>
         </p:nvPicPr>
         <p:blipFill>
-          <a:blip r:embed="rId29"/>
+          <a:blip r:embed="rId20">
+            <a:alphaModFix amt="85000"/>
+          </a:blip>
           <a:stretch>
             <a:fillRect/>
           </a:stretch>
         </p:blipFill>
         <p:spPr>
           <a:xfrm>
-            <a:off x="604714" y="6177100"/>
-            <a:ext cx="418465" cy="418465"/>
+            <a:off x="589558" y="4519062"/>
+            <a:ext cx="413138" cy="413138"/>
           </a:xfrm>
           <a:prstGeom prst="rect">
             <a:avLst/>
@@ -5284,10 +4882,10 @@
       </p:pic>
       <p:pic>
         <p:nvPicPr>
-          <p:cNvPr id="63" name="Picture 62">
-            <a:extLst>
-              <a:ext uri="{FF2B5EF4-FFF2-40B4-BE49-F238E27FC236}">
-                <a16:creationId xmlns:a16="http://schemas.microsoft.com/office/drawing/2014/main" id="{1B33F830-D033-9024-FD9A-39D599B0AEEC}"/>
+          <p:cNvPr id="47" name="Picture 46">
+            <a:extLst>
+              <a:ext uri="{FF2B5EF4-FFF2-40B4-BE49-F238E27FC236}">
+                <a16:creationId xmlns:a16="http://schemas.microsoft.com/office/drawing/2014/main" id="{A292ACD7-DCD5-DA09-1D87-EB155625CF7D}"/>
               </a:ext>
             </a:extLst>
           </p:cNvPr>
@@ -5297,15 +4895,17 @@
           <p:nvPr/>
         </p:nvPicPr>
         <p:blipFill>
-          <a:blip r:embed="rId30"/>
+          <a:blip r:embed="rId21">
+            <a:alphaModFix amt="85000"/>
+          </a:blip>
           <a:stretch>
             <a:fillRect/>
           </a:stretch>
         </p:blipFill>
         <p:spPr>
           <a:xfrm>
-            <a:off x="1201958" y="6177100"/>
-            <a:ext cx="418465" cy="418465"/>
+            <a:off x="1131443" y="4521417"/>
+            <a:ext cx="420751" cy="420751"/>
           </a:xfrm>
           <a:prstGeom prst="rect">
             <a:avLst/>
@@ -5319,10 +4919,10 @@
       </p:pic>
       <p:pic>
         <p:nvPicPr>
-          <p:cNvPr id="1025" name="Picture 1024">
-            <a:extLst>
-              <a:ext uri="{FF2B5EF4-FFF2-40B4-BE49-F238E27FC236}">
-                <a16:creationId xmlns:a16="http://schemas.microsoft.com/office/drawing/2014/main" id="{6A7EB60E-5764-C99D-2D84-13530292417E}"/>
+          <p:cNvPr id="48" name="Picture 47" descr="A close-up of a game controller&#10;&#10;Description automatically generated with low confidence">
+            <a:extLst>
+              <a:ext uri="{FF2B5EF4-FFF2-40B4-BE49-F238E27FC236}">
+                <a16:creationId xmlns:a16="http://schemas.microsoft.com/office/drawing/2014/main" id="{72A672C6-6F27-1320-E7D8-15BD4801D808}"/>
               </a:ext>
             </a:extLst>
           </p:cNvPr>
@@ -5332,15 +4932,17 @@
           <p:nvPr/>
         </p:nvPicPr>
         <p:blipFill>
-          <a:blip r:embed="rId31"/>
+          <a:blip r:embed="rId22">
+            <a:alphaModFix amt="85000"/>
+          </a:blip>
           <a:stretch>
             <a:fillRect/>
           </a:stretch>
         </p:blipFill>
         <p:spPr>
           <a:xfrm>
-            <a:off x="1762075" y="6185492"/>
-            <a:ext cx="418465" cy="418465"/>
+            <a:off x="1690066" y="4519062"/>
+            <a:ext cx="420751" cy="420751"/>
           </a:xfrm>
           <a:prstGeom prst="rect">
             <a:avLst/>
@@ -5354,10 +4956,10 @@
       </p:pic>
       <p:pic>
         <p:nvPicPr>
-          <p:cNvPr id="1030" name="Picture 1029">
-            <a:extLst>
-              <a:ext uri="{FF2B5EF4-FFF2-40B4-BE49-F238E27FC236}">
-                <a16:creationId xmlns:a16="http://schemas.microsoft.com/office/drawing/2014/main" id="{5F16DD65-1D7E-A22D-DA7D-17969E61D01F}"/>
+          <p:cNvPr id="49" name="Picture 48" descr="A picture containing text, crossword puzzle&#10;&#10;Description automatically generated">
+            <a:extLst>
+              <a:ext uri="{FF2B5EF4-FFF2-40B4-BE49-F238E27FC236}">
+                <a16:creationId xmlns:a16="http://schemas.microsoft.com/office/drawing/2014/main" id="{213C3A60-933F-13D5-DEB2-DE7E765AAD8E}"/>
               </a:ext>
             </a:extLst>
           </p:cNvPr>
@@ -5367,15 +4969,15 @@
           <p:nvPr/>
         </p:nvPicPr>
         <p:blipFill>
-          <a:blip r:embed="rId32"/>
+          <a:blip r:embed="rId23"/>
           <a:stretch>
             <a:fillRect/>
           </a:stretch>
         </p:blipFill>
         <p:spPr>
           <a:xfrm>
-            <a:off x="2359319" y="6171867"/>
-            <a:ext cx="418464" cy="418464"/>
+            <a:off x="2225841" y="4530479"/>
+            <a:ext cx="420752" cy="420752"/>
           </a:xfrm>
           <a:prstGeom prst="rect">
             <a:avLst/>
@@ -5387,78 +4989,197 @@
           </a:ln>
         </p:spPr>
       </p:pic>
-      <p:sp>
-        <p:nvSpPr>
-          <p:cNvPr id="1031" name="TextBox 1030">
-            <a:extLst>
-              <a:ext uri="{FF2B5EF4-FFF2-40B4-BE49-F238E27FC236}">
-                <a16:creationId xmlns:a16="http://schemas.microsoft.com/office/drawing/2014/main" id="{68D15FD6-697A-B6FA-EBC4-6DCFDF5E3BC9}"/>
-              </a:ext>
-            </a:extLst>
-          </p:cNvPr>
-          <p:cNvSpPr txBox="1"/>
-          <p:nvPr/>
-        </p:nvSpPr>
-        <p:spPr>
-          <a:xfrm>
-            <a:off x="2915734" y="6167159"/>
-            <a:ext cx="377190" cy="523220"/>
-          </a:xfrm>
-          <a:prstGeom prst="rect">
-            <a:avLst/>
-          </a:prstGeom>
-          <a:noFill/>
-        </p:spPr>
-        <p:txBody>
-          <a:bodyPr wrap="square" rtlCol="0">
-            <a:spAutoFit/>
-          </a:bodyPr>
-          <a:lstStyle/>
-          <a:p>
-            <a:r>
-              <a:rPr lang="en-US" sz="2800" b="1" dirty="0"/>
-              <a:t>…</a:t>
-            </a:r>
-            <a:endParaRPr lang="en-SG" sz="2800" b="1" dirty="0"/>
-          </a:p>
-        </p:txBody>
-      </p:sp>
-    </p:spTree>
-    <p:extLst>
-      <p:ext uri="{BB962C8B-B14F-4D97-AF65-F5344CB8AC3E}">
-        <p14:creationId xmlns:p14="http://schemas.microsoft.com/office/powerpoint/2010/main" val="3853615663"/>
-      </p:ext>
-    </p:extLst>
-  </p:cSld>
-  <p:clrMapOvr>
-    <a:masterClrMapping/>
-  </p:clrMapOvr>
-</p:sld>
-</file>
-
-<file path=ppt/slides/slide2.xml><?xml version="1.0" encoding="utf-8"?>
-<p:sld xmlns:a="http://schemas.openxmlformats.org/drawingml/2006/main" xmlns:r="http://schemas.openxmlformats.org/officeDocument/2006/relationships" xmlns:p="http://schemas.openxmlformats.org/presentationml/2006/main">
-  <p:cSld>
-    <p:spTree>
-      <p:nvGrpSpPr>
-        <p:cNvPr id="1" name=""/>
-        <p:cNvGrpSpPr/>
-        <p:nvPr/>
-      </p:nvGrpSpPr>
-      <p:grpSpPr>
-        <a:xfrm>
-          <a:off x="0" y="0"/>
-          <a:ext cx="0" cy="0"/>
-          <a:chOff x="0" y="0"/>
-          <a:chExt cx="0" cy="0"/>
-        </a:xfrm>
-      </p:grpSpPr>
-      <p:sp>
-        <p:nvSpPr>
-          <p:cNvPr id="4" name="Rectangle 3">
-            <a:extLst>
-              <a:ext uri="{FF2B5EF4-FFF2-40B4-BE49-F238E27FC236}">
-                <a16:creationId xmlns:a16="http://schemas.microsoft.com/office/drawing/2014/main" id="{B6756D23-99C1-FA0C-19F6-0158921E7C5B}"/>
+      <p:pic>
+        <p:nvPicPr>
+          <p:cNvPr id="51" name="Picture 50">
+            <a:extLst>
+              <a:ext uri="{FF2B5EF4-FFF2-40B4-BE49-F238E27FC236}">
+                <a16:creationId xmlns:a16="http://schemas.microsoft.com/office/drawing/2014/main" id="{A04A134A-710C-49FF-6559-50B6854A2430}"/>
+              </a:ext>
+            </a:extLst>
+          </p:cNvPr>
+          <p:cNvPicPr>
+            <a:picLocks noChangeAspect="1"/>
+          </p:cNvPicPr>
+          <p:nvPr/>
+        </p:nvPicPr>
+        <p:blipFill>
+          <a:blip r:embed="rId24">
+            <a:alphaModFix amt="70000"/>
+          </a:blip>
+          <a:stretch>
+            <a:fillRect/>
+          </a:stretch>
+        </p:blipFill>
+        <p:spPr>
+          <a:xfrm>
+            <a:off x="2767081" y="4531772"/>
+            <a:ext cx="428019" cy="419459"/>
+          </a:xfrm>
+          <a:prstGeom prst="rect">
+            <a:avLst/>
+          </a:prstGeom>
+          <a:ln w="9525">
+            <a:solidFill>
+              <a:schemeClr val="tx1"/>
+            </a:solidFill>
+          </a:ln>
+        </p:spPr>
+      </p:pic>
+      <p:pic>
+        <p:nvPicPr>
+          <p:cNvPr id="53" name="Picture 52">
+            <a:extLst>
+              <a:ext uri="{FF2B5EF4-FFF2-40B4-BE49-F238E27FC236}">
+                <a16:creationId xmlns:a16="http://schemas.microsoft.com/office/drawing/2014/main" id="{9C7497ED-5EE7-10DE-F57B-E717B302533F}"/>
+              </a:ext>
+            </a:extLst>
+          </p:cNvPr>
+          <p:cNvPicPr>
+            <a:picLocks noChangeAspect="1"/>
+          </p:cNvPicPr>
+          <p:nvPr/>
+        </p:nvPicPr>
+        <p:blipFill>
+          <a:blip r:embed="rId25">
+            <a:alphaModFix amt="70000"/>
+          </a:blip>
+          <a:stretch>
+            <a:fillRect/>
+          </a:stretch>
+        </p:blipFill>
+        <p:spPr>
+          <a:xfrm>
+            <a:off x="589557" y="5087284"/>
+            <a:ext cx="422575" cy="422575"/>
+          </a:xfrm>
+          <a:prstGeom prst="rect">
+            <a:avLst/>
+          </a:prstGeom>
+          <a:ln w="9525">
+            <a:solidFill>
+              <a:schemeClr val="tx1"/>
+            </a:solidFill>
+          </a:ln>
+        </p:spPr>
+      </p:pic>
+      <p:pic>
+        <p:nvPicPr>
+          <p:cNvPr id="54" name="Picture 53" descr="Icon&#10;&#10;Description automatically generated">
+            <a:extLst>
+              <a:ext uri="{FF2B5EF4-FFF2-40B4-BE49-F238E27FC236}">
+                <a16:creationId xmlns:a16="http://schemas.microsoft.com/office/drawing/2014/main" id="{3B2E3843-42F8-6AAE-1BBA-A343ECD0DA0A}"/>
+              </a:ext>
+            </a:extLst>
+          </p:cNvPr>
+          <p:cNvPicPr>
+            <a:picLocks noChangeAspect="1"/>
+          </p:cNvPicPr>
+          <p:nvPr/>
+        </p:nvPicPr>
+        <p:blipFill>
+          <a:blip r:embed="rId26">
+            <a:alphaModFix amt="70000"/>
+          </a:blip>
+          <a:stretch>
+            <a:fillRect/>
+          </a:stretch>
+        </p:blipFill>
+        <p:spPr>
+          <a:xfrm>
+            <a:off x="1121771" y="5087284"/>
+            <a:ext cx="420751" cy="420751"/>
+          </a:xfrm>
+          <a:prstGeom prst="rect">
+            <a:avLst/>
+          </a:prstGeom>
+          <a:ln w="9525">
+            <a:solidFill>
+              <a:schemeClr val="tx1"/>
+            </a:solidFill>
+          </a:ln>
+        </p:spPr>
+      </p:pic>
+      <p:pic>
+        <p:nvPicPr>
+          <p:cNvPr id="56" name="Picture 55">
+            <a:extLst>
+              <a:ext uri="{FF2B5EF4-FFF2-40B4-BE49-F238E27FC236}">
+                <a16:creationId xmlns:a16="http://schemas.microsoft.com/office/drawing/2014/main" id="{910F68CB-D736-A604-B790-870DA926ABEB}"/>
+              </a:ext>
+            </a:extLst>
+          </p:cNvPr>
+          <p:cNvPicPr>
+            <a:picLocks noChangeAspect="1"/>
+          </p:cNvPicPr>
+          <p:nvPr/>
+        </p:nvPicPr>
+        <p:blipFill>
+          <a:blip r:embed="rId27">
+            <a:alphaModFix amt="70000"/>
+          </a:blip>
+          <a:stretch>
+            <a:fillRect/>
+          </a:stretch>
+        </p:blipFill>
+        <p:spPr>
+          <a:xfrm>
+            <a:off x="1681186" y="5093030"/>
+            <a:ext cx="420751" cy="420751"/>
+          </a:xfrm>
+          <a:prstGeom prst="rect">
+            <a:avLst/>
+          </a:prstGeom>
+          <a:ln w="12700">
+            <a:solidFill>
+              <a:schemeClr val="tx1"/>
+            </a:solidFill>
+          </a:ln>
+        </p:spPr>
+      </p:pic>
+      <p:pic>
+        <p:nvPicPr>
+          <p:cNvPr id="58" name="Picture 57">
+            <a:extLst>
+              <a:ext uri="{FF2B5EF4-FFF2-40B4-BE49-F238E27FC236}">
+                <a16:creationId xmlns:a16="http://schemas.microsoft.com/office/drawing/2014/main" id="{B5DC4495-5089-EB7B-7521-BACED82C3824}"/>
+              </a:ext>
+            </a:extLst>
+          </p:cNvPr>
+          <p:cNvPicPr>
+            <a:picLocks noChangeAspect="1"/>
+          </p:cNvPicPr>
+          <p:nvPr/>
+        </p:nvPicPr>
+        <p:blipFill>
+          <a:blip r:embed="rId28">
+            <a:alphaModFix amt="70000"/>
+          </a:blip>
+          <a:stretch>
+            <a:fillRect/>
+          </a:stretch>
+        </p:blipFill>
+        <p:spPr>
+          <a:xfrm>
+            <a:off x="2196451" y="5075657"/>
+            <a:ext cx="445827" cy="445827"/>
+          </a:xfrm>
+          <a:prstGeom prst="rect">
+            <a:avLst/>
+          </a:prstGeom>
+          <a:ln w="9525">
+            <a:solidFill>
+              <a:schemeClr val="tx1"/>
+            </a:solidFill>
+          </a:ln>
+        </p:spPr>
+      </p:pic>
+      <p:sp>
+        <p:nvSpPr>
+          <p:cNvPr id="59" name="Rectangle 58">
+            <a:extLst>
+              <a:ext uri="{FF2B5EF4-FFF2-40B4-BE49-F238E27FC236}">
+                <a16:creationId xmlns:a16="http://schemas.microsoft.com/office/drawing/2014/main" id="{8E1B2449-153C-3D1B-72A4-43937E490AA4}"/>
               </a:ext>
             </a:extLst>
           </p:cNvPr>
@@ -5467,17 +5188,20 @@
         </p:nvSpPr>
         <p:spPr>
           <a:xfrm>
-            <a:off x="698939" y="1638444"/>
-            <a:ext cx="10794124" cy="519477"/>
-          </a:xfrm>
-          <a:prstGeom prst="rect">
-            <a:avLst/>
-          </a:prstGeom>
+            <a:off x="506524" y="6072229"/>
+            <a:ext cx="2775047" cy="523220"/>
+          </a:xfrm>
+          <a:prstGeom prst="rect">
+            <a:avLst/>
+          </a:prstGeom>
+          <a:solidFill>
+            <a:schemeClr val="bg2"/>
+          </a:solidFill>
         </p:spPr>
         <p:style>
           <a:lnRef idx="2">
             <a:schemeClr val="accent1">
-              <a:shade val="50000"/>
+              <a:shade val="15000"/>
             </a:schemeClr>
           </a:lnRef>
           <a:fillRef idx="1">
@@ -5495,93 +5219,704 @@
           <a:lstStyle/>
           <a:p>
             <a:pPr algn="ctr"/>
-            <a:r>
-              <a:rPr lang="en-US" sz="1400"/>
-              <a:t>Master Scheduler</a:t>
-            </a:r>
-          </a:p>
-        </p:txBody>
-      </p:sp>
-      <p:sp>
-        <p:nvSpPr>
-          <p:cNvPr id="5" name="Rectangle 4">
-            <a:extLst>
-              <a:ext uri="{FF2B5EF4-FFF2-40B4-BE49-F238E27FC236}">
-                <a16:creationId xmlns:a16="http://schemas.microsoft.com/office/drawing/2014/main" id="{9AE1E6A0-D822-D5D1-D116-5CF39AA62F19}"/>
-              </a:ext>
-            </a:extLst>
-          </p:cNvPr>
-          <p:cNvSpPr/>
-          <p:nvPr/>
-        </p:nvSpPr>
-        <p:spPr>
-          <a:xfrm>
-            <a:off x="698939" y="549988"/>
-            <a:ext cx="10794124" cy="732987"/>
-          </a:xfrm>
-          <a:prstGeom prst="rect">
-            <a:avLst/>
-          </a:prstGeom>
-        </p:spPr>
-        <p:style>
-          <a:lnRef idx="2">
-            <a:schemeClr val="accent2"/>
-          </a:lnRef>
-          <a:fillRef idx="1">
-            <a:schemeClr val="lt1"/>
-          </a:fillRef>
-          <a:effectRef idx="0">
-            <a:schemeClr val="accent2"/>
-          </a:effectRef>
-          <a:fontRef idx="minor">
-            <a:schemeClr val="dk1"/>
-          </a:fontRef>
-        </p:style>
-        <p:txBody>
-          <a:bodyPr rtlCol="0" anchor="ctr"/>
+            <a:endParaRPr lang="en-SG" dirty="0"/>
+          </a:p>
+        </p:txBody>
+      </p:sp>
+      <p:sp>
+        <p:nvSpPr>
+          <p:cNvPr id="60" name="TextBox 59">
+            <a:extLst>
+              <a:ext uri="{FF2B5EF4-FFF2-40B4-BE49-F238E27FC236}">
+                <a16:creationId xmlns:a16="http://schemas.microsoft.com/office/drawing/2014/main" id="{D2565515-FA44-5009-FDAF-8D351BFF0CDA}"/>
+              </a:ext>
+            </a:extLst>
+          </p:cNvPr>
+          <p:cNvSpPr txBox="1"/>
+          <p:nvPr/>
+        </p:nvSpPr>
+        <p:spPr>
+          <a:xfrm>
+            <a:off x="434088" y="5742224"/>
+            <a:ext cx="3116832" cy="307777"/>
+          </a:xfrm>
+          <a:prstGeom prst="rect">
+            <a:avLst/>
+          </a:prstGeom>
+          <a:noFill/>
+        </p:spPr>
+        <p:txBody>
+          <a:bodyPr wrap="square" rtlCol="0">
+            <a:spAutoFit/>
+          </a:bodyPr>
           <a:lstStyle/>
           <a:p>
-            <a:pPr algn="ctr"/>
-            <a:endParaRPr lang="en-US" sz="1400"/>
+            <a:r>
+              <a:rPr lang="en-US" sz="1400" b="1" dirty="0"/>
+              <a:t>System Activities Module Repo</a:t>
+            </a:r>
+            <a:endParaRPr lang="en-SG" sz="1400" b="1" dirty="0"/>
           </a:p>
         </p:txBody>
       </p:sp>
       <p:pic>
         <p:nvPicPr>
-          <p:cNvPr id="1030" name="Picture 6" descr="Formas de administrar WordPress | Tecnologías de la información y la ...">
-            <a:extLst>
-              <a:ext uri="{FF2B5EF4-FFF2-40B4-BE49-F238E27FC236}">
-                <a16:creationId xmlns:a16="http://schemas.microsoft.com/office/drawing/2014/main" id="{AB76806B-EE13-38E9-D884-BA44E3BB4D79}"/>
+          <p:cNvPr id="61" name="Picture 60" descr="Icon&#10;&#10;Description automatically generated">
+            <a:extLst>
+              <a:ext uri="{FF2B5EF4-FFF2-40B4-BE49-F238E27FC236}">
+                <a16:creationId xmlns:a16="http://schemas.microsoft.com/office/drawing/2014/main" id="{5CD312E8-CD18-85BF-49F9-2EE7A501623A}"/>
               </a:ext>
             </a:extLst>
           </p:cNvPr>
           <p:cNvPicPr>
-            <a:picLocks noChangeAspect="1" noChangeArrowheads="1"/>
+            <a:picLocks noChangeAspect="1"/>
           </p:cNvPicPr>
           <p:nvPr/>
         </p:nvPicPr>
         <p:blipFill>
-          <a:blip r:embed="rId3" cstate="print">
-            <a:extLst>
-              <a:ext uri="{28A0092B-C50C-407E-A947-70E740481C1C}">
-                <a14:useLocalDpi xmlns:a14="http://schemas.microsoft.com/office/drawing/2010/main" val="0"/>
-              </a:ext>
-            </a:extLst>
+          <a:blip r:embed="rId29">
+            <a:alphaModFix amt="70000"/>
           </a:blip>
-          <a:srcRect/>
           <a:stretch>
             <a:fillRect/>
           </a:stretch>
         </p:blipFill>
+        <p:spPr>
+          <a:xfrm>
+            <a:off x="604714" y="6177100"/>
+            <a:ext cx="343359" cy="343359"/>
+          </a:xfrm>
+          <a:prstGeom prst="rect">
+            <a:avLst/>
+          </a:prstGeom>
+          <a:ln w="9525">
+            <a:solidFill>
+              <a:schemeClr val="tx1"/>
+            </a:solidFill>
+          </a:ln>
+        </p:spPr>
+      </p:pic>
+      <p:pic>
+        <p:nvPicPr>
+          <p:cNvPr id="63" name="Picture 62">
+            <a:extLst>
+              <a:ext uri="{FF2B5EF4-FFF2-40B4-BE49-F238E27FC236}">
+                <a16:creationId xmlns:a16="http://schemas.microsoft.com/office/drawing/2014/main" id="{1B33F830-D033-9024-FD9A-39D599B0AEEC}"/>
+              </a:ext>
+            </a:extLst>
+          </p:cNvPr>
+          <p:cNvPicPr>
+            <a:picLocks noChangeAspect="1"/>
+          </p:cNvPicPr>
+          <p:nvPr/>
+        </p:nvPicPr>
+        <p:blipFill>
+          <a:blip r:embed="rId30">
+            <a:alphaModFix amt="70000"/>
+          </a:blip>
+          <a:stretch>
+            <a:fillRect/>
+          </a:stretch>
+        </p:blipFill>
+        <p:spPr>
+          <a:xfrm>
+            <a:off x="1097831" y="6166545"/>
+            <a:ext cx="353915" cy="353915"/>
+          </a:xfrm>
+          <a:prstGeom prst="rect">
+            <a:avLst/>
+          </a:prstGeom>
+          <a:ln w="9525">
+            <a:solidFill>
+              <a:schemeClr val="tx1"/>
+            </a:solidFill>
+          </a:ln>
+        </p:spPr>
+      </p:pic>
+      <p:pic>
+        <p:nvPicPr>
+          <p:cNvPr id="1025" name="Picture 1024">
+            <a:extLst>
+              <a:ext uri="{FF2B5EF4-FFF2-40B4-BE49-F238E27FC236}">
+                <a16:creationId xmlns:a16="http://schemas.microsoft.com/office/drawing/2014/main" id="{6A7EB60E-5764-C99D-2D84-13530292417E}"/>
+              </a:ext>
+            </a:extLst>
+          </p:cNvPr>
+          <p:cNvPicPr>
+            <a:picLocks noChangeAspect="1"/>
+          </p:cNvPicPr>
+          <p:nvPr/>
+        </p:nvPicPr>
+        <p:blipFill>
+          <a:blip r:embed="rId31">
+            <a:alphaModFix amt="70000"/>
+          </a:blip>
+          <a:stretch>
+            <a:fillRect/>
+          </a:stretch>
+        </p:blipFill>
+        <p:spPr>
+          <a:xfrm>
+            <a:off x="1597204" y="6166545"/>
+            <a:ext cx="363964" cy="363964"/>
+          </a:xfrm>
+          <a:prstGeom prst="rect">
+            <a:avLst/>
+          </a:prstGeom>
+          <a:ln w="9525">
+            <a:solidFill>
+              <a:schemeClr val="tx1"/>
+            </a:solidFill>
+          </a:ln>
+        </p:spPr>
+      </p:pic>
+      <p:pic>
+        <p:nvPicPr>
+          <p:cNvPr id="1030" name="Picture 1029">
+            <a:extLst>
+              <a:ext uri="{FF2B5EF4-FFF2-40B4-BE49-F238E27FC236}">
+                <a16:creationId xmlns:a16="http://schemas.microsoft.com/office/drawing/2014/main" id="{5F16DD65-1D7E-A22D-DA7D-17969E61D01F}"/>
+              </a:ext>
+            </a:extLst>
+          </p:cNvPr>
+          <p:cNvPicPr>
+            <a:picLocks noChangeAspect="1"/>
+          </p:cNvPicPr>
+          <p:nvPr/>
+        </p:nvPicPr>
+        <p:blipFill>
+          <a:blip r:embed="rId32">
+            <a:alphaModFix amt="70000"/>
+          </a:blip>
+          <a:stretch>
+            <a:fillRect/>
+          </a:stretch>
+        </p:blipFill>
+        <p:spPr>
+          <a:xfrm>
+            <a:off x="2092489" y="6156495"/>
+            <a:ext cx="363964" cy="363964"/>
+          </a:xfrm>
+          <a:prstGeom prst="rect">
+            <a:avLst/>
+          </a:prstGeom>
+          <a:ln w="9525">
+            <a:solidFill>
+              <a:schemeClr val="tx1"/>
+            </a:solidFill>
+          </a:ln>
+        </p:spPr>
+      </p:pic>
+      <p:sp>
+        <p:nvSpPr>
+          <p:cNvPr id="1031" name="TextBox 1030">
+            <a:extLst>
+              <a:ext uri="{FF2B5EF4-FFF2-40B4-BE49-F238E27FC236}">
+                <a16:creationId xmlns:a16="http://schemas.microsoft.com/office/drawing/2014/main" id="{68D15FD6-697A-B6FA-EBC4-6DCFDF5E3BC9}"/>
+              </a:ext>
+            </a:extLst>
+          </p:cNvPr>
+          <p:cNvSpPr txBox="1"/>
+          <p:nvPr/>
+        </p:nvSpPr>
+        <p:spPr>
+          <a:xfrm>
+            <a:off x="2552319" y="6118423"/>
+            <a:ext cx="377190" cy="523220"/>
+          </a:xfrm>
+          <a:prstGeom prst="rect">
+            <a:avLst/>
+          </a:prstGeom>
+          <a:noFill/>
+        </p:spPr>
+        <p:txBody>
+          <a:bodyPr wrap="square" rtlCol="0">
+            <a:spAutoFit/>
+          </a:bodyPr>
+          <a:lstStyle/>
+          <a:p>
+            <a:r>
+              <a:rPr lang="en-US" sz="2800" b="1" dirty="0"/>
+              <a:t>…</a:t>
+            </a:r>
+            <a:endParaRPr lang="en-SG" sz="2800" b="1" dirty="0"/>
+          </a:p>
+        </p:txBody>
+      </p:sp>
+      <p:pic>
+        <p:nvPicPr>
+          <p:cNvPr id="23" name="Picture 22">
+            <a:extLst>
+              <a:ext uri="{FF2B5EF4-FFF2-40B4-BE49-F238E27FC236}">
+                <a16:creationId xmlns:a16="http://schemas.microsoft.com/office/drawing/2014/main" id="{A957C13D-003C-1372-CDFF-2B89ED16BC1C}"/>
+              </a:ext>
+            </a:extLst>
+          </p:cNvPr>
+          <p:cNvPicPr>
+            <a:picLocks noChangeAspect="1"/>
+          </p:cNvPicPr>
+          <p:nvPr/>
+        </p:nvPicPr>
+        <p:blipFill>
+          <a:blip r:embed="rId33"/>
+          <a:stretch>
+            <a:fillRect/>
+          </a:stretch>
+        </p:blipFill>
+        <p:spPr>
+          <a:xfrm>
+            <a:off x="6556224" y="2529708"/>
+            <a:ext cx="363195" cy="354069"/>
+          </a:xfrm>
+          <a:prstGeom prst="rect">
+            <a:avLst/>
+          </a:prstGeom>
+          <a:ln w="12700">
+            <a:solidFill>
+              <a:schemeClr val="tx1"/>
+            </a:solidFill>
+          </a:ln>
+        </p:spPr>
+      </p:pic>
+      <p:sp>
+        <p:nvSpPr>
+          <p:cNvPr id="42" name="TextBox 41">
+            <a:extLst>
+              <a:ext uri="{FF2B5EF4-FFF2-40B4-BE49-F238E27FC236}">
+                <a16:creationId xmlns:a16="http://schemas.microsoft.com/office/drawing/2014/main" id="{8C926826-A868-E8EA-832A-C8DEA0E9590A}"/>
+              </a:ext>
+            </a:extLst>
+          </p:cNvPr>
+          <p:cNvSpPr txBox="1"/>
+          <p:nvPr/>
+        </p:nvSpPr>
+        <p:spPr>
+          <a:xfrm>
+            <a:off x="3933264" y="1527849"/>
+            <a:ext cx="1337974" cy="523220"/>
+          </a:xfrm>
+          <a:prstGeom prst="rect">
+            <a:avLst/>
+          </a:prstGeom>
+          <a:noFill/>
+        </p:spPr>
+        <p:txBody>
+          <a:bodyPr wrap="square" rtlCol="0">
+            <a:spAutoFit/>
+          </a:bodyPr>
+          <a:lstStyle/>
+          <a:p>
+            <a:r>
+              <a:rPr lang="en-US" sz="1400" b="1" dirty="0"/>
+              <a:t>Activities Scheduler</a:t>
+            </a:r>
+            <a:endParaRPr lang="en-SG" sz="1400" b="1" dirty="0"/>
+          </a:p>
+        </p:txBody>
+      </p:sp>
+      <p:cxnSp>
+        <p:nvCxnSpPr>
+          <p:cNvPr id="1036" name="Straight Arrow Connector 1035">
+            <a:extLst>
+              <a:ext uri="{FF2B5EF4-FFF2-40B4-BE49-F238E27FC236}">
+                <a16:creationId xmlns:a16="http://schemas.microsoft.com/office/drawing/2014/main" id="{443A2BF4-5F28-010B-6312-A718AEE9855F}"/>
+              </a:ext>
+            </a:extLst>
+          </p:cNvPr>
+          <p:cNvCxnSpPr>
+            <a:cxnSpLocks/>
+          </p:cNvCxnSpPr>
+          <p:nvPr/>
+        </p:nvCxnSpPr>
+        <p:spPr>
+          <a:xfrm flipV="1">
+            <a:off x="4801831" y="2697076"/>
+            <a:ext cx="1731082" cy="0"/>
+          </a:xfrm>
+          <a:prstGeom prst="straightConnector1">
+            <a:avLst/>
+          </a:prstGeom>
+          <a:ln>
+            <a:tailEnd type="triangle"/>
+          </a:ln>
+        </p:spPr>
+        <p:style>
+          <a:lnRef idx="2">
+            <a:schemeClr val="accent1"/>
+          </a:lnRef>
+          <a:fillRef idx="0">
+            <a:schemeClr val="accent1"/>
+          </a:fillRef>
+          <a:effectRef idx="1">
+            <a:schemeClr val="accent1"/>
+          </a:effectRef>
+          <a:fontRef idx="minor">
+            <a:schemeClr val="tx1"/>
+          </a:fontRef>
+        </p:style>
+      </p:cxnSp>
+      <p:sp>
+        <p:nvSpPr>
+          <p:cNvPr id="1042" name="TextBox 1041">
+            <a:extLst>
+              <a:ext uri="{FF2B5EF4-FFF2-40B4-BE49-F238E27FC236}">
+                <a16:creationId xmlns:a16="http://schemas.microsoft.com/office/drawing/2014/main" id="{430846CC-7C6B-D1FC-2E34-5AC96F9BD656}"/>
+              </a:ext>
+            </a:extLst>
+          </p:cNvPr>
+          <p:cNvSpPr txBox="1"/>
+          <p:nvPr/>
+        </p:nvSpPr>
+        <p:spPr>
+          <a:xfrm>
+            <a:off x="4151853" y="2932175"/>
+            <a:ext cx="1233191" cy="400110"/>
+          </a:xfrm>
+          <a:prstGeom prst="rect">
+            <a:avLst/>
+          </a:prstGeom>
+          <a:noFill/>
+        </p:spPr>
+        <p:txBody>
+          <a:bodyPr wrap="square" rtlCol="0">
+            <a:spAutoFit/>
+          </a:bodyPr>
+          <a:lstStyle/>
+          <a:p>
+            <a:r>
+              <a:rPr lang="en-US" sz="1000" b="1" dirty="0"/>
+              <a:t>Engineer timeline play book</a:t>
+            </a:r>
+            <a:endParaRPr lang="en-SG" sz="1000" b="1" dirty="0"/>
+          </a:p>
+        </p:txBody>
+      </p:sp>
+      <p:pic>
+        <p:nvPicPr>
+          <p:cNvPr id="1049" name="Picture 1048">
+            <a:extLst>
+              <a:ext uri="{FF2B5EF4-FFF2-40B4-BE49-F238E27FC236}">
+                <a16:creationId xmlns:a16="http://schemas.microsoft.com/office/drawing/2014/main" id="{66D81903-D063-D1FC-79B9-4A011F6CE992}"/>
+              </a:ext>
+            </a:extLst>
+          </p:cNvPr>
+          <p:cNvPicPr>
+            <a:picLocks noChangeAspect="1"/>
+          </p:cNvPicPr>
+          <p:nvPr/>
+        </p:nvPicPr>
+        <p:blipFill>
+          <a:blip r:embed="rId34"/>
+          <a:stretch>
+            <a:fillRect/>
+          </a:stretch>
+        </p:blipFill>
+        <p:spPr>
+          <a:xfrm>
+            <a:off x="9367944" y="2347837"/>
+            <a:ext cx="572312" cy="664030"/>
+          </a:xfrm>
+          <a:prstGeom prst="rect">
+            <a:avLst/>
+          </a:prstGeom>
+          <a:ln w="9525">
+            <a:solidFill>
+              <a:schemeClr val="tx1"/>
+            </a:solidFill>
+          </a:ln>
+        </p:spPr>
+      </p:pic>
+      <p:pic>
+        <p:nvPicPr>
+          <p:cNvPr id="1054" name="Picture 1053">
+            <a:extLst>
+              <a:ext uri="{FF2B5EF4-FFF2-40B4-BE49-F238E27FC236}">
+                <a16:creationId xmlns:a16="http://schemas.microsoft.com/office/drawing/2014/main" id="{6F618F3B-D198-1B81-AB86-2CF5F76D77EB}"/>
+              </a:ext>
+            </a:extLst>
+          </p:cNvPr>
+          <p:cNvPicPr>
+            <a:picLocks noChangeAspect="1"/>
+          </p:cNvPicPr>
+          <p:nvPr/>
+        </p:nvPicPr>
+        <p:blipFill>
+          <a:blip r:embed="rId35">
+            <a:duotone>
+              <a:prstClr val="black"/>
+              <a:schemeClr val="accent1">
+                <a:tint val="45000"/>
+                <a:satMod val="400000"/>
+              </a:schemeClr>
+            </a:duotone>
+          </a:blip>
+          <a:stretch>
+            <a:fillRect/>
+          </a:stretch>
+        </p:blipFill>
+        <p:spPr>
+          <a:xfrm>
+            <a:off x="5571104" y="2418811"/>
+            <a:ext cx="262593" cy="269549"/>
+          </a:xfrm>
+          <a:prstGeom prst="rect">
+            <a:avLst/>
+          </a:prstGeom>
+          <a:ln w="9525">
+            <a:solidFill>
+              <a:schemeClr val="tx1"/>
+            </a:solidFill>
+          </a:ln>
+        </p:spPr>
+      </p:pic>
+      <p:pic>
+        <p:nvPicPr>
+          <p:cNvPr id="1056" name="Picture 1055">
+            <a:extLst>
+              <a:ext uri="{FF2B5EF4-FFF2-40B4-BE49-F238E27FC236}">
+                <a16:creationId xmlns:a16="http://schemas.microsoft.com/office/drawing/2014/main" id="{3F10247A-05A3-D651-F567-69B394DF69E2}"/>
+              </a:ext>
+            </a:extLst>
+          </p:cNvPr>
+          <p:cNvPicPr>
+            <a:picLocks noChangeAspect="1"/>
+          </p:cNvPicPr>
+          <p:nvPr/>
+        </p:nvPicPr>
+        <p:blipFill>
+          <a:blip r:embed="rId35">
+            <a:duotone>
+              <a:prstClr val="black"/>
+              <a:schemeClr val="accent6">
+                <a:tint val="45000"/>
+                <a:satMod val="400000"/>
+              </a:schemeClr>
+            </a:duotone>
+          </a:blip>
+          <a:stretch>
+            <a:fillRect/>
+          </a:stretch>
+        </p:blipFill>
+        <p:spPr>
+          <a:xfrm>
+            <a:off x="5617230" y="3504759"/>
+            <a:ext cx="280426" cy="287854"/>
+          </a:xfrm>
+          <a:prstGeom prst="rect">
+            <a:avLst/>
+          </a:prstGeom>
+          <a:ln w="9525">
+            <a:solidFill>
+              <a:schemeClr val="tx1"/>
+            </a:solidFill>
+          </a:ln>
+        </p:spPr>
+      </p:pic>
+      <p:pic>
+        <p:nvPicPr>
+          <p:cNvPr id="1062" name="Picture 1061">
+            <a:extLst>
+              <a:ext uri="{FF2B5EF4-FFF2-40B4-BE49-F238E27FC236}">
+                <a16:creationId xmlns:a16="http://schemas.microsoft.com/office/drawing/2014/main" id="{FEF6D248-83DE-3784-ECC7-DA24EB0A585F}"/>
+              </a:ext>
+            </a:extLst>
+          </p:cNvPr>
+          <p:cNvPicPr>
+            <a:picLocks noChangeAspect="1"/>
+          </p:cNvPicPr>
+          <p:nvPr/>
+        </p:nvPicPr>
+        <p:blipFill>
+          <a:blip r:embed="rId33"/>
+          <a:stretch>
+            <a:fillRect/>
+          </a:stretch>
+        </p:blipFill>
+        <p:spPr>
+          <a:xfrm>
+            <a:off x="7997112" y="4763560"/>
+            <a:ext cx="338711" cy="330201"/>
+          </a:xfrm>
+          <a:prstGeom prst="rect">
+            <a:avLst/>
+          </a:prstGeom>
+          <a:ln w="12700">
+            <a:solidFill>
+              <a:schemeClr val="tx1"/>
+            </a:solidFill>
+          </a:ln>
+        </p:spPr>
+      </p:pic>
+      <p:sp>
+        <p:nvSpPr>
+          <p:cNvPr id="1063" name="TextBox 1062">
+            <a:extLst>
+              <a:ext uri="{FF2B5EF4-FFF2-40B4-BE49-F238E27FC236}">
+                <a16:creationId xmlns:a16="http://schemas.microsoft.com/office/drawing/2014/main" id="{A8DEE567-CC17-D525-4F53-2B54B76ED75A}"/>
+              </a:ext>
+            </a:extLst>
+          </p:cNvPr>
+          <p:cNvSpPr txBox="1"/>
+          <p:nvPr/>
+        </p:nvSpPr>
+        <p:spPr>
+          <a:xfrm>
+            <a:off x="6190631" y="2874111"/>
+            <a:ext cx="1233191" cy="430887"/>
+          </a:xfrm>
+          <a:prstGeom prst="rect">
+            <a:avLst/>
+          </a:prstGeom>
+          <a:noFill/>
+        </p:spPr>
+        <p:txBody>
+          <a:bodyPr wrap="square" rtlCol="0">
+            <a:spAutoFit/>
+          </a:bodyPr>
+          <a:lstStyle/>
+          <a:p>
+            <a:r>
+              <a:rPr lang="en-US" sz="1100" b="1" dirty="0"/>
+              <a:t>User Emulator</a:t>
+            </a:r>
+          </a:p>
+          <a:p>
+            <a:r>
+              <a:rPr lang="en-US" sz="1100" b="1" dirty="0"/>
+              <a:t>(In VM/Physical) </a:t>
+            </a:r>
+            <a:endParaRPr lang="en-SG" sz="1100" b="1" dirty="0"/>
+          </a:p>
+        </p:txBody>
+      </p:sp>
+      <p:cxnSp>
+        <p:nvCxnSpPr>
+          <p:cNvPr id="1064" name="Straight Arrow Connector 1063">
+            <a:extLst>
+              <a:ext uri="{FF2B5EF4-FFF2-40B4-BE49-F238E27FC236}">
+                <a16:creationId xmlns:a16="http://schemas.microsoft.com/office/drawing/2014/main" id="{9E702C50-4A9A-9A84-3DDE-1F4EC25F28F3}"/>
+              </a:ext>
+            </a:extLst>
+          </p:cNvPr>
+          <p:cNvCxnSpPr>
+            <a:cxnSpLocks/>
+          </p:cNvCxnSpPr>
+          <p:nvPr/>
+        </p:nvCxnSpPr>
+        <p:spPr>
+          <a:xfrm>
+            <a:off x="6959513" y="2679852"/>
+            <a:ext cx="2330791" cy="0"/>
+          </a:xfrm>
+          <a:prstGeom prst="straightConnector1">
+            <a:avLst/>
+          </a:prstGeom>
+          <a:ln>
+            <a:tailEnd type="triangle"/>
+          </a:ln>
+        </p:spPr>
+        <p:style>
+          <a:lnRef idx="2">
+            <a:schemeClr val="accent1"/>
+          </a:lnRef>
+          <a:fillRef idx="0">
+            <a:schemeClr val="accent1"/>
+          </a:fillRef>
+          <a:effectRef idx="1">
+            <a:schemeClr val="accent1"/>
+          </a:effectRef>
+          <a:fontRef idx="minor">
+            <a:schemeClr val="tx1"/>
+          </a:fontRef>
+        </p:style>
+      </p:cxnSp>
+      <p:sp>
+        <p:nvSpPr>
+          <p:cNvPr id="2" name="TextBox 1">
+            <a:extLst>
+              <a:ext uri="{FF2B5EF4-FFF2-40B4-BE49-F238E27FC236}">
+                <a16:creationId xmlns:a16="http://schemas.microsoft.com/office/drawing/2014/main" id="{3546A725-B5DB-F129-75D3-AEA938E3EDC9}"/>
+              </a:ext>
+            </a:extLst>
+          </p:cNvPr>
+          <p:cNvSpPr txBox="1"/>
+          <p:nvPr/>
+        </p:nvSpPr>
+        <p:spPr>
+          <a:xfrm>
+            <a:off x="5851261" y="3486916"/>
+            <a:ext cx="1233191" cy="253916"/>
+          </a:xfrm>
+          <a:prstGeom prst="rect">
+            <a:avLst/>
+          </a:prstGeom>
+          <a:noFill/>
+        </p:spPr>
+        <p:txBody>
+          <a:bodyPr wrap="square" rtlCol="0">
+            <a:spAutoFit/>
+          </a:bodyPr>
+          <a:lstStyle/>
+          <a:p>
+            <a:r>
+              <a:rPr lang="en-US" sz="1050" b="1" dirty="0">
+                <a:solidFill>
+                  <a:schemeClr val="accent6">
+                    <a:lumMod val="75000"/>
+                  </a:schemeClr>
+                </a:solidFill>
+              </a:rPr>
+              <a:t>Officer profile  </a:t>
+            </a:r>
+            <a:endParaRPr lang="en-SG" sz="1050" b="1" dirty="0">
+              <a:solidFill>
+                <a:schemeClr val="accent6">
+                  <a:lumMod val="75000"/>
+                </a:schemeClr>
+              </a:solidFill>
+            </a:endParaRPr>
+          </a:p>
+        </p:txBody>
+      </p:sp>
+      <p:pic>
+        <p:nvPicPr>
+          <p:cNvPr id="5" name="Picture 14" descr="Director desk clipart 20 free Cliparts | Download images on Clipground 2021">
+            <a:extLst>
+              <a:ext uri="{FF2B5EF4-FFF2-40B4-BE49-F238E27FC236}">
+                <a16:creationId xmlns:a16="http://schemas.microsoft.com/office/drawing/2014/main" id="{E368AF87-56AF-ECFB-2D5E-7251B06D856A}"/>
+              </a:ext>
+            </a:extLst>
+          </p:cNvPr>
+          <p:cNvPicPr>
+            <a:picLocks noChangeAspect="1" noChangeArrowheads="1"/>
+          </p:cNvPicPr>
+          <p:nvPr/>
+        </p:nvPicPr>
+        <p:blipFill rotWithShape="1">
+          <a:blip r:embed="rId36" cstate="print">
+            <a:extLst>
+              <a:ext uri="{28A0092B-C50C-407E-A947-70E740481C1C}">
+                <a14:useLocalDpi xmlns:a14="http://schemas.microsoft.com/office/drawing/2010/main" val="0"/>
+              </a:ext>
+            </a:extLst>
+          </a:blip>
+          <a:srcRect l="17311" t="6732" r="17296" b="6732"/>
+          <a:stretch/>
+        </p:blipFill>
         <p:spPr bwMode="auto">
           <a:xfrm>
-            <a:off x="3926312" y="663941"/>
-            <a:ext cx="542067" cy="542067"/>
+            <a:off x="9361546" y="3400756"/>
+            <a:ext cx="572312" cy="659287"/>
           </a:xfrm>
           <a:prstGeom prst="rect">
             <a:avLst/>
           </a:prstGeom>
           <a:noFill/>
+          <a:ln w="9525">
+            <a:solidFill>
+              <a:schemeClr val="tx1"/>
+            </a:solidFill>
+          </a:ln>
           <a:extLst>
             <a:ext uri="{909E8E84-426E-40DD-AFC4-6F175D3DCCD1}">
               <a14:hiddenFill xmlns:a14="http://schemas.microsoft.com/office/drawing/2010/main">
@@ -5593,47 +5928,12 @@
           </a:extLst>
         </p:spPr>
       </p:pic>
-      <p:sp>
-        <p:nvSpPr>
-          <p:cNvPr id="8" name="TextBox 7">
-            <a:extLst>
-              <a:ext uri="{FF2B5EF4-FFF2-40B4-BE49-F238E27FC236}">
-                <a16:creationId xmlns:a16="http://schemas.microsoft.com/office/drawing/2014/main" id="{3868F183-8B82-02FD-20CC-5FC8A7AFA0BE}"/>
-              </a:ext>
-            </a:extLst>
-          </p:cNvPr>
-          <p:cNvSpPr txBox="1"/>
-          <p:nvPr/>
-        </p:nvSpPr>
-        <p:spPr>
-          <a:xfrm>
-            <a:off x="5022487" y="133521"/>
-            <a:ext cx="2149819" cy="307777"/>
-          </a:xfrm>
-          <a:prstGeom prst="rect">
-            <a:avLst/>
-          </a:prstGeom>
-          <a:noFill/>
-        </p:spPr>
-        <p:txBody>
-          <a:bodyPr wrap="none" rtlCol="0">
-            <a:spAutoFit/>
-          </a:bodyPr>
-          <a:lstStyle/>
-          <a:p>
-            <a:r>
-              <a:rPr lang="en-US" sz="1400"/>
-              <a:t>Organic Actions Repository</a:t>
-            </a:r>
-          </a:p>
-        </p:txBody>
-      </p:sp>
       <p:pic>
         <p:nvPicPr>
-          <p:cNvPr id="9" name="Picture 8" descr="Graphical user interface, logo&#10;&#10;Description automatically generated">
-            <a:extLst>
-              <a:ext uri="{FF2B5EF4-FFF2-40B4-BE49-F238E27FC236}">
-                <a16:creationId xmlns:a16="http://schemas.microsoft.com/office/drawing/2014/main" id="{9B93164F-0D75-4B58-06A5-33C5CB9BD18F}"/>
+          <p:cNvPr id="1067" name="Picture 1066">
+            <a:extLst>
+              <a:ext uri="{FF2B5EF4-FFF2-40B4-BE49-F238E27FC236}">
+                <a16:creationId xmlns:a16="http://schemas.microsoft.com/office/drawing/2014/main" id="{C2997BAB-8EE8-78E0-877F-27397913BA64}"/>
               </a:ext>
             </a:extLst>
           </p:cNvPr>
@@ -5642,57 +5942,33 @@
           </p:cNvPicPr>
           <p:nvPr/>
         </p:nvPicPr>
-        <p:blipFill rotWithShape="1">
-          <a:blip r:embed="rId4"/>
-          <a:srcRect t="19285" r="62157" b="18321"/>
-          <a:stretch/>
-        </p:blipFill>
-        <p:spPr>
-          <a:xfrm>
-            <a:off x="7115483" y="656787"/>
-            <a:ext cx="562820" cy="514728"/>
-          </a:xfrm>
-          <a:prstGeom prst="rect">
-            <a:avLst/>
-          </a:prstGeom>
-        </p:spPr>
-      </p:pic>
-      <p:pic>
-        <p:nvPicPr>
-          <p:cNvPr id="11" name="Picture 10" descr="Icon&#10;&#10;Description automatically generated">
-            <a:extLst>
-              <a:ext uri="{FF2B5EF4-FFF2-40B4-BE49-F238E27FC236}">
-                <a16:creationId xmlns:a16="http://schemas.microsoft.com/office/drawing/2014/main" id="{90538592-22C0-8891-6C60-3EB8E0AF6BB7}"/>
-              </a:ext>
-            </a:extLst>
-          </p:cNvPr>
-          <p:cNvPicPr>
-            <a:picLocks noChangeAspect="1"/>
-          </p:cNvPicPr>
-          <p:nvPr/>
-        </p:nvPicPr>
         <p:blipFill>
-          <a:blip r:embed="rId5"/>
+          <a:blip r:embed="rId33"/>
           <a:stretch>
             <a:fillRect/>
           </a:stretch>
         </p:blipFill>
         <p:spPr>
           <a:xfrm>
-            <a:off x="4666061" y="625941"/>
-            <a:ext cx="514728" cy="514728"/>
-          </a:xfrm>
-          <a:prstGeom prst="rect">
-            <a:avLst/>
-          </a:prstGeom>
+            <a:off x="8728086" y="5847231"/>
+            <a:ext cx="338711" cy="330201"/>
+          </a:xfrm>
+          <a:prstGeom prst="rect">
+            <a:avLst/>
+          </a:prstGeom>
+          <a:ln w="12700">
+            <a:solidFill>
+              <a:schemeClr val="tx1"/>
+            </a:solidFill>
+          </a:ln>
         </p:spPr>
       </p:pic>
       <p:pic>
         <p:nvPicPr>
-          <p:cNvPr id="14" name="Picture 13" descr="A picture containing logo&#10;&#10;Description automatically generated">
-            <a:extLst>
-              <a:ext uri="{FF2B5EF4-FFF2-40B4-BE49-F238E27FC236}">
-                <a16:creationId xmlns:a16="http://schemas.microsoft.com/office/drawing/2014/main" id="{B191EB17-C2CF-0BC2-4BDA-EF6AC8C666E2}"/>
+          <p:cNvPr id="1071" name="Picture 1070">
+            <a:extLst>
+              <a:ext uri="{FF2B5EF4-FFF2-40B4-BE49-F238E27FC236}">
+                <a16:creationId xmlns:a16="http://schemas.microsoft.com/office/drawing/2014/main" id="{8D23F5CA-26D2-23CF-8436-0FDF37ABF338}"/>
               </a:ext>
             </a:extLst>
           </p:cNvPr>
@@ -5702,363 +5978,40 @@
           <p:nvPr/>
         </p:nvPicPr>
         <p:blipFill>
-          <a:blip r:embed="rId6"/>
+          <a:blip r:embed="rId35">
+            <a:duotone>
+              <a:prstClr val="black"/>
+              <a:schemeClr val="accent2">
+                <a:tint val="45000"/>
+                <a:satMod val="400000"/>
+              </a:schemeClr>
+            </a:duotone>
+          </a:blip>
           <a:stretch>
             <a:fillRect/>
           </a:stretch>
         </p:blipFill>
         <p:spPr>
           <a:xfrm>
-            <a:off x="1527443" y="583787"/>
-            <a:ext cx="636776" cy="636776"/>
-          </a:xfrm>
-          <a:prstGeom prst="rect">
-            <a:avLst/>
-          </a:prstGeom>
+            <a:off x="5614300" y="4662143"/>
+            <a:ext cx="280426" cy="287854"/>
+          </a:xfrm>
+          <a:prstGeom prst="rect">
+            <a:avLst/>
+          </a:prstGeom>
+          <a:ln w="9525">
+            <a:solidFill>
+              <a:schemeClr val="tx1"/>
+            </a:solidFill>
+          </a:ln>
         </p:spPr>
       </p:pic>
       <p:pic>
         <p:nvPicPr>
-          <p:cNvPr id="17" name="Picture 16" descr="Icon&#10;&#10;Description automatically generated">
-            <a:extLst>
-              <a:ext uri="{FF2B5EF4-FFF2-40B4-BE49-F238E27FC236}">
-                <a16:creationId xmlns:a16="http://schemas.microsoft.com/office/drawing/2014/main" id="{FD20E2DA-6A34-A629-B4DA-D556FB5FAE21}"/>
-              </a:ext>
-            </a:extLst>
-          </p:cNvPr>
-          <p:cNvPicPr>
-            <a:picLocks noChangeAspect="1"/>
-          </p:cNvPicPr>
-          <p:nvPr/>
-        </p:nvPicPr>
-        <p:blipFill>
-          <a:blip r:embed="rId7"/>
-          <a:stretch>
-            <a:fillRect/>
-          </a:stretch>
-        </p:blipFill>
-        <p:spPr>
-          <a:xfrm>
-            <a:off x="2377851" y="649300"/>
-            <a:ext cx="468011" cy="468011"/>
-          </a:xfrm>
-          <a:prstGeom prst="rect">
-            <a:avLst/>
-          </a:prstGeom>
-        </p:spPr>
-      </p:pic>
-      <p:pic>
-        <p:nvPicPr>
-          <p:cNvPr id="23" name="Picture 22" descr="Icon&#10;&#10;Description automatically generated">
-            <a:extLst>
-              <a:ext uri="{FF2B5EF4-FFF2-40B4-BE49-F238E27FC236}">
-                <a16:creationId xmlns:a16="http://schemas.microsoft.com/office/drawing/2014/main" id="{9A380369-7D11-4E80-CCFC-2223D1395D8F}"/>
-              </a:ext>
-            </a:extLst>
-          </p:cNvPr>
-          <p:cNvPicPr>
-            <a:picLocks noChangeAspect="1"/>
-          </p:cNvPicPr>
-          <p:nvPr/>
-        </p:nvPicPr>
-        <p:blipFill>
-          <a:blip r:embed="rId8"/>
-          <a:stretch>
-            <a:fillRect/>
-          </a:stretch>
-        </p:blipFill>
-        <p:spPr>
-          <a:xfrm>
-            <a:off x="760659" y="702916"/>
-            <a:ext cx="548740" cy="398619"/>
-          </a:xfrm>
-          <a:prstGeom prst="rect">
-            <a:avLst/>
-          </a:prstGeom>
-        </p:spPr>
-      </p:pic>
-      <p:pic>
-        <p:nvPicPr>
-          <p:cNvPr id="29" name="Picture 28" descr="A picture containing text, crossword puzzle&#10;&#10;Description automatically generated">
-            <a:extLst>
-              <a:ext uri="{FF2B5EF4-FFF2-40B4-BE49-F238E27FC236}">
-                <a16:creationId xmlns:a16="http://schemas.microsoft.com/office/drawing/2014/main" id="{75CCA21A-85EB-0513-DF1D-93ABDFB0960D}"/>
-              </a:ext>
-            </a:extLst>
-          </p:cNvPr>
-          <p:cNvPicPr>
-            <a:picLocks noChangeAspect="1"/>
-          </p:cNvPicPr>
-          <p:nvPr/>
-        </p:nvPicPr>
-        <p:blipFill>
-          <a:blip r:embed="rId9"/>
-          <a:stretch>
-            <a:fillRect/>
-          </a:stretch>
-        </p:blipFill>
-        <p:spPr>
-          <a:xfrm>
-            <a:off x="3139721" y="629017"/>
-            <a:ext cx="574259" cy="574259"/>
-          </a:xfrm>
-          <a:prstGeom prst="rect">
-            <a:avLst/>
-          </a:prstGeom>
-        </p:spPr>
-      </p:pic>
-      <p:pic>
-        <p:nvPicPr>
-          <p:cNvPr id="1024" name="Picture 1023" descr="A picture containing text, arch&#10;&#10;Description automatically generated">
-            <a:extLst>
-              <a:ext uri="{FF2B5EF4-FFF2-40B4-BE49-F238E27FC236}">
-                <a16:creationId xmlns:a16="http://schemas.microsoft.com/office/drawing/2014/main" id="{3BE4A4DF-2BB3-BC5B-A476-B5D7E55CD75B}"/>
-              </a:ext>
-            </a:extLst>
-          </p:cNvPr>
-          <p:cNvPicPr>
-            <a:picLocks noChangeAspect="1"/>
-          </p:cNvPicPr>
-          <p:nvPr/>
-        </p:nvPicPr>
-        <p:blipFill>
-          <a:blip r:embed="rId10"/>
-          <a:stretch>
-            <a:fillRect/>
-          </a:stretch>
-        </p:blipFill>
-        <p:spPr>
-          <a:xfrm>
-            <a:off x="5545412" y="687635"/>
-            <a:ext cx="453035" cy="453035"/>
-          </a:xfrm>
-          <a:prstGeom prst="rect">
-            <a:avLst/>
-          </a:prstGeom>
-        </p:spPr>
-      </p:pic>
-      <p:pic>
-        <p:nvPicPr>
-          <p:cNvPr id="1027" name="Picture 1026" descr="Icon&#10;&#10;Description automatically generated">
-            <a:extLst>
-              <a:ext uri="{FF2B5EF4-FFF2-40B4-BE49-F238E27FC236}">
-                <a16:creationId xmlns:a16="http://schemas.microsoft.com/office/drawing/2014/main" id="{9005B9FA-8722-08CB-CE19-B17E44C10926}"/>
-              </a:ext>
-            </a:extLst>
-          </p:cNvPr>
-          <p:cNvPicPr>
-            <a:picLocks noChangeAspect="1"/>
-          </p:cNvPicPr>
-          <p:nvPr/>
-        </p:nvPicPr>
-        <p:blipFill>
-          <a:blip r:embed="rId11"/>
-          <a:stretch>
-            <a:fillRect/>
-          </a:stretch>
-        </p:blipFill>
-        <p:spPr>
-          <a:xfrm>
-            <a:off x="6363070" y="704921"/>
-            <a:ext cx="418465" cy="418465"/>
-          </a:xfrm>
-          <a:prstGeom prst="rect">
-            <a:avLst/>
-          </a:prstGeom>
-        </p:spPr>
-      </p:pic>
-      <p:pic>
-        <p:nvPicPr>
-          <p:cNvPr id="1029" name="Picture 1028" descr="A red sign with white letters&#10;&#10;Description automatically generated with low confidence">
-            <a:extLst>
-              <a:ext uri="{FF2B5EF4-FFF2-40B4-BE49-F238E27FC236}">
-                <a16:creationId xmlns:a16="http://schemas.microsoft.com/office/drawing/2014/main" id="{C279A190-835F-BEBD-BD05-08A223E07C54}"/>
-              </a:ext>
-            </a:extLst>
-          </p:cNvPr>
-          <p:cNvPicPr>
-            <a:picLocks noChangeAspect="1"/>
-          </p:cNvPicPr>
-          <p:nvPr/>
-        </p:nvPicPr>
-        <p:blipFill>
-          <a:blip r:embed="rId12"/>
-          <a:stretch>
-            <a:fillRect/>
-          </a:stretch>
-        </p:blipFill>
-        <p:spPr>
-          <a:xfrm>
-            <a:off x="7933140" y="648815"/>
-            <a:ext cx="540000" cy="530672"/>
-          </a:xfrm>
-          <a:prstGeom prst="rect">
-            <a:avLst/>
-          </a:prstGeom>
-        </p:spPr>
-      </p:pic>
-      <p:pic>
-        <p:nvPicPr>
-          <p:cNvPr id="1031" name="Picture 1030" descr="A close-up of a game controller&#10;&#10;Description automatically generated with low confidence">
-            <a:extLst>
-              <a:ext uri="{FF2B5EF4-FFF2-40B4-BE49-F238E27FC236}">
-                <a16:creationId xmlns:a16="http://schemas.microsoft.com/office/drawing/2014/main" id="{A3305472-58A3-1735-400A-A9C883F9909D}"/>
-              </a:ext>
-            </a:extLst>
-          </p:cNvPr>
-          <p:cNvPicPr>
-            <a:picLocks noChangeAspect="1"/>
-          </p:cNvPicPr>
-          <p:nvPr/>
-        </p:nvPicPr>
-        <p:blipFill>
-          <a:blip r:embed="rId13"/>
-          <a:stretch>
-            <a:fillRect/>
-          </a:stretch>
-        </p:blipFill>
-        <p:spPr>
-          <a:xfrm>
-            <a:off x="8727977" y="625941"/>
-            <a:ext cx="540000" cy="540000"/>
-          </a:xfrm>
-          <a:prstGeom prst="rect">
-            <a:avLst/>
-          </a:prstGeom>
-        </p:spPr>
-      </p:pic>
-      <p:pic>
-        <p:nvPicPr>
-          <p:cNvPr id="1032" name="Picture 1031" descr="Icon&#10;&#10;Description automatically generated">
-            <a:extLst>
-              <a:ext uri="{FF2B5EF4-FFF2-40B4-BE49-F238E27FC236}">
-                <a16:creationId xmlns:a16="http://schemas.microsoft.com/office/drawing/2014/main" id="{A7A5C2D2-032E-02B7-1C39-CED7A602F95C}"/>
-              </a:ext>
-            </a:extLst>
-          </p:cNvPr>
-          <p:cNvPicPr>
-            <a:picLocks noChangeAspect="1"/>
-          </p:cNvPicPr>
-          <p:nvPr/>
-        </p:nvPicPr>
-        <p:blipFill>
-          <a:blip r:embed="rId14"/>
-          <a:stretch>
-            <a:fillRect/>
-          </a:stretch>
-        </p:blipFill>
-        <p:spPr>
-          <a:xfrm>
-            <a:off x="10873065" y="663276"/>
-            <a:ext cx="540000" cy="540000"/>
-          </a:xfrm>
-          <a:prstGeom prst="rect">
-            <a:avLst/>
-          </a:prstGeom>
-        </p:spPr>
-      </p:pic>
-      <p:pic>
-        <p:nvPicPr>
-          <p:cNvPr id="1033" name="Picture 1032" descr="Icon&#10;&#10;Description automatically generated">
-            <a:extLst>
-              <a:ext uri="{FF2B5EF4-FFF2-40B4-BE49-F238E27FC236}">
-                <a16:creationId xmlns:a16="http://schemas.microsoft.com/office/drawing/2014/main" id="{3222F3C8-EE5F-F820-339D-33755897B916}"/>
-              </a:ext>
-            </a:extLst>
-          </p:cNvPr>
-          <p:cNvPicPr>
-            <a:picLocks noChangeAspect="1"/>
-          </p:cNvPicPr>
-          <p:nvPr/>
-        </p:nvPicPr>
-        <p:blipFill>
-          <a:blip r:embed="rId15"/>
-          <a:stretch>
-            <a:fillRect/>
-          </a:stretch>
-        </p:blipFill>
-        <p:spPr>
-          <a:xfrm>
-            <a:off x="10206069" y="644151"/>
-            <a:ext cx="540000" cy="540000"/>
-          </a:xfrm>
-          <a:prstGeom prst="rect">
-            <a:avLst/>
-          </a:prstGeom>
-        </p:spPr>
-      </p:pic>
-      <p:pic>
-        <p:nvPicPr>
-          <p:cNvPr id="1034" name="Picture 1033" descr="Icon&#10;&#10;Description automatically generated">
-            <a:extLst>
-              <a:ext uri="{FF2B5EF4-FFF2-40B4-BE49-F238E27FC236}">
-                <a16:creationId xmlns:a16="http://schemas.microsoft.com/office/drawing/2014/main" id="{DE5DDEC7-643B-93DA-28DA-4AB24FEFA495}"/>
-              </a:ext>
-            </a:extLst>
-          </p:cNvPr>
-          <p:cNvPicPr>
-            <a:picLocks noChangeAspect="1"/>
-          </p:cNvPicPr>
-          <p:nvPr/>
-        </p:nvPicPr>
-        <p:blipFill>
-          <a:blip r:embed="rId16"/>
-          <a:stretch>
-            <a:fillRect/>
-          </a:stretch>
-        </p:blipFill>
-        <p:spPr>
-          <a:xfrm>
-            <a:off x="9467023" y="644151"/>
-            <a:ext cx="540000" cy="540000"/>
-          </a:xfrm>
-          <a:prstGeom prst="rect">
-            <a:avLst/>
-          </a:prstGeom>
-        </p:spPr>
-      </p:pic>
-      <p:sp>
-        <p:nvSpPr>
-          <p:cNvPr id="1036" name="TextBox 1035">
-            <a:extLst>
-              <a:ext uri="{FF2B5EF4-FFF2-40B4-BE49-F238E27FC236}">
-                <a16:creationId xmlns:a16="http://schemas.microsoft.com/office/drawing/2014/main" id="{85F197F4-B3FB-3A59-E48C-77F16A795A28}"/>
-              </a:ext>
-            </a:extLst>
-          </p:cNvPr>
-          <p:cNvSpPr txBox="1"/>
-          <p:nvPr/>
-        </p:nvSpPr>
-        <p:spPr>
-          <a:xfrm>
-            <a:off x="3138363" y="6280047"/>
-            <a:ext cx="1527699" cy="430887"/>
-          </a:xfrm>
-          <a:prstGeom prst="rect">
-            <a:avLst/>
-          </a:prstGeom>
-          <a:noFill/>
-        </p:spPr>
-        <p:txBody>
-          <a:bodyPr wrap="square" rtlCol="0">
-            <a:spAutoFit/>
-          </a:bodyPr>
-          <a:lstStyle/>
-          <a:p>
-            <a:pPr algn="ctr"/>
-            <a:r>
-              <a:rPr lang="en-US" sz="1100" b="1"/>
-              <a:t>Network Administrator Profile</a:t>
-            </a:r>
-          </a:p>
-        </p:txBody>
-      </p:sp>
-      <p:pic>
-        <p:nvPicPr>
-          <p:cNvPr id="1037" name="Picture 8" descr="Administrator Network Icons System Avatar Computer - Admin Icon Png ...">
-            <a:extLst>
-              <a:ext uri="{FF2B5EF4-FFF2-40B4-BE49-F238E27FC236}">
-                <a16:creationId xmlns:a16="http://schemas.microsoft.com/office/drawing/2014/main" id="{8F7895EE-04AE-51BC-F954-A54C239B4991}"/>
+          <p:cNvPr id="1073" name="Picture 8" descr="Administrator Network Icons System Avatar Computer - Admin Icon Png ...">
+            <a:extLst>
+              <a:ext uri="{FF2B5EF4-FFF2-40B4-BE49-F238E27FC236}">
+                <a16:creationId xmlns:a16="http://schemas.microsoft.com/office/drawing/2014/main" id="{A0675D7A-145C-A6B7-0A74-6F1E632D5A3E}"/>
               </a:ext>
             </a:extLst>
           </p:cNvPr>
@@ -6068,7 +6021,7 @@
           <p:nvPr/>
         </p:nvPicPr>
         <p:blipFill>
-          <a:blip r:embed="rId17" cstate="print">
+          <a:blip r:embed="rId37" cstate="print">
             <a:clrChange>
               <a:clrFrom>
                 <a:srgbClr val="F7F7F7"/>
@@ -6092,13 +6045,18 @@
         </p:blipFill>
         <p:spPr bwMode="auto">
           <a:xfrm>
-            <a:off x="3610094" y="5555411"/>
-            <a:ext cx="588599" cy="724636"/>
+            <a:off x="9394341" y="4553376"/>
+            <a:ext cx="515483" cy="659287"/>
           </a:xfrm>
           <a:prstGeom prst="rect">
             <a:avLst/>
           </a:prstGeom>
           <a:noFill/>
+          <a:ln w="9525">
+            <a:solidFill>
+              <a:schemeClr val="tx1"/>
+            </a:solidFill>
+          </a:ln>
           <a:extLst>
             <a:ext uri="{909E8E84-426E-40DD-AFC4-6F175D3DCCD1}">
               <a14:hiddenFill xmlns:a14="http://schemas.microsoft.com/office/drawing/2010/main">
@@ -6110,190 +6068,60 @@
           </a:extLst>
         </p:spPr>
       </p:pic>
-      <p:sp>
-        <p:nvSpPr>
-          <p:cNvPr id="1038" name="TextBox 1037">
-            <a:extLst>
-              <a:ext uri="{FF2B5EF4-FFF2-40B4-BE49-F238E27FC236}">
-                <a16:creationId xmlns:a16="http://schemas.microsoft.com/office/drawing/2014/main" id="{969377A9-3F4E-1DE9-7BDC-4F4ABF960273}"/>
-              </a:ext>
-            </a:extLst>
-          </p:cNvPr>
-          <p:cNvSpPr txBox="1"/>
-          <p:nvPr/>
-        </p:nvSpPr>
-        <p:spPr>
-          <a:xfrm>
-            <a:off x="5420929" y="6280047"/>
-            <a:ext cx="1155036" cy="430887"/>
-          </a:xfrm>
-          <a:prstGeom prst="rect">
-            <a:avLst/>
-          </a:prstGeom>
-          <a:noFill/>
-        </p:spPr>
-        <p:txBody>
-          <a:bodyPr wrap="square" rtlCol="0">
-            <a:spAutoFit/>
-          </a:bodyPr>
-          <a:lstStyle/>
-          <a:p>
-            <a:pPr algn="ctr"/>
-            <a:r>
-              <a:rPr lang="en-US" sz="1100" b="1"/>
-              <a:t>Finance Manager Profile</a:t>
-            </a:r>
-          </a:p>
-        </p:txBody>
-      </p:sp>
-      <p:sp>
-        <p:nvSpPr>
-          <p:cNvPr id="1040" name="TextBox 1039">
-            <a:extLst>
-              <a:ext uri="{FF2B5EF4-FFF2-40B4-BE49-F238E27FC236}">
-                <a16:creationId xmlns:a16="http://schemas.microsoft.com/office/drawing/2014/main" id="{0D136461-9724-FE06-AA65-383F76776591}"/>
-              </a:ext>
-            </a:extLst>
-          </p:cNvPr>
-          <p:cNvSpPr txBox="1"/>
-          <p:nvPr/>
-        </p:nvSpPr>
-        <p:spPr>
-          <a:xfrm>
-            <a:off x="7792326" y="6257836"/>
-            <a:ext cx="1242919" cy="600164"/>
-          </a:xfrm>
-          <a:prstGeom prst="rect">
-            <a:avLst/>
-          </a:prstGeom>
-          <a:noFill/>
-        </p:spPr>
-        <p:txBody>
-          <a:bodyPr wrap="square" rtlCol="0">
-            <a:spAutoFit/>
-          </a:bodyPr>
-          <a:lstStyle/>
-          <a:p>
-            <a:pPr algn="ctr"/>
-            <a:r>
-              <a:rPr lang="en-US" sz="1100" b="1"/>
-              <a:t>Design Illustrator’s Profile</a:t>
-            </a:r>
-          </a:p>
-        </p:txBody>
-      </p:sp>
-      <p:sp>
-        <p:nvSpPr>
-          <p:cNvPr id="1042" name="TextBox 1041">
-            <a:extLst>
-              <a:ext uri="{FF2B5EF4-FFF2-40B4-BE49-F238E27FC236}">
-                <a16:creationId xmlns:a16="http://schemas.microsoft.com/office/drawing/2014/main" id="{3F0748A4-3071-7C06-8CFE-061A5DA03D9E}"/>
-              </a:ext>
-            </a:extLst>
-          </p:cNvPr>
-          <p:cNvSpPr txBox="1"/>
-          <p:nvPr/>
-        </p:nvSpPr>
-        <p:spPr>
-          <a:xfrm>
-            <a:off x="10251605" y="6280047"/>
-            <a:ext cx="1242919" cy="430887"/>
-          </a:xfrm>
-          <a:prstGeom prst="rect">
-            <a:avLst/>
-          </a:prstGeom>
-          <a:noFill/>
-        </p:spPr>
-        <p:txBody>
-          <a:bodyPr wrap="square" rtlCol="0">
-            <a:spAutoFit/>
-          </a:bodyPr>
-          <a:lstStyle/>
-          <a:p>
-            <a:pPr algn="ctr"/>
-            <a:r>
-              <a:rPr lang="en-US" sz="1100" b="1"/>
-              <a:t>Head of Director’s Profile</a:t>
-            </a:r>
-          </a:p>
-        </p:txBody>
-      </p:sp>
       <p:pic>
         <p:nvPicPr>
-          <p:cNvPr id="1044" name="Picture 10" descr="financial management clipart - Clip Art Library">
-            <a:extLst>
-              <a:ext uri="{FF2B5EF4-FFF2-40B4-BE49-F238E27FC236}">
-                <a16:creationId xmlns:a16="http://schemas.microsoft.com/office/drawing/2014/main" id="{4B166B34-EB00-E8B0-263E-2EC2792DFBA7}"/>
+          <p:cNvPr id="1024" name="Picture 1023">
+            <a:extLst>
+              <a:ext uri="{FF2B5EF4-FFF2-40B4-BE49-F238E27FC236}">
+                <a16:creationId xmlns:a16="http://schemas.microsoft.com/office/drawing/2014/main" id="{6361FD4D-301E-4719-1279-79606C90C544}"/>
               </a:ext>
             </a:extLst>
           </p:cNvPr>
           <p:cNvPicPr>
-            <a:picLocks noChangeAspect="1" noChangeArrowheads="1"/>
+            <a:picLocks noChangeAspect="1"/>
           </p:cNvPicPr>
           <p:nvPr/>
         </p:nvPicPr>
         <p:blipFill>
-          <a:blip r:embed="rId18" cstate="print">
-            <a:clrChange>
-              <a:clrFrom>
-                <a:srgbClr val="FFFFFF"/>
-              </a:clrFrom>
-              <a:clrTo>
-                <a:srgbClr val="FFFFFF">
-                  <a:alpha val="0"/>
-                </a:srgbClr>
-              </a:clrTo>
-            </a:clrChange>
-            <a:extLst>
-              <a:ext uri="{28A0092B-C50C-407E-A947-70E740481C1C}">
-                <a14:useLocalDpi xmlns:a14="http://schemas.microsoft.com/office/drawing/2010/main" val="0"/>
-              </a:ext>
-            </a:extLst>
-          </a:blip>
-          <a:srcRect/>
+          <a:blip r:embed="rId38"/>
           <a:stretch>
             <a:fillRect/>
           </a:stretch>
         </p:blipFill>
-        <p:spPr bwMode="auto">
-          <a:xfrm>
-            <a:off x="5664862" y="5463598"/>
-            <a:ext cx="787759" cy="785295"/>
-          </a:xfrm>
-          <a:prstGeom prst="rect">
-            <a:avLst/>
-          </a:prstGeom>
-          <a:noFill/>
-          <a:extLst>
-            <a:ext uri="{909E8E84-426E-40DD-AFC4-6F175D3DCCD1}">
-              <a14:hiddenFill xmlns:a14="http://schemas.microsoft.com/office/drawing/2010/main">
-                <a:solidFill>
-                  <a:srgbClr val="FFFFFF"/>
-                </a:solidFill>
-              </a14:hiddenFill>
-            </a:ext>
-          </a:extLst>
+        <p:spPr>
+          <a:xfrm>
+            <a:off x="4240060" y="2404245"/>
+            <a:ext cx="539688" cy="521697"/>
+          </a:xfrm>
+          <a:prstGeom prst="rect">
+            <a:avLst/>
+          </a:prstGeom>
+          <a:ln w="9525">
+            <a:solidFill>
+              <a:schemeClr val="tx1"/>
+            </a:solidFill>
+          </a:ln>
         </p:spPr>
       </p:pic>
       <p:cxnSp>
         <p:nvCxnSpPr>
-          <p:cNvPr id="1046" name="Straight Arrow Connector 1045">
-            <a:extLst>
-              <a:ext uri="{FF2B5EF4-FFF2-40B4-BE49-F238E27FC236}">
-                <a16:creationId xmlns:a16="http://schemas.microsoft.com/office/drawing/2014/main" id="{9096CFFD-5C7B-1887-D381-0AA1070BCC64}"/>
+          <p:cNvPr id="1094" name="Straight Arrow Connector 1093">
+            <a:extLst>
+              <a:ext uri="{FF2B5EF4-FFF2-40B4-BE49-F238E27FC236}">
+                <a16:creationId xmlns:a16="http://schemas.microsoft.com/office/drawing/2014/main" id="{E3B9823D-80B7-071D-A13C-55640B1D6640}"/>
               </a:ext>
             </a:extLst>
           </p:cNvPr>
           <p:cNvCxnSpPr>
             <a:cxnSpLocks/>
-            <a:endCxn id="24" idx="0"/>
+            <a:endCxn id="42" idx="1"/>
           </p:cNvCxnSpPr>
           <p:nvPr/>
         </p:nvCxnSpPr>
         <p:spPr>
-          <a:xfrm>
-            <a:off x="10979785" y="2142924"/>
-            <a:ext cx="0" cy="1864579"/>
+          <a:xfrm flipV="1">
+            <a:off x="3319565" y="1789459"/>
+            <a:ext cx="613699" cy="0"/>
           </a:xfrm>
           <a:prstGeom prst="straightConnector1">
             <a:avLst/>
@@ -6304,13 +6132,136 @@
         </p:spPr>
         <p:style>
           <a:lnRef idx="2">
-            <a:schemeClr val="dk1"/>
+            <a:schemeClr val="accent1"/>
           </a:lnRef>
           <a:fillRef idx="0">
-            <a:schemeClr val="dk1"/>
+            <a:schemeClr val="accent1"/>
           </a:fillRef>
           <a:effectRef idx="1">
-            <a:schemeClr val="dk1"/>
+            <a:schemeClr val="accent1"/>
+          </a:effectRef>
+          <a:fontRef idx="minor">
+            <a:schemeClr val="tx1"/>
+          </a:fontRef>
+        </p:style>
+      </p:cxnSp>
+      <p:cxnSp>
+        <p:nvCxnSpPr>
+          <p:cNvPr id="1097" name="Straight Arrow Connector 1096">
+            <a:extLst>
+              <a:ext uri="{FF2B5EF4-FFF2-40B4-BE49-F238E27FC236}">
+                <a16:creationId xmlns:a16="http://schemas.microsoft.com/office/drawing/2014/main" id="{C17C0220-C044-58AF-CED8-E6FFB31C8148}"/>
+              </a:ext>
+            </a:extLst>
+          </p:cNvPr>
+          <p:cNvCxnSpPr>
+            <a:cxnSpLocks/>
+          </p:cNvCxnSpPr>
+          <p:nvPr/>
+        </p:nvCxnSpPr>
+        <p:spPr>
+          <a:xfrm>
+            <a:off x="3302410" y="3296553"/>
+            <a:ext cx="613699" cy="0"/>
+          </a:xfrm>
+          <a:prstGeom prst="straightConnector1">
+            <a:avLst/>
+          </a:prstGeom>
+          <a:ln>
+            <a:tailEnd type="triangle"/>
+          </a:ln>
+        </p:spPr>
+        <p:style>
+          <a:lnRef idx="2">
+            <a:schemeClr val="accent1"/>
+          </a:lnRef>
+          <a:fillRef idx="0">
+            <a:schemeClr val="accent1"/>
+          </a:fillRef>
+          <a:effectRef idx="1">
+            <a:schemeClr val="accent1"/>
+          </a:effectRef>
+          <a:fontRef idx="minor">
+            <a:schemeClr val="tx1"/>
+          </a:fontRef>
+        </p:style>
+      </p:cxnSp>
+      <p:cxnSp>
+        <p:nvCxnSpPr>
+          <p:cNvPr id="1098" name="Straight Arrow Connector 1097">
+            <a:extLst>
+              <a:ext uri="{FF2B5EF4-FFF2-40B4-BE49-F238E27FC236}">
+                <a16:creationId xmlns:a16="http://schemas.microsoft.com/office/drawing/2014/main" id="{5548AB37-62BA-1474-DF90-6515CCF22792}"/>
+              </a:ext>
+            </a:extLst>
+          </p:cNvPr>
+          <p:cNvCxnSpPr>
+            <a:cxnSpLocks/>
+          </p:cNvCxnSpPr>
+          <p:nvPr/>
+        </p:nvCxnSpPr>
+        <p:spPr>
+          <a:xfrm>
+            <a:off x="3319565" y="4976023"/>
+            <a:ext cx="596544" cy="0"/>
+          </a:xfrm>
+          <a:prstGeom prst="straightConnector1">
+            <a:avLst/>
+          </a:prstGeom>
+          <a:ln>
+            <a:tailEnd type="triangle"/>
+          </a:ln>
+        </p:spPr>
+        <p:style>
+          <a:lnRef idx="2">
+            <a:schemeClr val="accent1"/>
+          </a:lnRef>
+          <a:fillRef idx="0">
+            <a:schemeClr val="accent1"/>
+          </a:fillRef>
+          <a:effectRef idx="1">
+            <a:schemeClr val="accent1"/>
+          </a:effectRef>
+          <a:fontRef idx="minor">
+            <a:schemeClr val="tx1"/>
+          </a:fontRef>
+        </p:style>
+      </p:cxnSp>
+      <p:cxnSp>
+        <p:nvCxnSpPr>
+          <p:cNvPr id="1099" name="Straight Arrow Connector 1098">
+            <a:extLst>
+              <a:ext uri="{FF2B5EF4-FFF2-40B4-BE49-F238E27FC236}">
+                <a16:creationId xmlns:a16="http://schemas.microsoft.com/office/drawing/2014/main" id="{AD267E91-EA5D-E61E-F95B-B3B44942565A}"/>
+              </a:ext>
+            </a:extLst>
+          </p:cNvPr>
+          <p:cNvCxnSpPr>
+            <a:cxnSpLocks/>
+          </p:cNvCxnSpPr>
+          <p:nvPr/>
+        </p:nvCxnSpPr>
+        <p:spPr>
+          <a:xfrm>
+            <a:off x="3281571" y="6264753"/>
+            <a:ext cx="634538" cy="0"/>
+          </a:xfrm>
+          <a:prstGeom prst="straightConnector1">
+            <a:avLst/>
+          </a:prstGeom>
+          <a:ln>
+            <a:tailEnd type="triangle"/>
+          </a:ln>
+        </p:spPr>
+        <p:style>
+          <a:lnRef idx="2">
+            <a:schemeClr val="accent1"/>
+          </a:lnRef>
+          <a:fillRef idx="0">
+            <a:schemeClr val="accent1"/>
+          </a:fillRef>
+          <a:effectRef idx="1">
+            <a:schemeClr val="accent1"/>
           </a:effectRef>
           <a:fontRef idx="minor">
             <a:schemeClr val="tx1"/>
@@ -6319,115 +6270,177 @@
       </p:cxnSp>
       <p:pic>
         <p:nvPicPr>
-          <p:cNvPr id="1048" name="Picture 12" descr="Artwork, digital, digital art, digital artwork, illustration, vector icon">
-            <a:extLst>
-              <a:ext uri="{FF2B5EF4-FFF2-40B4-BE49-F238E27FC236}">
-                <a16:creationId xmlns:a16="http://schemas.microsoft.com/office/drawing/2014/main" id="{60B4E7B4-AEC3-DE03-EA9F-C7D79DFEB0AD}"/>
+          <p:cNvPr id="1100" name="Picture 1099">
+            <a:extLst>
+              <a:ext uri="{FF2B5EF4-FFF2-40B4-BE49-F238E27FC236}">
+                <a16:creationId xmlns:a16="http://schemas.microsoft.com/office/drawing/2014/main" id="{6BBDF23A-0305-33DE-E172-2351381042AD}"/>
               </a:ext>
             </a:extLst>
           </p:cNvPr>
           <p:cNvPicPr>
-            <a:picLocks noChangeAspect="1" noChangeArrowheads="1"/>
+            <a:picLocks noChangeAspect="1"/>
           </p:cNvPicPr>
           <p:nvPr/>
         </p:nvPicPr>
         <p:blipFill>
-          <a:blip r:embed="rId19" cstate="print">
-            <a:extLst>
-              <a:ext uri="{28A0092B-C50C-407E-A947-70E740481C1C}">
-                <a14:useLocalDpi xmlns:a14="http://schemas.microsoft.com/office/drawing/2010/main" val="0"/>
-              </a:ext>
-            </a:extLst>
-          </a:blip>
-          <a:srcRect/>
+          <a:blip r:embed="rId38"/>
           <a:stretch>
             <a:fillRect/>
           </a:stretch>
         </p:blipFill>
-        <p:spPr bwMode="auto">
-          <a:xfrm>
-            <a:off x="7951825" y="5342568"/>
-            <a:ext cx="970777" cy="970777"/>
-          </a:xfrm>
-          <a:prstGeom prst="rect">
-            <a:avLst/>
-          </a:prstGeom>
-          <a:noFill/>
-          <a:extLst>
-            <a:ext uri="{909E8E84-426E-40DD-AFC4-6F175D3DCCD1}">
-              <a14:hiddenFill xmlns:a14="http://schemas.microsoft.com/office/drawing/2010/main">
-                <a:solidFill>
-                  <a:srgbClr val="FFFFFF"/>
-                </a:solidFill>
-              </a14:hiddenFill>
-            </a:ext>
-          </a:extLst>
+        <p:spPr>
+          <a:xfrm>
+            <a:off x="4246304" y="3526021"/>
+            <a:ext cx="539688" cy="521697"/>
+          </a:xfrm>
+          <a:prstGeom prst="rect">
+            <a:avLst/>
+          </a:prstGeom>
+          <a:ln w="9525">
+            <a:solidFill>
+              <a:schemeClr val="tx1"/>
+            </a:solidFill>
+          </a:ln>
         </p:spPr>
       </p:pic>
       <p:pic>
         <p:nvPicPr>
-          <p:cNvPr id="1049" name="Picture 14" descr="Director desk clipart 20 free Cliparts | Download images on Clipground 2021">
-            <a:extLst>
-              <a:ext uri="{FF2B5EF4-FFF2-40B4-BE49-F238E27FC236}">
-                <a16:creationId xmlns:a16="http://schemas.microsoft.com/office/drawing/2014/main" id="{98A84E98-BC9B-881B-0FC8-A27518AB6047}"/>
+          <p:cNvPr id="1101" name="Picture 1100">
+            <a:extLst>
+              <a:ext uri="{FF2B5EF4-FFF2-40B4-BE49-F238E27FC236}">
+                <a16:creationId xmlns:a16="http://schemas.microsoft.com/office/drawing/2014/main" id="{00339C29-8714-6502-DEFB-D4D2BA908D90}"/>
               </a:ext>
             </a:extLst>
           </p:cNvPr>
           <p:cNvPicPr>
-            <a:picLocks noChangeAspect="1" noChangeArrowheads="1"/>
+            <a:picLocks noChangeAspect="1"/>
           </p:cNvPicPr>
           <p:nvPr/>
         </p:nvPicPr>
-        <p:blipFill rotWithShape="1">
-          <a:blip r:embed="rId20" cstate="print">
-            <a:extLst>
-              <a:ext uri="{28A0092B-C50C-407E-A947-70E740481C1C}">
-                <a14:useLocalDpi xmlns:a14="http://schemas.microsoft.com/office/drawing/2010/main" val="0"/>
-              </a:ext>
-            </a:extLst>
-          </a:blip>
-          <a:srcRect l="17311" t="6732" r="17296" b="6732"/>
-          <a:stretch/>
+        <p:blipFill>
+          <a:blip r:embed="rId38"/>
+          <a:stretch>
+            <a:fillRect/>
+          </a:stretch>
         </p:blipFill>
-        <p:spPr bwMode="auto">
-          <a:xfrm>
-            <a:off x="10425946" y="5443516"/>
-            <a:ext cx="894233" cy="836531"/>
+        <p:spPr>
+          <a:xfrm>
+            <a:off x="4239479" y="4699470"/>
+            <a:ext cx="539688" cy="521697"/>
+          </a:xfrm>
+          <a:prstGeom prst="rect">
+            <a:avLst/>
+          </a:prstGeom>
+          <a:ln w="9525">
+            <a:solidFill>
+              <a:schemeClr val="tx1"/>
+            </a:solidFill>
+          </a:ln>
+        </p:spPr>
+      </p:pic>
+      <p:pic>
+        <p:nvPicPr>
+          <p:cNvPr id="1102" name="Picture 1101">
+            <a:extLst>
+              <a:ext uri="{FF2B5EF4-FFF2-40B4-BE49-F238E27FC236}">
+                <a16:creationId xmlns:a16="http://schemas.microsoft.com/office/drawing/2014/main" id="{7FD3D07D-1C49-5770-3EBD-C8A006D78D6E}"/>
+              </a:ext>
+            </a:extLst>
+          </p:cNvPr>
+          <p:cNvPicPr>
+            <a:picLocks noChangeAspect="1"/>
+          </p:cNvPicPr>
+          <p:nvPr/>
+        </p:nvPicPr>
+        <p:blipFill>
+          <a:blip r:embed="rId38"/>
+          <a:stretch>
+            <a:fillRect/>
+          </a:stretch>
+        </p:blipFill>
+        <p:spPr>
+          <a:xfrm>
+            <a:off x="4262143" y="5720953"/>
+            <a:ext cx="539688" cy="521697"/>
+          </a:xfrm>
+          <a:prstGeom prst="rect">
+            <a:avLst/>
+          </a:prstGeom>
+          <a:ln w="9525">
+            <a:solidFill>
+              <a:schemeClr val="tx1"/>
+            </a:solidFill>
+          </a:ln>
+        </p:spPr>
+      </p:pic>
+      <p:sp>
+        <p:nvSpPr>
+          <p:cNvPr id="1106" name="TextBox 1105">
+            <a:extLst>
+              <a:ext uri="{FF2B5EF4-FFF2-40B4-BE49-F238E27FC236}">
+                <a16:creationId xmlns:a16="http://schemas.microsoft.com/office/drawing/2014/main" id="{032F5CF7-B6D0-5434-6C82-E3DB9BA3F1A6}"/>
+              </a:ext>
+            </a:extLst>
+          </p:cNvPr>
+          <p:cNvSpPr txBox="1"/>
+          <p:nvPr/>
+        </p:nvSpPr>
+        <p:spPr>
+          <a:xfrm>
+            <a:off x="5840009" y="2340477"/>
+            <a:ext cx="970492" cy="400110"/>
           </a:xfrm>
           <a:prstGeom prst="rect">
             <a:avLst/>
           </a:prstGeom>
           <a:noFill/>
-          <a:extLst>
-            <a:ext uri="{909E8E84-426E-40DD-AFC4-6F175D3DCCD1}">
-              <a14:hiddenFill xmlns:a14="http://schemas.microsoft.com/office/drawing/2010/main">
+        </p:spPr>
+        <p:txBody>
+          <a:bodyPr wrap="square" rtlCol="0">
+            <a:spAutoFit/>
+          </a:bodyPr>
+          <a:lstStyle/>
+          <a:p>
+            <a:r>
+              <a:rPr lang="en-US" sz="1000" b="1" dirty="0">
                 <a:solidFill>
-                  <a:srgbClr val="FFFFFF"/>
+                  <a:schemeClr val="accent1">
+                    <a:lumMod val="75000"/>
+                  </a:schemeClr>
                 </a:solidFill>
-              </a14:hiddenFill>
-            </a:ext>
-          </a:extLst>
-        </p:spPr>
-      </p:pic>
+              </a:rPr>
+              <a:t>Engineer Profile</a:t>
+            </a:r>
+            <a:endParaRPr lang="en-SG" sz="1000" b="1" dirty="0">
+              <a:solidFill>
+                <a:schemeClr val="accent1">
+                  <a:lumMod val="75000"/>
+                </a:schemeClr>
+              </a:solidFill>
+            </a:endParaRPr>
+          </a:p>
+        </p:txBody>
+      </p:sp>
       <p:cxnSp>
         <p:nvCxnSpPr>
-          <p:cNvPr id="1054" name="Straight Arrow Connector 1053">
-            <a:extLst>
-              <a:ext uri="{FF2B5EF4-FFF2-40B4-BE49-F238E27FC236}">
-                <a16:creationId xmlns:a16="http://schemas.microsoft.com/office/drawing/2014/main" id="{5223D13C-7F56-E3E8-EBF9-19B422B5216A}"/>
+          <p:cNvPr id="1107" name="Straight Arrow Connector 1106">
+            <a:extLst>
+              <a:ext uri="{FF2B5EF4-FFF2-40B4-BE49-F238E27FC236}">
+                <a16:creationId xmlns:a16="http://schemas.microsoft.com/office/drawing/2014/main" id="{5CF86DF3-B9F6-3479-4706-E3A0F5528A1D}"/>
               </a:ext>
             </a:extLst>
           </p:cNvPr>
           <p:cNvCxnSpPr>
             <a:cxnSpLocks/>
-            <a:endCxn id="1047" idx="0"/>
+            <a:stCxn id="1100" idx="3"/>
+            <a:endCxn id="1111" idx="1"/>
           </p:cNvCxnSpPr>
           <p:nvPr/>
         </p:nvCxnSpPr>
         <p:spPr>
-          <a:xfrm>
-            <a:off x="8675815" y="2183321"/>
-            <a:ext cx="0" cy="1824183"/>
+          <a:xfrm flipV="1">
+            <a:off x="4785992" y="3776480"/>
+            <a:ext cx="2417219" cy="10390"/>
           </a:xfrm>
           <a:prstGeom prst="straightConnector1">
             <a:avLst/>
@@ -6438,13 +6451,13 @@
         </p:spPr>
         <p:style>
           <a:lnRef idx="2">
-            <a:schemeClr val="dk1"/>
+            <a:schemeClr val="accent1"/>
           </a:lnRef>
           <a:fillRef idx="0">
-            <a:schemeClr val="dk1"/>
+            <a:schemeClr val="accent1"/>
           </a:fillRef>
           <a:effectRef idx="1">
-            <a:schemeClr val="dk1"/>
+            <a:schemeClr val="accent1"/>
           </a:effectRef>
           <a:fontRef idx="minor">
             <a:schemeClr val="tx1"/>
@@ -6453,23 +6466,23 @@
       </p:cxnSp>
       <p:cxnSp>
         <p:nvCxnSpPr>
-          <p:cNvPr id="1056" name="Straight Arrow Connector 1055">
-            <a:extLst>
-              <a:ext uri="{FF2B5EF4-FFF2-40B4-BE49-F238E27FC236}">
-                <a16:creationId xmlns:a16="http://schemas.microsoft.com/office/drawing/2014/main" id="{1C75283C-666C-022D-482D-265610C23F27}"/>
+          <p:cNvPr id="1108" name="Straight Arrow Connector 1107">
+            <a:extLst>
+              <a:ext uri="{FF2B5EF4-FFF2-40B4-BE49-F238E27FC236}">
+                <a16:creationId xmlns:a16="http://schemas.microsoft.com/office/drawing/2014/main" id="{EA332759-8D2B-1BB3-9E0A-40E00E20D0D8}"/>
               </a:ext>
             </a:extLst>
           </p:cNvPr>
           <p:cNvCxnSpPr>
             <a:cxnSpLocks/>
-            <a:endCxn id="1045" idx="0"/>
+            <a:stCxn id="1101" idx="3"/>
           </p:cNvCxnSpPr>
           <p:nvPr/>
         </p:nvCxnSpPr>
         <p:spPr>
-          <a:xfrm>
-            <a:off x="6245949" y="2157920"/>
-            <a:ext cx="0" cy="1896360"/>
+          <a:xfrm flipV="1">
+            <a:off x="4779167" y="4949997"/>
+            <a:ext cx="3166969" cy="10322"/>
           </a:xfrm>
           <a:prstGeom prst="straightConnector1">
             <a:avLst/>
@@ -6480,13 +6493,370 @@
         </p:spPr>
         <p:style>
           <a:lnRef idx="2">
-            <a:schemeClr val="dk1"/>
+            <a:schemeClr val="accent1"/>
           </a:lnRef>
           <a:fillRef idx="0">
-            <a:schemeClr val="dk1"/>
+            <a:schemeClr val="accent1"/>
           </a:fillRef>
           <a:effectRef idx="1">
-            <a:schemeClr val="dk1"/>
+            <a:schemeClr val="accent1"/>
+          </a:effectRef>
+          <a:fontRef idx="minor">
+            <a:schemeClr val="tx1"/>
+          </a:fontRef>
+        </p:style>
+      </p:cxnSp>
+      <p:sp>
+        <p:nvSpPr>
+          <p:cNvPr id="1110" name="TextBox 1109">
+            <a:extLst>
+              <a:ext uri="{FF2B5EF4-FFF2-40B4-BE49-F238E27FC236}">
+                <a16:creationId xmlns:a16="http://schemas.microsoft.com/office/drawing/2014/main" id="{65EF0DD2-1221-F23C-2ABF-81BECCDBAF03}"/>
+              </a:ext>
+            </a:extLst>
+          </p:cNvPr>
+          <p:cNvSpPr txBox="1"/>
+          <p:nvPr/>
+        </p:nvSpPr>
+        <p:spPr>
+          <a:xfrm>
+            <a:off x="4193140" y="4064943"/>
+            <a:ext cx="1233191" cy="400110"/>
+          </a:xfrm>
+          <a:prstGeom prst="rect">
+            <a:avLst/>
+          </a:prstGeom>
+          <a:noFill/>
+        </p:spPr>
+        <p:txBody>
+          <a:bodyPr wrap="square" rtlCol="0">
+            <a:spAutoFit/>
+          </a:bodyPr>
+          <a:lstStyle/>
+          <a:p>
+            <a:r>
+              <a:rPr lang="en-US" sz="1000" b="1" dirty="0"/>
+              <a:t>Officer timeline play book</a:t>
+            </a:r>
+            <a:endParaRPr lang="en-SG" sz="1000" b="1" dirty="0"/>
+          </a:p>
+        </p:txBody>
+      </p:sp>
+      <p:pic>
+        <p:nvPicPr>
+          <p:cNvPr id="1111" name="Picture 1110">
+            <a:extLst>
+              <a:ext uri="{FF2B5EF4-FFF2-40B4-BE49-F238E27FC236}">
+                <a16:creationId xmlns:a16="http://schemas.microsoft.com/office/drawing/2014/main" id="{8377EEDE-0F3F-BC31-4729-747D3912B872}"/>
+              </a:ext>
+            </a:extLst>
+          </p:cNvPr>
+          <p:cNvPicPr>
+            <a:picLocks noChangeAspect="1"/>
+          </p:cNvPicPr>
+          <p:nvPr/>
+        </p:nvPicPr>
+        <p:blipFill>
+          <a:blip r:embed="rId33"/>
+          <a:stretch>
+            <a:fillRect/>
+          </a:stretch>
+        </p:blipFill>
+        <p:spPr>
+          <a:xfrm>
+            <a:off x="7203211" y="3599445"/>
+            <a:ext cx="363195" cy="354069"/>
+          </a:xfrm>
+          <a:prstGeom prst="rect">
+            <a:avLst/>
+          </a:prstGeom>
+          <a:ln w="12700">
+            <a:solidFill>
+              <a:schemeClr val="tx1"/>
+            </a:solidFill>
+          </a:ln>
+        </p:spPr>
+      </p:pic>
+      <p:sp>
+        <p:nvSpPr>
+          <p:cNvPr id="1115" name="TextBox 1114">
+            <a:extLst>
+              <a:ext uri="{FF2B5EF4-FFF2-40B4-BE49-F238E27FC236}">
+                <a16:creationId xmlns:a16="http://schemas.microsoft.com/office/drawing/2014/main" id="{CDA1A810-8044-7A6B-207A-0B5B96C04B98}"/>
+              </a:ext>
+            </a:extLst>
+          </p:cNvPr>
+          <p:cNvSpPr txBox="1"/>
+          <p:nvPr/>
+        </p:nvSpPr>
+        <p:spPr>
+          <a:xfrm>
+            <a:off x="4193140" y="5238935"/>
+            <a:ext cx="1307681" cy="400110"/>
+          </a:xfrm>
+          <a:prstGeom prst="rect">
+            <a:avLst/>
+          </a:prstGeom>
+          <a:noFill/>
+        </p:spPr>
+        <p:txBody>
+          <a:bodyPr wrap="square" rtlCol="0">
+            <a:spAutoFit/>
+          </a:bodyPr>
+          <a:lstStyle/>
+          <a:p>
+            <a:r>
+              <a:rPr lang="en-US" sz="1000" b="1" dirty="0"/>
+              <a:t>Customer timeline play book </a:t>
+            </a:r>
+            <a:endParaRPr lang="en-SG" sz="1000" b="1" dirty="0"/>
+          </a:p>
+        </p:txBody>
+      </p:sp>
+      <p:sp>
+        <p:nvSpPr>
+          <p:cNvPr id="1118" name="TextBox 1117">
+            <a:extLst>
+              <a:ext uri="{FF2B5EF4-FFF2-40B4-BE49-F238E27FC236}">
+                <a16:creationId xmlns:a16="http://schemas.microsoft.com/office/drawing/2014/main" id="{02CF19E3-C2D3-41D9-1A4E-CBA9EF89BA04}"/>
+              </a:ext>
+            </a:extLst>
+          </p:cNvPr>
+          <p:cNvSpPr txBox="1"/>
+          <p:nvPr/>
+        </p:nvSpPr>
+        <p:spPr>
+          <a:xfrm>
+            <a:off x="5862012" y="4664606"/>
+            <a:ext cx="1232608" cy="253916"/>
+          </a:xfrm>
+          <a:prstGeom prst="rect">
+            <a:avLst/>
+          </a:prstGeom>
+          <a:noFill/>
+        </p:spPr>
+        <p:txBody>
+          <a:bodyPr wrap="square" rtlCol="0">
+            <a:spAutoFit/>
+          </a:bodyPr>
+          <a:lstStyle/>
+          <a:p>
+            <a:r>
+              <a:rPr lang="en-US" sz="1050" b="1" dirty="0">
+                <a:solidFill>
+                  <a:srgbClr val="C00000"/>
+                </a:solidFill>
+              </a:rPr>
+              <a:t>Customer profile </a:t>
+            </a:r>
+            <a:endParaRPr lang="en-SG" sz="1050" b="1" dirty="0">
+              <a:solidFill>
+                <a:srgbClr val="C00000"/>
+              </a:solidFill>
+            </a:endParaRPr>
+          </a:p>
+        </p:txBody>
+      </p:sp>
+      <p:sp>
+        <p:nvSpPr>
+          <p:cNvPr id="1119" name="TextBox 1118">
+            <a:extLst>
+              <a:ext uri="{FF2B5EF4-FFF2-40B4-BE49-F238E27FC236}">
+                <a16:creationId xmlns:a16="http://schemas.microsoft.com/office/drawing/2014/main" id="{5E1AE908-D3CE-6416-A5D8-CBA9119A5DF6}"/>
+              </a:ext>
+            </a:extLst>
+          </p:cNvPr>
+          <p:cNvSpPr txBox="1"/>
+          <p:nvPr/>
+        </p:nvSpPr>
+        <p:spPr>
+          <a:xfrm>
+            <a:off x="4209640" y="6235837"/>
+            <a:ext cx="1307681" cy="400110"/>
+          </a:xfrm>
+          <a:prstGeom prst="rect">
+            <a:avLst/>
+          </a:prstGeom>
+          <a:noFill/>
+        </p:spPr>
+        <p:txBody>
+          <a:bodyPr wrap="square" rtlCol="0">
+            <a:spAutoFit/>
+          </a:bodyPr>
+          <a:lstStyle/>
+          <a:p>
+            <a:r>
+              <a:rPr lang="en-US" sz="1000" b="1" dirty="0"/>
+              <a:t>Equipment timeline playbook</a:t>
+            </a:r>
+            <a:endParaRPr lang="en-SG" sz="1000" b="1" dirty="0"/>
+          </a:p>
+        </p:txBody>
+      </p:sp>
+      <p:cxnSp>
+        <p:nvCxnSpPr>
+          <p:cNvPr id="1122" name="Straight Arrow Connector 1121">
+            <a:extLst>
+              <a:ext uri="{FF2B5EF4-FFF2-40B4-BE49-F238E27FC236}">
+                <a16:creationId xmlns:a16="http://schemas.microsoft.com/office/drawing/2014/main" id="{F25C303F-0F7C-547E-8AA2-981D537F8514}"/>
+              </a:ext>
+            </a:extLst>
+          </p:cNvPr>
+          <p:cNvCxnSpPr>
+            <a:cxnSpLocks/>
+            <a:stCxn id="1102" idx="3"/>
+          </p:cNvCxnSpPr>
+          <p:nvPr/>
+        </p:nvCxnSpPr>
+        <p:spPr>
+          <a:xfrm>
+            <a:off x="4801831" y="5981802"/>
+            <a:ext cx="3874802" cy="14018"/>
+          </a:xfrm>
+          <a:prstGeom prst="straightConnector1">
+            <a:avLst/>
+          </a:prstGeom>
+          <a:ln>
+            <a:tailEnd type="triangle"/>
+          </a:ln>
+        </p:spPr>
+        <p:style>
+          <a:lnRef idx="2">
+            <a:schemeClr val="accent1"/>
+          </a:lnRef>
+          <a:fillRef idx="0">
+            <a:schemeClr val="accent1"/>
+          </a:fillRef>
+          <a:effectRef idx="1">
+            <a:schemeClr val="accent1"/>
+          </a:effectRef>
+          <a:fontRef idx="minor">
+            <a:schemeClr val="tx1"/>
+          </a:fontRef>
+        </p:style>
+      </p:cxnSp>
+      <p:pic>
+        <p:nvPicPr>
+          <p:cNvPr id="1123" name="Picture 1122">
+            <a:extLst>
+              <a:ext uri="{FF2B5EF4-FFF2-40B4-BE49-F238E27FC236}">
+                <a16:creationId xmlns:a16="http://schemas.microsoft.com/office/drawing/2014/main" id="{F610C72F-0E5A-F50B-9E5D-4371F9229A0D}"/>
+              </a:ext>
+            </a:extLst>
+          </p:cNvPr>
+          <p:cNvPicPr>
+            <a:picLocks noChangeAspect="1"/>
+          </p:cNvPicPr>
+          <p:nvPr/>
+        </p:nvPicPr>
+        <p:blipFill>
+          <a:blip r:embed="rId35">
+            <a:duotone>
+              <a:prstClr val="black"/>
+              <a:srgbClr val="FFC000">
+                <a:tint val="45000"/>
+                <a:satMod val="400000"/>
+              </a:srgbClr>
+            </a:duotone>
+          </a:blip>
+          <a:stretch>
+            <a:fillRect/>
+          </a:stretch>
+        </p:blipFill>
+        <p:spPr>
+          <a:xfrm>
+            <a:off x="5611146" y="5675600"/>
+            <a:ext cx="280426" cy="287854"/>
+          </a:xfrm>
+          <a:prstGeom prst="rect">
+            <a:avLst/>
+          </a:prstGeom>
+          <a:ln w="9525">
+            <a:solidFill>
+              <a:schemeClr val="tx1"/>
+            </a:solidFill>
+          </a:ln>
+        </p:spPr>
+      </p:pic>
+      <p:sp>
+        <p:nvSpPr>
+          <p:cNvPr id="1127" name="TextBox 1126">
+            <a:extLst>
+              <a:ext uri="{FF2B5EF4-FFF2-40B4-BE49-F238E27FC236}">
+                <a16:creationId xmlns:a16="http://schemas.microsoft.com/office/drawing/2014/main" id="{1A902472-9A23-0799-9B44-0126E46CDEAB}"/>
+              </a:ext>
+            </a:extLst>
+          </p:cNvPr>
+          <p:cNvSpPr txBox="1"/>
+          <p:nvPr/>
+        </p:nvSpPr>
+        <p:spPr>
+          <a:xfrm>
+            <a:off x="5865372" y="5692042"/>
+            <a:ext cx="1232608" cy="253916"/>
+          </a:xfrm>
+          <a:prstGeom prst="rect">
+            <a:avLst/>
+          </a:prstGeom>
+          <a:noFill/>
+        </p:spPr>
+        <p:txBody>
+          <a:bodyPr wrap="square" rtlCol="0">
+            <a:spAutoFit/>
+          </a:bodyPr>
+          <a:lstStyle/>
+          <a:p>
+            <a:r>
+              <a:rPr lang="en-US" sz="1050" b="1" dirty="0">
+                <a:solidFill>
+                  <a:schemeClr val="accent2"/>
+                </a:solidFill>
+              </a:rPr>
+              <a:t>Device profile </a:t>
+            </a:r>
+            <a:endParaRPr lang="en-SG" sz="1050" b="1" dirty="0">
+              <a:solidFill>
+                <a:schemeClr val="accent2"/>
+              </a:solidFill>
+            </a:endParaRPr>
+          </a:p>
+        </p:txBody>
+      </p:sp>
+      <p:cxnSp>
+        <p:nvCxnSpPr>
+          <p:cNvPr id="1128" name="Straight Arrow Connector 1127">
+            <a:extLst>
+              <a:ext uri="{FF2B5EF4-FFF2-40B4-BE49-F238E27FC236}">
+                <a16:creationId xmlns:a16="http://schemas.microsoft.com/office/drawing/2014/main" id="{928BCBA3-A91F-6DE2-DFED-D1686EC55F5B}"/>
+              </a:ext>
+            </a:extLst>
+          </p:cNvPr>
+          <p:cNvCxnSpPr>
+            <a:cxnSpLocks/>
+          </p:cNvCxnSpPr>
+          <p:nvPr/>
+        </p:nvCxnSpPr>
+        <p:spPr>
+          <a:xfrm>
+            <a:off x="7595452" y="3753756"/>
+            <a:ext cx="1669232" cy="0"/>
+          </a:xfrm>
+          <a:prstGeom prst="straightConnector1">
+            <a:avLst/>
+          </a:prstGeom>
+          <a:ln>
+            <a:tailEnd type="triangle"/>
+          </a:ln>
+        </p:spPr>
+        <p:style>
+          <a:lnRef idx="2">
+            <a:schemeClr val="accent1"/>
+          </a:lnRef>
+          <a:fillRef idx="0">
+            <a:schemeClr val="accent1"/>
+          </a:fillRef>
+          <a:effectRef idx="1">
+            <a:schemeClr val="accent1"/>
           </a:effectRef>
           <a:fontRef idx="minor">
             <a:schemeClr val="tx1"/>
@@ -6495,23 +6865,22 @@
       </p:cxnSp>
       <p:cxnSp>
         <p:nvCxnSpPr>
-          <p:cNvPr id="1058" name="Straight Arrow Connector 1057">
-            <a:extLst>
-              <a:ext uri="{FF2B5EF4-FFF2-40B4-BE49-F238E27FC236}">
-                <a16:creationId xmlns:a16="http://schemas.microsoft.com/office/drawing/2014/main" id="{5C36166B-3A8B-8A11-461E-FDEBD02C4011}"/>
+          <p:cNvPr id="1133" name="Straight Arrow Connector 1132">
+            <a:extLst>
+              <a:ext uri="{FF2B5EF4-FFF2-40B4-BE49-F238E27FC236}">
+                <a16:creationId xmlns:a16="http://schemas.microsoft.com/office/drawing/2014/main" id="{B97A1861-5C74-8C9B-CF0E-F38CD98FDB54}"/>
               </a:ext>
             </a:extLst>
           </p:cNvPr>
           <p:cNvCxnSpPr>
             <a:cxnSpLocks/>
-            <a:stCxn id="5" idx="2"/>
           </p:cNvCxnSpPr>
           <p:nvPr/>
         </p:nvCxnSpPr>
         <p:spPr>
-          <a:xfrm flipH="1">
-            <a:off x="6096000" y="1282975"/>
-            <a:ext cx="1" cy="330069"/>
+          <a:xfrm>
+            <a:off x="8403245" y="4918522"/>
+            <a:ext cx="887059" cy="0"/>
           </a:xfrm>
           <a:prstGeom prst="straightConnector1">
             <a:avLst/>
@@ -6522,13 +6891,13 @@
         </p:spPr>
         <p:style>
           <a:lnRef idx="2">
-            <a:schemeClr val="dk1"/>
+            <a:schemeClr val="accent1"/>
           </a:lnRef>
           <a:fillRef idx="0">
-            <a:schemeClr val="dk1"/>
+            <a:schemeClr val="accent1"/>
           </a:fillRef>
           <a:effectRef idx="1">
-            <a:schemeClr val="dk1"/>
+            <a:schemeClr val="accent1"/>
           </a:effectRef>
           <a:fontRef idx="minor">
             <a:schemeClr val="tx1"/>
@@ -6537,23 +6906,22 @@
       </p:cxnSp>
       <p:cxnSp>
         <p:nvCxnSpPr>
-          <p:cNvPr id="1061" name="Straight Arrow Connector 1060">
-            <a:extLst>
-              <a:ext uri="{FF2B5EF4-FFF2-40B4-BE49-F238E27FC236}">
-                <a16:creationId xmlns:a16="http://schemas.microsoft.com/office/drawing/2014/main" id="{823C6D11-717F-313F-E778-D4FD9277141D}"/>
+          <p:cNvPr id="1136" name="Straight Arrow Connector 1135">
+            <a:extLst>
+              <a:ext uri="{FF2B5EF4-FFF2-40B4-BE49-F238E27FC236}">
+                <a16:creationId xmlns:a16="http://schemas.microsoft.com/office/drawing/2014/main" id="{F8338DFD-A426-D592-F51C-40271FADD1C9}"/>
               </a:ext>
             </a:extLst>
           </p:cNvPr>
           <p:cNvCxnSpPr>
             <a:cxnSpLocks/>
-            <a:endCxn id="1026" idx="0"/>
           </p:cNvCxnSpPr>
           <p:nvPr/>
         </p:nvCxnSpPr>
         <p:spPr>
           <a:xfrm>
-            <a:off x="3961839" y="2147822"/>
-            <a:ext cx="0" cy="1883060"/>
+            <a:off x="9098981" y="5990947"/>
+            <a:ext cx="294831" cy="0"/>
           </a:xfrm>
           <a:prstGeom prst="straightConnector1">
             <a:avLst/>
@@ -6564,70 +6932,25 @@
         </p:spPr>
         <p:style>
           <a:lnRef idx="2">
-            <a:schemeClr val="dk1"/>
+            <a:schemeClr val="accent1"/>
           </a:lnRef>
           <a:fillRef idx="0">
-            <a:schemeClr val="dk1"/>
+            <a:schemeClr val="accent1"/>
           </a:fillRef>
           <a:effectRef idx="1">
-            <a:schemeClr val="dk1"/>
+            <a:schemeClr val="accent1"/>
           </a:effectRef>
           <a:fontRef idx="minor">
             <a:schemeClr val="tx1"/>
           </a:fontRef>
         </p:style>
       </p:cxnSp>
-      <p:pic>
-        <p:nvPicPr>
-          <p:cNvPr id="1063" name="Picture 18">
-            <a:extLst>
-              <a:ext uri="{FF2B5EF4-FFF2-40B4-BE49-F238E27FC236}">
-                <a16:creationId xmlns:a16="http://schemas.microsoft.com/office/drawing/2014/main" id="{91CC4190-1C60-5C62-6767-15F67D92CE5F}"/>
-              </a:ext>
-            </a:extLst>
-          </p:cNvPr>
-          <p:cNvPicPr>
-            <a:picLocks noChangeAspect="1" noChangeArrowheads="1"/>
-          </p:cNvPicPr>
-          <p:nvPr/>
-        </p:nvPicPr>
-        <p:blipFill rotWithShape="1">
-          <a:blip r:embed="rId21" cstate="print">
-            <a:extLst>
-              <a:ext uri="{28A0092B-C50C-407E-A947-70E740481C1C}">
-                <a14:useLocalDpi xmlns:a14="http://schemas.microsoft.com/office/drawing/2010/main" val="0"/>
-              </a:ext>
-            </a:extLst>
-          </a:blip>
-          <a:srcRect t="17199" b="18708"/>
-          <a:stretch/>
-        </p:blipFill>
-        <p:spPr bwMode="auto">
-          <a:xfrm>
-            <a:off x="1215941" y="5588707"/>
-            <a:ext cx="796124" cy="724636"/>
-          </a:xfrm>
-          <a:prstGeom prst="rect">
-            <a:avLst/>
-          </a:prstGeom>
-          <a:noFill/>
-          <a:extLst>
-            <a:ext uri="{909E8E84-426E-40DD-AFC4-6F175D3DCCD1}">
-              <a14:hiddenFill xmlns:a14="http://schemas.microsoft.com/office/drawing/2010/main">
-                <a:solidFill>
-                  <a:srgbClr val="FFFFFF"/>
-                </a:solidFill>
-              </a14:hiddenFill>
-            </a:ext>
-          </a:extLst>
-        </p:spPr>
-      </p:pic>
-      <p:sp>
-        <p:nvSpPr>
-          <p:cNvPr id="1064" name="TextBox 1063">
-            <a:extLst>
-              <a:ext uri="{FF2B5EF4-FFF2-40B4-BE49-F238E27FC236}">
-                <a16:creationId xmlns:a16="http://schemas.microsoft.com/office/drawing/2014/main" id="{E76EF619-BF65-8D5E-D644-311382F6A1AE}"/>
+      <p:sp>
+        <p:nvSpPr>
+          <p:cNvPr id="1143" name="TextBox 1142">
+            <a:extLst>
+              <a:ext uri="{FF2B5EF4-FFF2-40B4-BE49-F238E27FC236}">
+                <a16:creationId xmlns:a16="http://schemas.microsoft.com/office/drawing/2014/main" id="{DF0C29D1-47DD-0826-3B97-F0CE3E3BA464}"/>
               </a:ext>
             </a:extLst>
           </p:cNvPr>
@@ -6636,8 +6959,8 @@
         </p:nvSpPr>
         <p:spPr>
           <a:xfrm>
-            <a:off x="850153" y="6326153"/>
-            <a:ext cx="1527699" cy="430887"/>
+            <a:off x="9968723" y="2265287"/>
+            <a:ext cx="1834791" cy="769441"/>
           </a:xfrm>
           <a:prstGeom prst="rect">
             <a:avLst/>
@@ -6650,27 +6973,306 @@
           </a:bodyPr>
           <a:lstStyle/>
           <a:p>
-            <a:pPr algn="ctr"/>
-            <a:r>
-              <a:rPr lang="en-US" sz="1100" b="1"/>
-              <a:t>Computer Vision</a:t>
-            </a:r>
-          </a:p>
-          <a:p>
-            <a:pPr algn="ctr"/>
-            <a:r>
-              <a:rPr lang="en-US" sz="1100" b="1"/>
-              <a:t>AI Profile</a:t>
+            <a:pPr marL="171450" indent="-171450">
+              <a:buFont typeface="Arial" panose="020B0604020202020204" pitchFamily="34" charset="0"/>
+              <a:buChar char="•"/>
+            </a:pPr>
+            <a:r>
+              <a:rPr lang="en-US" sz="1100" b="1" dirty="0"/>
+              <a:t>Maintenance engineer</a:t>
+            </a:r>
+          </a:p>
+          <a:p>
+            <a:pPr marL="171450" indent="-171450">
+              <a:buFont typeface="Arial" panose="020B0604020202020204" pitchFamily="34" charset="0"/>
+              <a:buChar char="•"/>
+            </a:pPr>
+            <a:r>
+              <a:rPr lang="en-US" sz="1100" b="1" dirty="0"/>
+              <a:t>Network admin</a:t>
+            </a:r>
+          </a:p>
+          <a:p>
+            <a:pPr marL="171450" indent="-171450">
+              <a:buFont typeface="Arial" panose="020B0604020202020204" pitchFamily="34" charset="0"/>
+              <a:buChar char="•"/>
+            </a:pPr>
+            <a:r>
+              <a:rPr lang="en-US" sz="1100" b="1" dirty="0"/>
+              <a:t>Pentest engineer </a:t>
+            </a:r>
+          </a:p>
+          <a:p>
+            <a:pPr marL="171450" indent="-171450">
+              <a:buFont typeface="Arial" panose="020B0604020202020204" pitchFamily="34" charset="0"/>
+              <a:buChar char="•"/>
+            </a:pPr>
+            <a:r>
+              <a:rPr lang="en-SG" sz="1100" b="1" dirty="0"/>
+              <a:t>Support engineer</a:t>
+            </a:r>
+          </a:p>
+        </p:txBody>
+      </p:sp>
+      <p:sp>
+        <p:nvSpPr>
+          <p:cNvPr id="1144" name="TextBox 1143">
+            <a:extLst>
+              <a:ext uri="{FF2B5EF4-FFF2-40B4-BE49-F238E27FC236}">
+                <a16:creationId xmlns:a16="http://schemas.microsoft.com/office/drawing/2014/main" id="{F5E121F6-C06C-0273-6870-DAC182F842FA}"/>
+              </a:ext>
+            </a:extLst>
+          </p:cNvPr>
+          <p:cNvSpPr txBox="1"/>
+          <p:nvPr/>
+        </p:nvSpPr>
+        <p:spPr>
+          <a:xfrm>
+            <a:off x="9964033" y="3332285"/>
+            <a:ext cx="1722017" cy="938719"/>
+          </a:xfrm>
+          <a:prstGeom prst="rect">
+            <a:avLst/>
+          </a:prstGeom>
+          <a:noFill/>
+        </p:spPr>
+        <p:txBody>
+          <a:bodyPr wrap="square" rtlCol="0">
+            <a:spAutoFit/>
+          </a:bodyPr>
+          <a:lstStyle/>
+          <a:p>
+            <a:pPr marL="171450" indent="-171450">
+              <a:buFont typeface="Arial" panose="020B0604020202020204" pitchFamily="34" charset="0"/>
+              <a:buChar char="•"/>
+            </a:pPr>
+            <a:r>
+              <a:rPr lang="en-US" sz="1100" b="1" dirty="0"/>
+              <a:t>IT support desk staff</a:t>
+            </a:r>
+          </a:p>
+          <a:p>
+            <a:pPr marL="171450" indent="-171450">
+              <a:buFont typeface="Arial" panose="020B0604020202020204" pitchFamily="34" charset="0"/>
+              <a:buChar char="•"/>
+            </a:pPr>
+            <a:r>
+              <a:rPr lang="en-US" sz="1100" b="1" dirty="0"/>
+              <a:t>HR officer </a:t>
+            </a:r>
+          </a:p>
+          <a:p>
+            <a:pPr marL="171450" indent="-171450">
+              <a:buFont typeface="Arial" panose="020B0604020202020204" pitchFamily="34" charset="0"/>
+              <a:buChar char="•"/>
+            </a:pPr>
+            <a:r>
+              <a:rPr lang="en-US" sz="1100" b="1" dirty="0"/>
+              <a:t>Finance Manager</a:t>
+            </a:r>
+          </a:p>
+          <a:p>
+            <a:pPr marL="171450" indent="-171450">
+              <a:buFont typeface="Arial" panose="020B0604020202020204" pitchFamily="34" charset="0"/>
+              <a:buChar char="•"/>
+            </a:pPr>
+            <a:r>
+              <a:rPr lang="en-SG" sz="1100" b="1" dirty="0"/>
+              <a:t>HQ Operator</a:t>
+            </a:r>
+          </a:p>
+          <a:p>
+            <a:pPr marL="171450" indent="-171450">
+              <a:buFont typeface="Arial" panose="020B0604020202020204" pitchFamily="34" charset="0"/>
+              <a:buChar char="•"/>
+            </a:pPr>
+            <a:r>
+              <a:rPr lang="en-SG" sz="1100" b="1" dirty="0"/>
+              <a:t>Company Intern</a:t>
+            </a:r>
+            <a:endParaRPr lang="en-US" sz="1100" b="1" dirty="0"/>
+          </a:p>
+        </p:txBody>
+      </p:sp>
+      <p:sp>
+        <p:nvSpPr>
+          <p:cNvPr id="1146" name="TextBox 1145">
+            <a:extLst>
+              <a:ext uri="{FF2B5EF4-FFF2-40B4-BE49-F238E27FC236}">
+                <a16:creationId xmlns:a16="http://schemas.microsoft.com/office/drawing/2014/main" id="{1FF25F14-F000-A72D-C9B4-91302A436C09}"/>
+              </a:ext>
+            </a:extLst>
+          </p:cNvPr>
+          <p:cNvSpPr txBox="1"/>
+          <p:nvPr/>
+        </p:nvSpPr>
+        <p:spPr>
+          <a:xfrm>
+            <a:off x="9903208" y="4475334"/>
+            <a:ext cx="2078615" cy="769441"/>
+          </a:xfrm>
+          <a:prstGeom prst="rect">
+            <a:avLst/>
+          </a:prstGeom>
+          <a:noFill/>
+        </p:spPr>
+        <p:txBody>
+          <a:bodyPr wrap="square" rtlCol="0">
+            <a:spAutoFit/>
+          </a:bodyPr>
+          <a:lstStyle/>
+          <a:p>
+            <a:pPr marL="171450" indent="-171450">
+              <a:buFont typeface="Arial" panose="020B0604020202020204" pitchFamily="34" charset="0"/>
+              <a:buChar char="•"/>
+            </a:pPr>
+            <a:r>
+              <a:rPr lang="en-US" sz="1100" b="1" dirty="0"/>
+              <a:t>Normal Customer </a:t>
+            </a:r>
+          </a:p>
+          <a:p>
+            <a:pPr marL="171450" indent="-171450">
+              <a:buFont typeface="Arial" panose="020B0604020202020204" pitchFamily="34" charset="0"/>
+              <a:buChar char="•"/>
+            </a:pPr>
+            <a:r>
+              <a:rPr lang="en-US" sz="1100" b="1" dirty="0"/>
+              <a:t>Raise support ticket</a:t>
+            </a:r>
+          </a:p>
+          <a:p>
+            <a:pPr marL="171450" indent="-171450">
+              <a:buFont typeface="Arial" panose="020B0604020202020204" pitchFamily="34" charset="0"/>
+              <a:buChar char="•"/>
+            </a:pPr>
+            <a:r>
+              <a:rPr lang="en-US" sz="1100" b="1" dirty="0"/>
+              <a:t>Interact with company web</a:t>
+            </a:r>
+          </a:p>
+          <a:p>
+            <a:pPr marL="171450" indent="-171450">
+              <a:buFont typeface="Arial" panose="020B0604020202020204" pitchFamily="34" charset="0"/>
+              <a:buChar char="•"/>
+            </a:pPr>
+            <a:r>
+              <a:rPr lang="en-US" sz="1100" b="1" dirty="0"/>
+              <a:t>Use the company service </a:t>
+            </a:r>
+          </a:p>
+        </p:txBody>
+      </p:sp>
+      <p:pic>
+        <p:nvPicPr>
+          <p:cNvPr id="1151" name="Picture 1150">
+            <a:extLst>
+              <a:ext uri="{FF2B5EF4-FFF2-40B4-BE49-F238E27FC236}">
+                <a16:creationId xmlns:a16="http://schemas.microsoft.com/office/drawing/2014/main" id="{8CCF8A51-09A1-4C25-7910-4B9AC9F14568}"/>
+              </a:ext>
+            </a:extLst>
+          </p:cNvPr>
+          <p:cNvPicPr>
+            <a:picLocks noChangeAspect="1"/>
+          </p:cNvPicPr>
+          <p:nvPr/>
+        </p:nvPicPr>
+        <p:blipFill>
+          <a:blip r:embed="rId39"/>
+          <a:stretch>
+            <a:fillRect/>
+          </a:stretch>
+        </p:blipFill>
+        <p:spPr>
+          <a:xfrm>
+            <a:off x="9423809" y="5730985"/>
+            <a:ext cx="544914" cy="553896"/>
+          </a:xfrm>
+          <a:prstGeom prst="rect">
+            <a:avLst/>
+          </a:prstGeom>
+          <a:ln w="6350">
+            <a:solidFill>
+              <a:schemeClr val="tx1"/>
+            </a:solidFill>
+          </a:ln>
+        </p:spPr>
+      </p:pic>
+      <p:sp>
+        <p:nvSpPr>
+          <p:cNvPr id="1152" name="TextBox 1151">
+            <a:extLst>
+              <a:ext uri="{FF2B5EF4-FFF2-40B4-BE49-F238E27FC236}">
+                <a16:creationId xmlns:a16="http://schemas.microsoft.com/office/drawing/2014/main" id="{5A110F8E-D8A1-BF23-E843-BA4346F6BFCD}"/>
+              </a:ext>
+            </a:extLst>
+          </p:cNvPr>
+          <p:cNvSpPr txBox="1"/>
+          <p:nvPr/>
+        </p:nvSpPr>
+        <p:spPr>
+          <a:xfrm>
+            <a:off x="9976626" y="5597082"/>
+            <a:ext cx="1816031" cy="769441"/>
+          </a:xfrm>
+          <a:prstGeom prst="rect">
+            <a:avLst/>
+          </a:prstGeom>
+          <a:noFill/>
+        </p:spPr>
+        <p:txBody>
+          <a:bodyPr wrap="square" rtlCol="0">
+            <a:spAutoFit/>
+          </a:bodyPr>
+          <a:lstStyle/>
+          <a:p>
+            <a:pPr marL="171450" indent="-171450">
+              <a:buFont typeface="Arial" panose="020B0604020202020204" pitchFamily="34" charset="0"/>
+              <a:buChar char="•"/>
+            </a:pPr>
+            <a:r>
+              <a:rPr lang="en-US" sz="1100" b="1" dirty="0"/>
+              <a:t>IoT device (sensor)</a:t>
+            </a:r>
+          </a:p>
+          <a:p>
+            <a:pPr marL="171450" indent="-171450">
+              <a:buFont typeface="Arial" panose="020B0604020202020204" pitchFamily="34" charset="0"/>
+              <a:buChar char="•"/>
+            </a:pPr>
+            <a:r>
+              <a:rPr lang="en-US" sz="1100" b="1" dirty="0"/>
+              <a:t>OT equipment (PLC)</a:t>
+            </a:r>
+          </a:p>
+          <a:p>
+            <a:pPr marL="171450" indent="-171450">
+              <a:buFont typeface="Arial" panose="020B0604020202020204" pitchFamily="34" charset="0"/>
+              <a:buChar char="•"/>
+            </a:pPr>
+            <a:r>
+              <a:rPr lang="en-US" sz="1100" b="1" dirty="0"/>
+              <a:t>Surveillance camera</a:t>
+            </a:r>
+          </a:p>
+          <a:p>
+            <a:pPr marL="171450" indent="-171450">
+              <a:buFont typeface="Arial" panose="020B0604020202020204" pitchFamily="34" charset="0"/>
+              <a:buChar char="•"/>
+            </a:pPr>
+            <a:r>
+              <a:rPr lang="en-US" sz="1100" b="1" dirty="0"/>
+              <a:t>Database server</a:t>
             </a:r>
           </a:p>
         </p:txBody>
       </p:sp>
       <p:cxnSp>
         <p:nvCxnSpPr>
-          <p:cNvPr id="1065" name="Straight Arrow Connector 1064">
-            <a:extLst>
-              <a:ext uri="{FF2B5EF4-FFF2-40B4-BE49-F238E27FC236}">
-                <a16:creationId xmlns:a16="http://schemas.microsoft.com/office/drawing/2014/main" id="{0DE8C88C-0E68-5D93-8D14-625127D8BBF7}"/>
+          <p:cNvPr id="1160" name="Straight Arrow Connector 1159">
+            <a:extLst>
+              <a:ext uri="{FF2B5EF4-FFF2-40B4-BE49-F238E27FC236}">
+                <a16:creationId xmlns:a16="http://schemas.microsoft.com/office/drawing/2014/main" id="{A474EFA8-F866-3616-42ED-2B7FD1E50562}"/>
               </a:ext>
             </a:extLst>
           </p:cNvPr>
@@ -6681,37 +7283,168 @@
         </p:nvCxnSpPr>
         <p:spPr>
           <a:xfrm>
-            <a:off x="1527443" y="2157921"/>
-            <a:ext cx="0" cy="1836772"/>
+            <a:off x="6719533" y="1975104"/>
+            <a:ext cx="0" cy="554604"/>
           </a:xfrm>
           <a:prstGeom prst="straightConnector1">
             <a:avLst/>
           </a:prstGeom>
-          <a:ln>
+          <a:ln w="12700">
+            <a:prstDash val="sysDash"/>
+            <a:headEnd type="triangle"/>
             <a:tailEnd type="triangle"/>
           </a:ln>
         </p:spPr>
         <p:style>
           <a:lnRef idx="2">
-            <a:schemeClr val="dk1"/>
+            <a:schemeClr val="accent1"/>
           </a:lnRef>
           <a:fillRef idx="0">
-            <a:schemeClr val="dk1"/>
+            <a:schemeClr val="accent1"/>
           </a:fillRef>
           <a:effectRef idx="1">
-            <a:schemeClr val="dk1"/>
+            <a:schemeClr val="accent1"/>
           </a:effectRef>
           <a:fontRef idx="minor">
             <a:schemeClr val="tx1"/>
           </a:fontRef>
         </p:style>
       </p:cxnSp>
-      <p:sp>
-        <p:nvSpPr>
-          <p:cNvPr id="6" name="Rectangle: Rounded Corners 5">
-            <a:extLst>
-              <a:ext uri="{FF2B5EF4-FFF2-40B4-BE49-F238E27FC236}">
-                <a16:creationId xmlns:a16="http://schemas.microsoft.com/office/drawing/2014/main" id="{6225A1EC-5552-4EDF-CD43-0F00101E67F1}"/>
+      <p:cxnSp>
+        <p:nvCxnSpPr>
+          <p:cNvPr id="1161" name="Straight Arrow Connector 1160">
+            <a:extLst>
+              <a:ext uri="{FF2B5EF4-FFF2-40B4-BE49-F238E27FC236}">
+                <a16:creationId xmlns:a16="http://schemas.microsoft.com/office/drawing/2014/main" id="{269ACA19-6032-1326-757D-7C629BE8811A}"/>
+              </a:ext>
+            </a:extLst>
+          </p:cNvPr>
+          <p:cNvCxnSpPr>
+            <a:cxnSpLocks/>
+          </p:cNvCxnSpPr>
+          <p:nvPr/>
+        </p:nvCxnSpPr>
+        <p:spPr>
+          <a:xfrm>
+            <a:off x="7368365" y="1975104"/>
+            <a:ext cx="0" cy="1617730"/>
+          </a:xfrm>
+          <a:prstGeom prst="straightConnector1">
+            <a:avLst/>
+          </a:prstGeom>
+          <a:ln w="12700">
+            <a:prstDash val="sysDash"/>
+            <a:headEnd type="triangle"/>
+            <a:tailEnd type="triangle"/>
+          </a:ln>
+        </p:spPr>
+        <p:style>
+          <a:lnRef idx="2">
+            <a:schemeClr val="accent1"/>
+          </a:lnRef>
+          <a:fillRef idx="0">
+            <a:schemeClr val="accent1"/>
+          </a:fillRef>
+          <a:effectRef idx="1">
+            <a:schemeClr val="accent1"/>
+          </a:effectRef>
+          <a:fontRef idx="minor">
+            <a:schemeClr val="tx1"/>
+          </a:fontRef>
+        </p:style>
+      </p:cxnSp>
+      <p:cxnSp>
+        <p:nvCxnSpPr>
+          <p:cNvPr id="1164" name="Straight Arrow Connector 1163">
+            <a:extLst>
+              <a:ext uri="{FF2B5EF4-FFF2-40B4-BE49-F238E27FC236}">
+                <a16:creationId xmlns:a16="http://schemas.microsoft.com/office/drawing/2014/main" id="{903F9C97-44B1-4660-B371-62E811A44944}"/>
+              </a:ext>
+            </a:extLst>
+          </p:cNvPr>
+          <p:cNvCxnSpPr>
+            <a:cxnSpLocks/>
+          </p:cNvCxnSpPr>
+          <p:nvPr/>
+        </p:nvCxnSpPr>
+        <p:spPr>
+          <a:xfrm>
+            <a:off x="8096586" y="1975104"/>
+            <a:ext cx="0" cy="2764593"/>
+          </a:xfrm>
+          <a:prstGeom prst="straightConnector1">
+            <a:avLst/>
+          </a:prstGeom>
+          <a:ln w="12700">
+            <a:prstDash val="sysDash"/>
+            <a:headEnd type="triangle"/>
+            <a:tailEnd type="triangle"/>
+          </a:ln>
+        </p:spPr>
+        <p:style>
+          <a:lnRef idx="2">
+            <a:schemeClr val="accent1"/>
+          </a:lnRef>
+          <a:fillRef idx="0">
+            <a:schemeClr val="accent1"/>
+          </a:fillRef>
+          <a:effectRef idx="1">
+            <a:schemeClr val="accent1"/>
+          </a:effectRef>
+          <a:fontRef idx="minor">
+            <a:schemeClr val="tx1"/>
+          </a:fontRef>
+        </p:style>
+      </p:cxnSp>
+      <p:cxnSp>
+        <p:nvCxnSpPr>
+          <p:cNvPr id="1166" name="Straight Arrow Connector 1165">
+            <a:extLst>
+              <a:ext uri="{FF2B5EF4-FFF2-40B4-BE49-F238E27FC236}">
+                <a16:creationId xmlns:a16="http://schemas.microsoft.com/office/drawing/2014/main" id="{73D585AF-F2B1-1F6F-8328-41AB304F6D48}"/>
+              </a:ext>
+            </a:extLst>
+          </p:cNvPr>
+          <p:cNvCxnSpPr>
+            <a:cxnSpLocks/>
+          </p:cNvCxnSpPr>
+          <p:nvPr/>
+        </p:nvCxnSpPr>
+        <p:spPr>
+          <a:xfrm flipH="1">
+            <a:off x="8852215" y="1939478"/>
+            <a:ext cx="14038" cy="3872127"/>
+          </a:xfrm>
+          <a:prstGeom prst="straightConnector1">
+            <a:avLst/>
+          </a:prstGeom>
+          <a:ln w="12700">
+            <a:prstDash val="sysDash"/>
+            <a:headEnd type="triangle"/>
+            <a:tailEnd type="triangle"/>
+          </a:ln>
+        </p:spPr>
+        <p:style>
+          <a:lnRef idx="2">
+            <a:schemeClr val="accent1"/>
+          </a:lnRef>
+          <a:fillRef idx="0">
+            <a:schemeClr val="accent1"/>
+          </a:fillRef>
+          <a:effectRef idx="1">
+            <a:schemeClr val="accent1"/>
+          </a:effectRef>
+          <a:fontRef idx="minor">
+            <a:schemeClr val="tx1"/>
+          </a:fontRef>
+        </p:style>
+      </p:cxnSp>
+      <p:sp>
+        <p:nvSpPr>
+          <p:cNvPr id="1170" name="Rectangle 1169">
+            <a:extLst>
+              <a:ext uri="{FF2B5EF4-FFF2-40B4-BE49-F238E27FC236}">
+                <a16:creationId xmlns:a16="http://schemas.microsoft.com/office/drawing/2014/main" id="{E04BBDD5-4A2B-BE87-5D8B-FE43406E5A4B}"/>
               </a:ext>
             </a:extLst>
           </p:cNvPr>
@@ -6720,25 +7453,23 @@
         </p:nvSpPr>
         <p:spPr>
           <a:xfrm>
-            <a:off x="6371845" y="2066029"/>
-            <a:ext cx="1711025" cy="1396816"/>
-          </a:xfrm>
-          <a:prstGeom prst="roundRect">
+            <a:off x="6410812" y="1612004"/>
+            <a:ext cx="2530849" cy="311315"/>
+          </a:xfrm>
+          <a:prstGeom prst="rect">
             <a:avLst/>
           </a:prstGeom>
           <a:solidFill>
-            <a:srgbClr val="33CCFF">
-              <a:alpha val="60000"/>
-            </a:srgbClr>
+            <a:schemeClr val="accent5">
+              <a:lumMod val="40000"/>
+              <a:lumOff val="60000"/>
+            </a:schemeClr>
           </a:solidFill>
-          <a:ln>
-            <a:noFill/>
-          </a:ln>
         </p:spPr>
         <p:style>
           <a:lnRef idx="2">
             <a:schemeClr val="accent1">
-              <a:shade val="50000"/>
+              <a:shade val="15000"/>
             </a:schemeClr>
           </a:lnRef>
           <a:fillRef idx="1">
@@ -6755,31 +7486,111 @@
           <a:bodyPr rtlCol="0" anchor="ctr"/>
           <a:lstStyle/>
           <a:p>
-            <a:r>
-              <a:rPr lang="en-US" sz="1200" b="1">
+            <a:pPr algn="ctr"/>
+            <a:r>
+              <a:rPr lang="en-US" sz="1400" b="1" dirty="0">
                 <a:solidFill>
-                  <a:srgbClr val="000000"/>
+                  <a:schemeClr val="tx1"/>
                 </a:solidFill>
               </a:rPr>
-              <a:t>Master scheduler simulates time-based actions performed by the designated profile, based on the user’s unique schedules</a:t>
-            </a:r>
-            <a:r>
-              <a:rPr lang="en-US" sz="1200" b="1">
-                <a:solidFill>
-                  <a:schemeClr val="bg1"/>
-                </a:solidFill>
-              </a:rPr>
-              <a:t>.</a:t>
-            </a:r>
-          </a:p>
-        </p:txBody>
-      </p:sp>
-      <p:sp>
-        <p:nvSpPr>
-          <p:cNvPr id="24" name="Rectangle: Rounded Corners 23">
-            <a:extLst>
-              <a:ext uri="{FF2B5EF4-FFF2-40B4-BE49-F238E27FC236}">
-                <a16:creationId xmlns:a16="http://schemas.microsoft.com/office/drawing/2014/main" id="{95FEA342-0F80-E0ED-39A3-DABAF89CB596}"/>
+              <a:t>Could Orchestrator server</a:t>
+            </a:r>
+            <a:endParaRPr lang="en-SG" sz="1400" b="1" dirty="0">
+              <a:solidFill>
+                <a:schemeClr val="tx1"/>
+              </a:solidFill>
+            </a:endParaRPr>
+          </a:p>
+        </p:txBody>
+      </p:sp>
+      <p:pic>
+        <p:nvPicPr>
+          <p:cNvPr id="1183" name="Picture 1182" descr="A screenshot of a computer&#10;&#10;Description automatically generated">
+            <a:extLst>
+              <a:ext uri="{FF2B5EF4-FFF2-40B4-BE49-F238E27FC236}">
+                <a16:creationId xmlns:a16="http://schemas.microsoft.com/office/drawing/2014/main" id="{F3AD15E8-7DE0-3DD1-248F-F5FEC609DC6E}"/>
+              </a:ext>
+            </a:extLst>
+          </p:cNvPr>
+          <p:cNvPicPr>
+            <a:picLocks noChangeAspect="1"/>
+          </p:cNvPicPr>
+          <p:nvPr/>
+        </p:nvPicPr>
+        <p:blipFill>
+          <a:blip r:embed="rId40">
+            <a:extLst>
+              <a:ext uri="{28A0092B-C50C-407E-A947-70E740481C1C}">
+                <a14:useLocalDpi xmlns:a14="http://schemas.microsoft.com/office/drawing/2010/main" val="0"/>
+              </a:ext>
+            </a:extLst>
+          </a:blip>
+          <a:stretch>
+            <a:fillRect/>
+          </a:stretch>
+        </p:blipFill>
+        <p:spPr>
+          <a:xfrm>
+            <a:off x="9155996" y="1084029"/>
+            <a:ext cx="1430257" cy="768763"/>
+          </a:xfrm>
+          <a:prstGeom prst="rect">
+            <a:avLst/>
+          </a:prstGeom>
+          <a:ln w="19050">
+            <a:solidFill>
+              <a:schemeClr val="tx1"/>
+            </a:solidFill>
+          </a:ln>
+        </p:spPr>
+      </p:pic>
+      <p:cxnSp>
+        <p:nvCxnSpPr>
+          <p:cNvPr id="1185" name="Connector: Elbow 1184">
+            <a:extLst>
+              <a:ext uri="{FF2B5EF4-FFF2-40B4-BE49-F238E27FC236}">
+                <a16:creationId xmlns:a16="http://schemas.microsoft.com/office/drawing/2014/main" id="{359A031B-32BF-55CB-F39D-93FD383F1D56}"/>
+              </a:ext>
+            </a:extLst>
+          </p:cNvPr>
+          <p:cNvCxnSpPr>
+            <a:stCxn id="1170" idx="0"/>
+          </p:cNvCxnSpPr>
+          <p:nvPr/>
+        </p:nvCxnSpPr>
+        <p:spPr>
+          <a:xfrm rot="16200000" flipV="1">
+            <a:off x="7540727" y="1476493"/>
+            <a:ext cx="271020" cy="1"/>
+          </a:xfrm>
+          <a:prstGeom prst="bentConnector3">
+            <a:avLst/>
+          </a:prstGeom>
+          <a:ln>
+            <a:tailEnd type="triangle"/>
+          </a:ln>
+        </p:spPr>
+        <p:style>
+          <a:lnRef idx="2">
+            <a:schemeClr val="accent1"/>
+          </a:lnRef>
+          <a:fillRef idx="0">
+            <a:schemeClr val="accent1"/>
+          </a:fillRef>
+          <a:effectRef idx="1">
+            <a:schemeClr val="accent1"/>
+          </a:effectRef>
+          <a:fontRef idx="minor">
+            <a:schemeClr val="tx1"/>
+          </a:fontRef>
+        </p:style>
+      </p:cxnSp>
+      <p:sp>
+        <p:nvSpPr>
+          <p:cNvPr id="1186" name="Cloud 1185">
+            <a:extLst>
+              <a:ext uri="{FF2B5EF4-FFF2-40B4-BE49-F238E27FC236}">
+                <a16:creationId xmlns:a16="http://schemas.microsoft.com/office/drawing/2014/main" id="{9FD33870-AF9C-540D-B735-D97C63D1549D}"/>
               </a:ext>
             </a:extLst>
           </p:cNvPr>
@@ -6788,25 +7599,17 @@
         </p:nvSpPr>
         <p:spPr>
           <a:xfrm>
-            <a:off x="9998590" y="4007503"/>
-            <a:ext cx="1962391" cy="1297923"/>
-          </a:xfrm>
-          <a:prstGeom prst="roundRect">
-            <a:avLst/>
-          </a:prstGeom>
-          <a:solidFill>
-            <a:srgbClr val="D0CECE">
-              <a:alpha val="52941"/>
-            </a:srgbClr>
-          </a:solidFill>
-          <a:ln>
-            <a:noFill/>
-          </a:ln>
+            <a:off x="7269481" y="837571"/>
+            <a:ext cx="827098" cy="461665"/>
+          </a:xfrm>
+          <a:prstGeom prst="cloud">
+            <a:avLst/>
+          </a:prstGeom>
         </p:spPr>
         <p:style>
           <a:lnRef idx="2">
             <a:schemeClr val="accent1">
-              <a:shade val="50000"/>
+              <a:shade val="15000"/>
             </a:schemeClr>
           </a:lnRef>
           <a:fillRef idx="1">
@@ -6823,381 +7626,382 @@
           <a:bodyPr rtlCol="0" anchor="ctr"/>
           <a:lstStyle/>
           <a:p>
-            <a:r>
-              <a:rPr lang="en-US" sz="1200">
-                <a:solidFill>
-                  <a:schemeClr val="tx1"/>
-                </a:solidFill>
-              </a:rPr>
-              <a:t>The Head of Director’s profile helps launch time-specific actions that are meticulous and structured, for those in management.</a:t>
-            </a:r>
-          </a:p>
-        </p:txBody>
-      </p:sp>
-      <p:sp>
-        <p:nvSpPr>
-          <p:cNvPr id="25" name="Rectangle: Rounded Corners 24">
-            <a:extLst>
-              <a:ext uri="{FF2B5EF4-FFF2-40B4-BE49-F238E27FC236}">
-                <a16:creationId xmlns:a16="http://schemas.microsoft.com/office/drawing/2014/main" id="{21F3A795-5F4A-F9CB-6C9A-2041DE9897D8}"/>
-              </a:ext>
-            </a:extLst>
-          </p:cNvPr>
-          <p:cNvSpPr/>
-          <p:nvPr/>
-        </p:nvSpPr>
-        <p:spPr>
-          <a:xfrm>
-            <a:off x="632807" y="3993741"/>
-            <a:ext cx="1962392" cy="1335064"/>
-          </a:xfrm>
-          <a:prstGeom prst="roundRect">
-            <a:avLst/>
-          </a:prstGeom>
-          <a:solidFill>
-            <a:schemeClr val="bg2">
-              <a:lumMod val="90000"/>
-              <a:alpha val="52941"/>
-            </a:schemeClr>
-          </a:solidFill>
+            <a:pPr algn="ctr"/>
+            <a:r>
+              <a:rPr lang="en-US" dirty="0"/>
+              <a:t> </a:t>
+            </a:r>
+            <a:endParaRPr lang="en-SG" dirty="0"/>
+          </a:p>
+        </p:txBody>
+      </p:sp>
+      <p:cxnSp>
+        <p:nvCxnSpPr>
+          <p:cNvPr id="1189" name="Connector: Elbow 1188">
+            <a:extLst>
+              <a:ext uri="{FF2B5EF4-FFF2-40B4-BE49-F238E27FC236}">
+                <a16:creationId xmlns:a16="http://schemas.microsoft.com/office/drawing/2014/main" id="{091E927E-6001-67D5-E363-5DE4277CEF23}"/>
+              </a:ext>
+            </a:extLst>
+          </p:cNvPr>
+          <p:cNvCxnSpPr>
+            <a:cxnSpLocks/>
+            <a:stCxn id="1186" idx="0"/>
+            <a:endCxn id="1183" idx="1"/>
+          </p:cNvCxnSpPr>
+          <p:nvPr/>
+        </p:nvCxnSpPr>
+        <p:spPr>
+          <a:xfrm>
+            <a:off x="8095890" y="1068404"/>
+            <a:ext cx="1060106" cy="400007"/>
+          </a:xfrm>
+          <a:prstGeom prst="bentConnector3">
+            <a:avLst/>
+          </a:prstGeom>
           <a:ln>
-            <a:noFill/>
+            <a:tailEnd type="triangle"/>
           </a:ln>
         </p:spPr>
         <p:style>
           <a:lnRef idx="2">
-            <a:schemeClr val="accent1">
-              <a:shade val="50000"/>
-            </a:schemeClr>
+            <a:schemeClr val="accent1"/>
           </a:lnRef>
-          <a:fillRef idx="1">
+          <a:fillRef idx="0">
             <a:schemeClr val="accent1"/>
           </a:fillRef>
-          <a:effectRef idx="0">
+          <a:effectRef idx="1">
             <a:schemeClr val="accent1"/>
           </a:effectRef>
           <a:fontRef idx="minor">
-            <a:schemeClr val="lt1"/>
+            <a:schemeClr val="tx1"/>
           </a:fontRef>
         </p:style>
-        <p:txBody>
-          <a:bodyPr rtlCol="0" anchor="ctr"/>
+      </p:cxnSp>
+      <p:sp>
+        <p:nvSpPr>
+          <p:cNvPr id="1197" name="TextBox 1196">
+            <a:extLst>
+              <a:ext uri="{FF2B5EF4-FFF2-40B4-BE49-F238E27FC236}">
+                <a16:creationId xmlns:a16="http://schemas.microsoft.com/office/drawing/2014/main" id="{A42D17F8-125F-B3F6-849E-2AF60CDE2229}"/>
+              </a:ext>
+            </a:extLst>
+          </p:cNvPr>
+          <p:cNvSpPr txBox="1"/>
+          <p:nvPr/>
+        </p:nvSpPr>
+        <p:spPr>
+          <a:xfrm>
+            <a:off x="7355157" y="931100"/>
+            <a:ext cx="1233191" cy="261610"/>
+          </a:xfrm>
+          <a:prstGeom prst="rect">
+            <a:avLst/>
+          </a:prstGeom>
+          <a:noFill/>
+        </p:spPr>
+        <p:txBody>
+          <a:bodyPr wrap="square" rtlCol="0">
+            <a:spAutoFit/>
+          </a:bodyPr>
           <a:lstStyle/>
           <a:p>
             <a:r>
-              <a:rPr lang="en-US" sz="1200">
+              <a:rPr lang="en-US" sz="1100" b="1" dirty="0">
                 <a:solidFill>
-                  <a:schemeClr val="tx1"/>
+                  <a:schemeClr val="bg1"/>
                 </a:solidFill>
               </a:rPr>
-              <a:t>The Computer Vision and AI profile allows for computer vision led decisions. The AI Profile automates intelligent actions using various GUI and applications.</a:t>
-            </a:r>
-          </a:p>
-        </p:txBody>
-      </p:sp>
-      <p:sp>
-        <p:nvSpPr>
-          <p:cNvPr id="1026" name="Rectangle: Rounded Corners 1025">
-            <a:extLst>
-              <a:ext uri="{FF2B5EF4-FFF2-40B4-BE49-F238E27FC236}">
-                <a16:creationId xmlns:a16="http://schemas.microsoft.com/office/drawing/2014/main" id="{307D7E32-6FAC-5B62-E4E5-7BC4FD23EC00}"/>
-              </a:ext>
-            </a:extLst>
-          </p:cNvPr>
-          <p:cNvSpPr/>
-          <p:nvPr/>
-        </p:nvSpPr>
-        <p:spPr>
-          <a:xfrm>
-            <a:off x="2980643" y="4030882"/>
-            <a:ext cx="1962392" cy="1297924"/>
-          </a:xfrm>
-          <a:prstGeom prst="roundRect">
-            <a:avLst/>
-          </a:prstGeom>
-          <a:solidFill>
-            <a:schemeClr val="bg2">
-              <a:lumMod val="90000"/>
-              <a:alpha val="52941"/>
-            </a:schemeClr>
-          </a:solidFill>
-          <a:ln>
-            <a:noFill/>
-          </a:ln>
-        </p:spPr>
-        <p:style>
-          <a:lnRef idx="2">
-            <a:schemeClr val="accent1">
-              <a:shade val="50000"/>
-            </a:schemeClr>
-          </a:lnRef>
-          <a:fillRef idx="1">
-            <a:schemeClr val="accent1"/>
-          </a:fillRef>
-          <a:effectRef idx="0">
-            <a:schemeClr val="accent1"/>
-          </a:effectRef>
-          <a:fontRef idx="minor">
-            <a:schemeClr val="lt1"/>
-          </a:fontRef>
-        </p:style>
-        <p:txBody>
-          <a:bodyPr rtlCol="0" anchor="ctr"/>
+              <a:t>Internet</a:t>
+            </a:r>
+            <a:r>
+              <a:rPr lang="en-US" sz="1100" b="1" dirty="0"/>
+              <a:t> </a:t>
+            </a:r>
+            <a:endParaRPr lang="en-SG" sz="1100" b="1" dirty="0"/>
+          </a:p>
+        </p:txBody>
+      </p:sp>
+      <p:sp>
+        <p:nvSpPr>
+          <p:cNvPr id="1200" name="TextBox 1199">
+            <a:extLst>
+              <a:ext uri="{FF2B5EF4-FFF2-40B4-BE49-F238E27FC236}">
+                <a16:creationId xmlns:a16="http://schemas.microsoft.com/office/drawing/2014/main" id="{E5A2A2A5-2E74-BEAC-70C8-756A3BAF9BA4}"/>
+              </a:ext>
+            </a:extLst>
+          </p:cNvPr>
+          <p:cNvSpPr txBox="1"/>
+          <p:nvPr/>
+        </p:nvSpPr>
+        <p:spPr>
+          <a:xfrm>
+            <a:off x="9127105" y="660673"/>
+            <a:ext cx="1572110" cy="430887"/>
+          </a:xfrm>
+          <a:prstGeom prst="rect">
+            <a:avLst/>
+          </a:prstGeom>
+          <a:noFill/>
+        </p:spPr>
+        <p:txBody>
+          <a:bodyPr wrap="square" rtlCol="0">
+            <a:spAutoFit/>
+          </a:bodyPr>
           <a:lstStyle/>
           <a:p>
             <a:r>
-              <a:rPr lang="en-US" sz="1200">
-                <a:solidFill>
-                  <a:schemeClr val="tx1"/>
-                </a:solidFill>
-              </a:rPr>
-              <a:t>The Network Administrator Profile allows a user to perform network maintenance actions automatically, such as monitoring logs and network traffic.</a:t>
-            </a:r>
-          </a:p>
-        </p:txBody>
-      </p:sp>
-      <p:sp>
-        <p:nvSpPr>
-          <p:cNvPr id="1045" name="Rectangle: Rounded Corners 1044">
-            <a:extLst>
-              <a:ext uri="{FF2B5EF4-FFF2-40B4-BE49-F238E27FC236}">
-                <a16:creationId xmlns:a16="http://schemas.microsoft.com/office/drawing/2014/main" id="{A32B6688-0856-14BB-90C8-047CE44EA7FB}"/>
-              </a:ext>
-            </a:extLst>
-          </p:cNvPr>
-          <p:cNvSpPr/>
-          <p:nvPr/>
-        </p:nvSpPr>
-        <p:spPr>
-          <a:xfrm>
-            <a:off x="5264753" y="4054281"/>
-            <a:ext cx="1962392" cy="1297924"/>
-          </a:xfrm>
-          <a:prstGeom prst="roundRect">
-            <a:avLst/>
-          </a:prstGeom>
-          <a:solidFill>
-            <a:schemeClr val="bg2">
-              <a:lumMod val="90000"/>
-              <a:alpha val="52941"/>
-            </a:schemeClr>
-          </a:solidFill>
-          <a:ln>
-            <a:noFill/>
-          </a:ln>
-        </p:spPr>
-        <p:style>
-          <a:lnRef idx="2">
-            <a:schemeClr val="accent1">
-              <a:shade val="50000"/>
-            </a:schemeClr>
-          </a:lnRef>
-          <a:fillRef idx="1">
-            <a:schemeClr val="accent1"/>
-          </a:fillRef>
-          <a:effectRef idx="0">
-            <a:schemeClr val="accent1"/>
-          </a:effectRef>
-          <a:fontRef idx="minor">
-            <a:schemeClr val="lt1"/>
-          </a:fontRef>
-        </p:style>
-        <p:txBody>
-          <a:bodyPr rtlCol="0" anchor="ctr"/>
-          <a:lstStyle/>
-          <a:p>
-            <a:r>
-              <a:rPr lang="en-US" sz="1200">
-                <a:solidFill>
-                  <a:schemeClr val="tx1"/>
-                </a:solidFill>
-              </a:rPr>
-              <a:t>The Finance Manager Profile facilitates a series of administrative actions such as securely sending emails to clients and launching reporting applications.</a:t>
-            </a:r>
-          </a:p>
-        </p:txBody>
-      </p:sp>
-      <p:sp>
-        <p:nvSpPr>
-          <p:cNvPr id="1047" name="Rectangle: Rounded Corners 1046">
-            <a:extLst>
-              <a:ext uri="{FF2B5EF4-FFF2-40B4-BE49-F238E27FC236}">
-                <a16:creationId xmlns:a16="http://schemas.microsoft.com/office/drawing/2014/main" id="{873EF4A4-0197-297B-C09D-CBABA1463457}"/>
-              </a:ext>
-            </a:extLst>
-          </p:cNvPr>
-          <p:cNvSpPr/>
-          <p:nvPr/>
-        </p:nvSpPr>
-        <p:spPr>
-          <a:xfrm>
-            <a:off x="7694619" y="4007503"/>
-            <a:ext cx="1962392" cy="1297924"/>
-          </a:xfrm>
-          <a:prstGeom prst="roundRect">
-            <a:avLst/>
-          </a:prstGeom>
-          <a:solidFill>
-            <a:schemeClr val="bg2">
-              <a:lumMod val="90000"/>
-              <a:alpha val="52941"/>
-            </a:schemeClr>
-          </a:solidFill>
-          <a:ln>
-            <a:noFill/>
-          </a:ln>
-        </p:spPr>
-        <p:style>
-          <a:lnRef idx="2">
-            <a:schemeClr val="accent1">
-              <a:shade val="50000"/>
-            </a:schemeClr>
-          </a:lnRef>
-          <a:fillRef idx="1">
-            <a:schemeClr val="accent1"/>
-          </a:fillRef>
-          <a:effectRef idx="0">
-            <a:schemeClr val="accent1"/>
-          </a:effectRef>
-          <a:fontRef idx="minor">
-            <a:schemeClr val="lt1"/>
-          </a:fontRef>
-        </p:style>
-        <p:txBody>
-          <a:bodyPr rtlCol="0" anchor="ctr"/>
-          <a:lstStyle/>
-          <a:p>
-            <a:r>
-              <a:rPr lang="en-US" sz="1200">
-                <a:solidFill>
-                  <a:schemeClr val="tx1"/>
-                </a:solidFill>
-              </a:rPr>
-              <a:t>The Design Illustrator profile automate a series of design-related tasks, such as opening various illustration tools, based on the user’s schedule.</a:t>
-            </a:r>
+              <a:rPr lang="en-US" sz="1100" b="1" dirty="0"/>
+              <a:t>User emulators management website</a:t>
+            </a:r>
+            <a:endParaRPr lang="en-SG" sz="1100" b="1" dirty="0"/>
           </a:p>
         </p:txBody>
       </p:sp>
       <p:pic>
         <p:nvPicPr>
-          <p:cNvPr id="2050" name="Picture 2" descr="Simple circular clock Icons | Free Download">
-            <a:extLst>
-              <a:ext uri="{FF2B5EF4-FFF2-40B4-BE49-F238E27FC236}">
-                <a16:creationId xmlns:a16="http://schemas.microsoft.com/office/drawing/2014/main" id="{A37E1A7E-5AF4-DB94-044C-E89E9A5CE007}"/>
+          <p:cNvPr id="1202" name="Picture 1201">
+            <a:extLst>
+              <a:ext uri="{FF2B5EF4-FFF2-40B4-BE49-F238E27FC236}">
+                <a16:creationId xmlns:a16="http://schemas.microsoft.com/office/drawing/2014/main" id="{51D3325B-CDFC-EB14-FB81-F9D96272D379}"/>
               </a:ext>
             </a:extLst>
           </p:cNvPr>
           <p:cNvPicPr>
-            <a:picLocks noChangeAspect="1" noChangeArrowheads="1"/>
+            <a:picLocks noChangeAspect="1"/>
           </p:cNvPicPr>
           <p:nvPr/>
         </p:nvPicPr>
         <p:blipFill>
-          <a:blip r:embed="rId22" cstate="print">
-            <a:clrChange>
-              <a:clrFrom>
-                <a:srgbClr val="FFFFFF"/>
-              </a:clrFrom>
-              <a:clrTo>
-                <a:srgbClr val="FFFFFF">
-                  <a:alpha val="0"/>
-                </a:srgbClr>
-              </a:clrTo>
-            </a:clrChange>
-            <a:extLst>
-              <a:ext uri="{28A0092B-C50C-407E-A947-70E740481C1C}">
-                <a14:useLocalDpi xmlns:a14="http://schemas.microsoft.com/office/drawing/2010/main" val="0"/>
-              </a:ext>
-            </a:extLst>
-          </a:blip>
-          <a:srcRect/>
+          <a:blip r:embed="rId41"/>
           <a:stretch>
             <a:fillRect/>
           </a:stretch>
         </p:blipFill>
-        <p:spPr bwMode="auto">
-          <a:xfrm>
-            <a:off x="7767710" y="1913284"/>
-            <a:ext cx="368229" cy="368229"/>
+        <p:spPr>
+          <a:xfrm>
+            <a:off x="10949741" y="1196610"/>
+            <a:ext cx="525738" cy="475288"/>
+          </a:xfrm>
+          <a:prstGeom prst="rect">
+            <a:avLst/>
+          </a:prstGeom>
+          <a:ln w="9525">
+            <a:solidFill>
+              <a:schemeClr val="tx1"/>
+            </a:solidFill>
+          </a:ln>
+        </p:spPr>
+      </p:pic>
+      <p:sp>
+        <p:nvSpPr>
+          <p:cNvPr id="1203" name="TextBox 1202">
+            <a:extLst>
+              <a:ext uri="{FF2B5EF4-FFF2-40B4-BE49-F238E27FC236}">
+                <a16:creationId xmlns:a16="http://schemas.microsoft.com/office/drawing/2014/main" id="{5D3EA728-F331-B193-1591-E699FD24FCF9}"/>
+              </a:ext>
+            </a:extLst>
+          </p:cNvPr>
+          <p:cNvSpPr txBox="1"/>
+          <p:nvPr/>
+        </p:nvSpPr>
+        <p:spPr>
+          <a:xfrm>
+            <a:off x="10669201" y="1673185"/>
+            <a:ext cx="1438744" cy="430887"/>
           </a:xfrm>
           <a:prstGeom prst="rect">
             <a:avLst/>
           </a:prstGeom>
           <a:noFill/>
-          <a:extLst>
-            <a:ext uri="{909E8E84-426E-40DD-AFC4-6F175D3DCCD1}">
-              <a14:hiddenFill xmlns:a14="http://schemas.microsoft.com/office/drawing/2010/main">
-                <a:solidFill>
-                  <a:srgbClr val="FFFFFF"/>
-                </a:solidFill>
-              </a14:hiddenFill>
-            </a:ext>
-          </a:extLst>
-        </p:spPr>
-      </p:pic>
-      <p:sp>
-        <p:nvSpPr>
-          <p:cNvPr id="2" name="Footer Placeholder 1">
-            <a:extLst>
-              <a:ext uri="{FF2B5EF4-FFF2-40B4-BE49-F238E27FC236}">
-                <a16:creationId xmlns:a16="http://schemas.microsoft.com/office/drawing/2014/main" id="{CA4F92E1-896F-5F93-BD00-00AB08780D0E}"/>
-              </a:ext>
-            </a:extLst>
-          </p:cNvPr>
-          <p:cNvSpPr>
-            <a:spLocks noGrp="1"/>
-          </p:cNvSpPr>
-          <p:nvPr>
-            <p:ph type="ftr" sz="quarter" idx="11"/>
-          </p:nvPr>
-        </p:nvSpPr>
-        <p:spPr/>
-        <p:txBody>
-          <a:bodyPr/>
+        </p:spPr>
+        <p:txBody>
+          <a:bodyPr wrap="square" rtlCol="0">
+            <a:spAutoFit/>
+          </a:bodyPr>
           <a:lstStyle/>
           <a:p>
             <a:r>
-              <a:rPr lang="en-US"/>
-              <a:t>© 2023 National Cybersecurity R&amp;D Laboratory (NCL)</a:t>
-            </a:r>
-          </a:p>
-        </p:txBody>
-      </p:sp>
-      <p:sp>
-        <p:nvSpPr>
-          <p:cNvPr id="3" name="Slide Number Placeholder 2">
-            <a:extLst>
-              <a:ext uri="{FF2B5EF4-FFF2-40B4-BE49-F238E27FC236}">
-                <a16:creationId xmlns:a16="http://schemas.microsoft.com/office/drawing/2014/main" id="{497014AF-BB29-2B95-10DF-AFDFC432B17B}"/>
-              </a:ext>
-            </a:extLst>
-          </p:cNvPr>
-          <p:cNvSpPr>
-            <a:spLocks noGrp="1"/>
-          </p:cNvSpPr>
-          <p:nvPr>
-            <p:ph type="sldNum" sz="quarter" idx="12"/>
-          </p:nvPr>
-        </p:nvSpPr>
-        <p:spPr/>
-        <p:txBody>
-          <a:bodyPr/>
+              <a:rPr lang="en-US" sz="1100" b="1" dirty="0"/>
+              <a:t>Cyber exercise /Range manager </a:t>
+            </a:r>
+            <a:endParaRPr lang="en-SG" sz="1100" b="1" dirty="0"/>
+          </a:p>
+        </p:txBody>
+      </p:sp>
+      <p:cxnSp>
+        <p:nvCxnSpPr>
+          <p:cNvPr id="1208" name="Straight Arrow Connector 1207">
+            <a:extLst>
+              <a:ext uri="{FF2B5EF4-FFF2-40B4-BE49-F238E27FC236}">
+                <a16:creationId xmlns:a16="http://schemas.microsoft.com/office/drawing/2014/main" id="{A4B89A71-1127-02CB-0126-ED168276A2F2}"/>
+              </a:ext>
+            </a:extLst>
+          </p:cNvPr>
+          <p:cNvCxnSpPr>
+            <a:cxnSpLocks/>
+          </p:cNvCxnSpPr>
+          <p:nvPr/>
+        </p:nvCxnSpPr>
+        <p:spPr>
+          <a:xfrm flipH="1">
+            <a:off x="10596428" y="1461620"/>
+            <a:ext cx="343138" cy="0"/>
+          </a:xfrm>
+          <a:prstGeom prst="straightConnector1">
+            <a:avLst/>
+          </a:prstGeom>
+          <a:ln>
+            <a:tailEnd type="triangle"/>
+          </a:ln>
+        </p:spPr>
+        <p:style>
+          <a:lnRef idx="2">
+            <a:schemeClr val="accent1"/>
+          </a:lnRef>
+          <a:fillRef idx="0">
+            <a:schemeClr val="accent1"/>
+          </a:fillRef>
+          <a:effectRef idx="1">
+            <a:schemeClr val="accent1"/>
+          </a:effectRef>
+          <a:fontRef idx="minor">
+            <a:schemeClr val="tx1"/>
+          </a:fontRef>
+        </p:style>
+      </p:cxnSp>
+      <p:sp>
+        <p:nvSpPr>
+          <p:cNvPr id="1221" name="TextBox 1220">
+            <a:extLst>
+              <a:ext uri="{FF2B5EF4-FFF2-40B4-BE49-F238E27FC236}">
+                <a16:creationId xmlns:a16="http://schemas.microsoft.com/office/drawing/2014/main" id="{FC8BA65C-FFC6-2FF9-AB14-7E940E13C50B}"/>
+              </a:ext>
+            </a:extLst>
+          </p:cNvPr>
+          <p:cNvSpPr txBox="1"/>
+          <p:nvPr/>
+        </p:nvSpPr>
+        <p:spPr>
+          <a:xfrm>
+            <a:off x="6795691" y="3950235"/>
+            <a:ext cx="1233191" cy="430887"/>
+          </a:xfrm>
+          <a:prstGeom prst="rect">
+            <a:avLst/>
+          </a:prstGeom>
+          <a:noFill/>
+        </p:spPr>
+        <p:txBody>
+          <a:bodyPr wrap="square" rtlCol="0">
+            <a:spAutoFit/>
+          </a:bodyPr>
           <a:lstStyle/>
           <a:p>
-            <a:fld id="{BFCEE51C-78C2-415A-BAA6-F457B74C8130}" type="slidenum">
-              <a:rPr lang="en-US" smtClean="0"/>
-              <a:t>2</a:t>
-            </a:fld>
-            <a:endParaRPr lang="en-US"/>
+            <a:r>
+              <a:rPr lang="en-US" sz="1100" b="1" dirty="0"/>
+              <a:t>User Emulator</a:t>
+            </a:r>
+          </a:p>
+          <a:p>
+            <a:r>
+              <a:rPr lang="en-US" sz="1100" b="1" dirty="0"/>
+              <a:t>(In VM/Physical) </a:t>
+            </a:r>
+            <a:endParaRPr lang="en-SG" sz="1100" b="1" dirty="0"/>
+          </a:p>
+        </p:txBody>
+      </p:sp>
+      <p:sp>
+        <p:nvSpPr>
+          <p:cNvPr id="1222" name="TextBox 1221">
+            <a:extLst>
+              <a:ext uri="{FF2B5EF4-FFF2-40B4-BE49-F238E27FC236}">
+                <a16:creationId xmlns:a16="http://schemas.microsoft.com/office/drawing/2014/main" id="{881701CA-E20F-D561-A731-D49E3C5B9D86}"/>
+              </a:ext>
+            </a:extLst>
+          </p:cNvPr>
+          <p:cNvSpPr txBox="1"/>
+          <p:nvPr/>
+        </p:nvSpPr>
+        <p:spPr>
+          <a:xfrm>
+            <a:off x="7479294" y="5122159"/>
+            <a:ext cx="1233191" cy="430887"/>
+          </a:xfrm>
+          <a:prstGeom prst="rect">
+            <a:avLst/>
+          </a:prstGeom>
+          <a:noFill/>
+        </p:spPr>
+        <p:txBody>
+          <a:bodyPr wrap="square" rtlCol="0">
+            <a:spAutoFit/>
+          </a:bodyPr>
+          <a:lstStyle/>
+          <a:p>
+            <a:r>
+              <a:rPr lang="en-US" sz="1100" b="1" dirty="0"/>
+              <a:t>User Emulator</a:t>
+            </a:r>
+          </a:p>
+          <a:p>
+            <a:r>
+              <a:rPr lang="en-US" sz="1100" b="1" dirty="0"/>
+              <a:t>(In VM/Physical) </a:t>
+            </a:r>
+            <a:endParaRPr lang="en-SG" sz="1100" b="1" dirty="0"/>
+          </a:p>
+        </p:txBody>
+      </p:sp>
+      <p:sp>
+        <p:nvSpPr>
+          <p:cNvPr id="1223" name="TextBox 1222">
+            <a:extLst>
+              <a:ext uri="{FF2B5EF4-FFF2-40B4-BE49-F238E27FC236}">
+                <a16:creationId xmlns:a16="http://schemas.microsoft.com/office/drawing/2014/main" id="{A319C3A7-B0B8-36C2-EB8D-B6104F220BBB}"/>
+              </a:ext>
+            </a:extLst>
+          </p:cNvPr>
+          <p:cNvSpPr txBox="1"/>
+          <p:nvPr/>
+        </p:nvSpPr>
+        <p:spPr>
+          <a:xfrm>
+            <a:off x="8192750" y="6170856"/>
+            <a:ext cx="1233191" cy="430887"/>
+          </a:xfrm>
+          <a:prstGeom prst="rect">
+            <a:avLst/>
+          </a:prstGeom>
+          <a:noFill/>
+        </p:spPr>
+        <p:txBody>
+          <a:bodyPr wrap="square" rtlCol="0">
+            <a:spAutoFit/>
+          </a:bodyPr>
+          <a:lstStyle/>
+          <a:p>
+            <a:r>
+              <a:rPr lang="en-US" sz="1100" b="1" dirty="0"/>
+              <a:t>User Emulator</a:t>
+            </a:r>
+          </a:p>
+          <a:p>
+            <a:r>
+              <a:rPr lang="en-US" sz="1100" b="1" dirty="0"/>
+              <a:t>(In VM/Physical) </a:t>
+            </a:r>
+            <a:endParaRPr lang="en-SG" sz="1100" b="1" dirty="0"/>
           </a:p>
         </p:txBody>
       </p:sp>
       <p:pic>
         <p:nvPicPr>
-          <p:cNvPr id="7" name="Picture 6" descr="Graphical user interface, logo&#10;&#10;Description automatically generated">
-            <a:extLst>
-              <a:ext uri="{FF2B5EF4-FFF2-40B4-BE49-F238E27FC236}">
-                <a16:creationId xmlns:a16="http://schemas.microsoft.com/office/drawing/2014/main" id="{0C5242DF-A107-C72B-51CA-C9CD2260AACC}"/>
+          <p:cNvPr id="1226" name="Picture 1225">
+            <a:extLst>
+              <a:ext uri="{FF2B5EF4-FFF2-40B4-BE49-F238E27FC236}">
+                <a16:creationId xmlns:a16="http://schemas.microsoft.com/office/drawing/2014/main" id="{C30BD5E6-A795-955C-9D4D-558AABDE2CAD}"/>
               </a:ext>
             </a:extLst>
           </p:cNvPr>
@@ -7206,99 +8010,37 @@
           </p:cNvPicPr>
           <p:nvPr/>
         </p:nvPicPr>
-        <p:blipFill rotWithShape="1">
-          <a:blip r:embed="rId4"/>
-          <a:srcRect t="19285" r="62157" b="18321"/>
-          <a:stretch/>
-        </p:blipFill>
-        <p:spPr>
-          <a:xfrm>
-            <a:off x="7134168" y="633913"/>
-            <a:ext cx="562820" cy="514728"/>
-          </a:xfrm>
-          <a:prstGeom prst="rect">
-            <a:avLst/>
-          </a:prstGeom>
-        </p:spPr>
-      </p:pic>
-      <p:pic>
-        <p:nvPicPr>
-          <p:cNvPr id="10" name="Picture 9" descr="Icon&#10;&#10;Description automatically generated">
-            <a:extLst>
-              <a:ext uri="{FF2B5EF4-FFF2-40B4-BE49-F238E27FC236}">
-                <a16:creationId xmlns:a16="http://schemas.microsoft.com/office/drawing/2014/main" id="{66F10BBC-D6CF-0D1B-3230-364363DF11FE}"/>
-              </a:ext>
-            </a:extLst>
-          </p:cNvPr>
-          <p:cNvPicPr>
-            <a:picLocks noChangeAspect="1"/>
-          </p:cNvPicPr>
-          <p:nvPr/>
-        </p:nvPicPr>
         <p:blipFill>
-          <a:blip r:embed="rId5"/>
+          <a:blip r:embed="rId33"/>
           <a:stretch>
             <a:fillRect/>
           </a:stretch>
         </p:blipFill>
         <p:spPr>
           <a:xfrm>
-            <a:off x="4684746" y="603067"/>
-            <a:ext cx="514728" cy="514728"/>
-          </a:xfrm>
-          <a:prstGeom prst="rect">
-            <a:avLst/>
-          </a:prstGeom>
-        </p:spPr>
-      </p:pic>
-      <p:pic>
-        <p:nvPicPr>
-          <p:cNvPr id="12" name="Picture 11" descr="A red sign with white letters&#10;&#10;Description automatically generated with low confidence">
-            <a:extLst>
-              <a:ext uri="{FF2B5EF4-FFF2-40B4-BE49-F238E27FC236}">
-                <a16:creationId xmlns:a16="http://schemas.microsoft.com/office/drawing/2014/main" id="{64230BCF-7D49-73B8-D4DB-010440EFA335}"/>
-              </a:ext>
-            </a:extLst>
-          </p:cNvPr>
-          <p:cNvPicPr>
-            <a:picLocks noChangeAspect="1"/>
-          </p:cNvPicPr>
-          <p:nvPr/>
-        </p:nvPicPr>
-        <p:blipFill>
-          <a:blip r:embed="rId12"/>
-          <a:stretch>
-            <a:fillRect/>
-          </a:stretch>
-        </p:blipFill>
-        <p:spPr>
-          <a:xfrm>
-            <a:off x="7951825" y="625941"/>
-            <a:ext cx="540000" cy="530672"/>
-          </a:xfrm>
-          <a:prstGeom prst="rect">
-            <a:avLst/>
-          </a:prstGeom>
+            <a:off x="11769234" y="53174"/>
+            <a:ext cx="338711" cy="330201"/>
+          </a:xfrm>
+          <a:prstGeom prst="rect">
+            <a:avLst/>
+          </a:prstGeom>
+          <a:ln w="12700">
+            <a:solidFill>
+              <a:schemeClr val="tx1"/>
+            </a:solidFill>
+          </a:ln>
         </p:spPr>
       </p:pic>
     </p:spTree>
     <p:extLst>
       <p:ext uri="{BB962C8B-B14F-4D97-AF65-F5344CB8AC3E}">
-        <p14:creationId xmlns:p14="http://schemas.microsoft.com/office/powerpoint/2010/main" val="3593534379"/>
+        <p14:creationId xmlns:p14="http://schemas.microsoft.com/office/powerpoint/2010/main" val="3853615663"/>
       </p:ext>
     </p:extLst>
   </p:cSld>
   <p:clrMapOvr>
     <a:masterClrMapping/>
   </p:clrMapOvr>
-  <mc:AlternateContent xmlns:mc="http://schemas.openxmlformats.org/markup-compatibility/2006" xmlns:p14="http://schemas.microsoft.com/office/powerpoint/2010/main">
-    <mc:Choice Requires="p14">
-      <p:transition spd="slow" p14:dur="2000" advTm="3000"/>
-    </mc:Choice>
-    <mc:Fallback xmlns="">
-      <p:transition spd="slow" advTm="3000"/>
-    </mc:Fallback>
-  </mc:AlternateContent>
 </p:sld>
 </file>
 

--- a/doc/Introduction.pptx
+++ b/doc/Introduction.pptx
@@ -1020,14 +1020,6 @@
         <a:p>
           <a:pPr algn="l"/>
           <a:r>
-            <a:rPr lang="en-US" sz="1400" b="1" dirty="0">
-              <a:solidFill>
-                <a:schemeClr val="tx1"/>
-              </a:solidFill>
-            </a:rPr>
-            <a:t> </a:t>
-          </a:r>
-          <a:r>
             <a:rPr lang="en-SG" sz="1400" b="1" dirty="0">
               <a:solidFill>
                 <a:schemeClr val="tx1"/>
@@ -1133,6 +1125,9 @@
             <a:lumOff val="60000"/>
           </a:schemeClr>
         </a:solidFill>
+        <a:ln w="9525">
+          <a:prstDash val="dash"/>
+        </a:ln>
       </dgm:spPr>
     </dgm:pt>
     <dgm:pt modelId="{81E55278-75C0-4A94-B38E-071222D126C9}" type="pres">
@@ -1160,6 +1155,9 @@
             <a:lumOff val="60000"/>
           </a:schemeClr>
         </a:solidFill>
+        <a:ln w="9525">
+          <a:prstDash val="dash"/>
+        </a:ln>
       </dgm:spPr>
     </dgm:pt>
     <dgm:pt modelId="{F4B19634-2CEB-4349-8A29-25AE4DF81C74}" type="pres">
@@ -1187,6 +1185,9 @@
             <a:lumOff val="25000"/>
           </a:schemeClr>
         </a:solidFill>
+        <a:ln w="9525">
+          <a:prstDash val="dash"/>
+        </a:ln>
       </dgm:spPr>
     </dgm:pt>
     <dgm:pt modelId="{30DF41D3-8E3E-474A-AFB7-65C5B4759FED}" type="pres">
@@ -1214,6 +1215,9 @@
             <a:lumOff val="40000"/>
           </a:schemeClr>
         </a:solidFill>
+        <a:ln w="9525">
+          <a:prstDash val="dash"/>
+        </a:ln>
       </dgm:spPr>
     </dgm:pt>
     <dgm:pt modelId="{80788BE0-E541-4FFF-8B60-DC8145D63CDE}" type="pres">
@@ -1240,6 +1244,9 @@
             <a:lumMod val="65000"/>
           </a:schemeClr>
         </a:solidFill>
+        <a:ln w="9525">
+          <a:prstDash val="dash"/>
+        </a:ln>
       </dgm:spPr>
     </dgm:pt>
     <dgm:pt modelId="{02E1DBDB-10B0-4288-91A2-378C83D5294B}" type="pres">
@@ -1322,16 +1329,11 @@
             <a:lumOff val="60000"/>
           </a:schemeClr>
         </a:solidFill>
-        <a:ln w="19050" cap="flat" cmpd="sng" algn="ctr">
+        <a:ln w="9525" cap="flat" cmpd="sng" algn="ctr">
           <a:solidFill>
-            <a:schemeClr val="lt1">
-              <a:hueOff val="0"/>
-              <a:satOff val="0"/>
-              <a:lumOff val="0"/>
-              <a:alphaOff val="0"/>
-            </a:schemeClr>
+            <a:scrgbClr r="0" g="0" b="0"/>
           </a:solidFill>
-          <a:prstDash val="solid"/>
+          <a:prstDash val="dash"/>
           <a:miter lim="800000"/>
         </a:ln>
         <a:effectLst/>
@@ -1460,16 +1462,11 @@
             <a:lumOff val="60000"/>
           </a:schemeClr>
         </a:solidFill>
-        <a:ln w="19050" cap="flat" cmpd="sng" algn="ctr">
+        <a:ln w="9525" cap="flat" cmpd="sng" algn="ctr">
           <a:solidFill>
-            <a:schemeClr val="lt1">
-              <a:hueOff val="0"/>
-              <a:satOff val="0"/>
-              <a:lumOff val="0"/>
-              <a:alphaOff val="0"/>
-            </a:schemeClr>
+            <a:scrgbClr r="0" g="0" b="0"/>
           </a:solidFill>
-          <a:prstDash val="solid"/>
+          <a:prstDash val="dash"/>
           <a:miter lim="800000"/>
         </a:ln>
         <a:effectLst/>
@@ -1598,16 +1595,11 @@
             <a:lumOff val="25000"/>
           </a:schemeClr>
         </a:solidFill>
-        <a:ln w="19050" cap="flat" cmpd="sng" algn="ctr">
+        <a:ln w="9525" cap="flat" cmpd="sng" algn="ctr">
           <a:solidFill>
-            <a:schemeClr val="lt1">
-              <a:hueOff val="0"/>
-              <a:satOff val="0"/>
-              <a:lumOff val="0"/>
-              <a:alphaOff val="0"/>
-            </a:schemeClr>
+            <a:scrgbClr r="0" g="0" b="0"/>
           </a:solidFill>
-          <a:prstDash val="solid"/>
+          <a:prstDash val="dash"/>
           <a:miter lim="800000"/>
         </a:ln>
         <a:effectLst/>
@@ -1736,16 +1728,11 @@
             <a:lumOff val="40000"/>
           </a:schemeClr>
         </a:solidFill>
-        <a:ln w="19050" cap="flat" cmpd="sng" algn="ctr">
+        <a:ln w="9525" cap="flat" cmpd="sng" algn="ctr">
           <a:solidFill>
-            <a:schemeClr val="lt1">
-              <a:hueOff val="0"/>
-              <a:satOff val="0"/>
-              <a:lumOff val="0"/>
-              <a:alphaOff val="0"/>
-            </a:schemeClr>
+            <a:scrgbClr r="0" g="0" b="0"/>
           </a:solidFill>
-          <a:prstDash val="solid"/>
+          <a:prstDash val="dash"/>
           <a:miter lim="800000"/>
         </a:ln>
         <a:effectLst/>
@@ -1834,14 +1821,6 @@
             <a:buNone/>
           </a:pPr>
           <a:r>
-            <a:rPr lang="en-US" sz="1400" b="1" kern="1200" dirty="0">
-              <a:solidFill>
-                <a:schemeClr val="tx1"/>
-              </a:solidFill>
-            </a:rPr>
-            <a:t> </a:t>
-          </a:r>
-          <a:r>
             <a:rPr lang="en-SG" sz="1400" b="1" kern="1200" dirty="0">
               <a:solidFill>
                 <a:schemeClr val="tx1"/>
@@ -1881,16 +1860,11 @@
             <a:lumMod val="65000"/>
           </a:schemeClr>
         </a:solidFill>
-        <a:ln w="19050" cap="flat" cmpd="sng" algn="ctr">
+        <a:ln w="9525" cap="flat" cmpd="sng" algn="ctr">
           <a:solidFill>
-            <a:schemeClr val="lt1">
-              <a:hueOff val="0"/>
-              <a:satOff val="0"/>
-              <a:lumOff val="0"/>
-              <a:alphaOff val="0"/>
-            </a:schemeClr>
+            <a:scrgbClr r="0" g="0" b="0"/>
           </a:solidFill>
-          <a:prstDash val="solid"/>
+          <a:prstDash val="dash"/>
           <a:miter lim="800000"/>
         </a:ln>
         <a:effectLst/>
@@ -3279,7 +3253,7 @@
           <a:p>
             <a:fld id="{4C036ADD-D491-4F57-97F3-06818EDBCA02}" type="datetimeFigureOut">
               <a:rPr lang="en-SG" smtClean="0"/>
-              <a:t>11/3/2024</a:t>
+              <a:t>13/3/2024</a:t>
             </a:fld>
             <a:endParaRPr lang="en-SG"/>
           </a:p>
@@ -3864,7 +3838,7 @@
           <a:p>
             <a:fld id="{035E68B9-EEFB-48DA-857D-5D3BC6E19A78}" type="datetimeFigureOut">
               <a:rPr lang="en-SG" smtClean="0"/>
-              <a:t>11/3/2024</a:t>
+              <a:t>13/3/2024</a:t>
             </a:fld>
             <a:endParaRPr lang="en-SG"/>
           </a:p>
@@ -4064,7 +4038,7 @@
           <a:p>
             <a:fld id="{035E68B9-EEFB-48DA-857D-5D3BC6E19A78}" type="datetimeFigureOut">
               <a:rPr lang="en-SG" smtClean="0"/>
-              <a:t>11/3/2024</a:t>
+              <a:t>13/3/2024</a:t>
             </a:fld>
             <a:endParaRPr lang="en-SG"/>
           </a:p>
@@ -4274,7 +4248,7 @@
           <a:p>
             <a:fld id="{035E68B9-EEFB-48DA-857D-5D3BC6E19A78}" type="datetimeFigureOut">
               <a:rPr lang="en-SG" smtClean="0"/>
-              <a:t>11/3/2024</a:t>
+              <a:t>13/3/2024</a:t>
             </a:fld>
             <a:endParaRPr lang="en-SG"/>
           </a:p>
@@ -4474,7 +4448,7 @@
           <a:p>
             <a:fld id="{035E68B9-EEFB-48DA-857D-5D3BC6E19A78}" type="datetimeFigureOut">
               <a:rPr lang="en-SG" smtClean="0"/>
-              <a:t>11/3/2024</a:t>
+              <a:t>13/3/2024</a:t>
             </a:fld>
             <a:endParaRPr lang="en-SG"/>
           </a:p>
@@ -4750,7 +4724,7 @@
           <a:p>
             <a:fld id="{035E68B9-EEFB-48DA-857D-5D3BC6E19A78}" type="datetimeFigureOut">
               <a:rPr lang="en-SG" smtClean="0"/>
-              <a:t>11/3/2024</a:t>
+              <a:t>13/3/2024</a:t>
             </a:fld>
             <a:endParaRPr lang="en-SG"/>
           </a:p>
@@ -5018,7 +4992,7 @@
           <a:p>
             <a:fld id="{035E68B9-EEFB-48DA-857D-5D3BC6E19A78}" type="datetimeFigureOut">
               <a:rPr lang="en-SG" smtClean="0"/>
-              <a:t>11/3/2024</a:t>
+              <a:t>13/3/2024</a:t>
             </a:fld>
             <a:endParaRPr lang="en-SG"/>
           </a:p>
@@ -5433,7 +5407,7 @@
           <a:p>
             <a:fld id="{035E68B9-EEFB-48DA-857D-5D3BC6E19A78}" type="datetimeFigureOut">
               <a:rPr lang="en-SG" smtClean="0"/>
-              <a:t>11/3/2024</a:t>
+              <a:t>13/3/2024</a:t>
             </a:fld>
             <a:endParaRPr lang="en-SG"/>
           </a:p>
@@ -5575,7 +5549,7 @@
           <a:p>
             <a:fld id="{035E68B9-EEFB-48DA-857D-5D3BC6E19A78}" type="datetimeFigureOut">
               <a:rPr lang="en-SG" smtClean="0"/>
-              <a:t>11/3/2024</a:t>
+              <a:t>13/3/2024</a:t>
             </a:fld>
             <a:endParaRPr lang="en-SG"/>
           </a:p>
@@ -5688,7 +5662,7 @@
           <a:p>
             <a:fld id="{035E68B9-EEFB-48DA-857D-5D3BC6E19A78}" type="datetimeFigureOut">
               <a:rPr lang="en-SG" smtClean="0"/>
-              <a:t>11/3/2024</a:t>
+              <a:t>13/3/2024</a:t>
             </a:fld>
             <a:endParaRPr lang="en-SG"/>
           </a:p>
@@ -6001,7 +5975,7 @@
           <a:p>
             <a:fld id="{035E68B9-EEFB-48DA-857D-5D3BC6E19A78}" type="datetimeFigureOut">
               <a:rPr lang="en-SG" smtClean="0"/>
-              <a:t>11/3/2024</a:t>
+              <a:t>13/3/2024</a:t>
             </a:fld>
             <a:endParaRPr lang="en-SG"/>
           </a:p>
@@ -6290,7 +6264,7 @@
           <a:p>
             <a:fld id="{035E68B9-EEFB-48DA-857D-5D3BC6E19A78}" type="datetimeFigureOut">
               <a:rPr lang="en-SG" smtClean="0"/>
-              <a:t>11/3/2024</a:t>
+              <a:t>13/3/2024</a:t>
             </a:fld>
             <a:endParaRPr lang="en-SG"/>
           </a:p>
@@ -6533,7 +6507,7 @@
           <a:p>
             <a:fld id="{035E68B9-EEFB-48DA-857D-5D3BC6E19A78}" type="datetimeFigureOut">
               <a:rPr lang="en-SG" smtClean="0"/>
-              <a:t>11/3/2024</a:t>
+              <a:t>13/3/2024</a:t>
             </a:fld>
             <a:endParaRPr lang="en-SG"/>
           </a:p>
@@ -12135,7 +12109,7 @@
         <p:spPr>
           <a:xfrm>
             <a:off x="3748053" y="753167"/>
-            <a:ext cx="3745823" cy="1012571"/>
+            <a:ext cx="3848467" cy="1012571"/>
           </a:xfrm>
           <a:prstGeom prst="rect">
             <a:avLst/>
@@ -13142,7 +13116,7 @@
           <p:nvPr>
             <p:extLst>
               <p:ext uri="{D42A27DB-BD31-4B8C-83A1-F6EECF244321}">
-                <p14:modId xmlns:p14="http://schemas.microsoft.com/office/powerpoint/2010/main" val="4100057756"/>
+                <p14:modId xmlns:p14="http://schemas.microsoft.com/office/powerpoint/2010/main" val="2176637593"/>
               </p:ext>
             </p:extLst>
           </p:nvPr>
@@ -13269,7 +13243,7 @@
         </p:blipFill>
         <p:spPr>
           <a:xfrm>
-            <a:off x="6503666" y="867091"/>
+            <a:off x="6556216" y="867091"/>
             <a:ext cx="938851" cy="800570"/>
           </a:xfrm>
           <a:prstGeom prst="rect">
@@ -17096,12 +17070,20 @@
           <a:p>
             <a:pPr algn="ctr"/>
             <a:r>
+              <a:rPr lang="en-US" sz="1400" b="1">
+                <a:solidFill>
+                  <a:schemeClr val="tx1"/>
+                </a:solidFill>
+              </a:rPr>
+              <a:t>Cloud Orchestrator </a:t>
+            </a:r>
+            <a:r>
               <a:rPr lang="en-US" sz="1400" b="1" dirty="0">
                 <a:solidFill>
                   <a:schemeClr val="tx1"/>
                 </a:solidFill>
               </a:rPr>
-              <a:t>Could Orchestrator Server</a:t>
+              <a:t>Server</a:t>
             </a:r>
             <a:endParaRPr lang="en-SG" sz="1400" b="1" dirty="0">
               <a:solidFill>
@@ -24189,7 +24171,7 @@
                   <a:schemeClr val="tx1"/>
                 </a:solidFill>
               </a:rPr>
-              <a:t>Could Orchestrator server</a:t>
+              <a:t>Cloud Orchestrator server</a:t>
             </a:r>
             <a:endParaRPr lang="en-SG" sz="1400" b="1" dirty="0">
               <a:solidFill>
@@ -25431,6 +25413,41 @@
           </a:ln>
         </p:spPr>
       </p:pic>
+      <p:sp>
+        <p:nvSpPr>
+          <p:cNvPr id="3" name="TextBox 2">
+            <a:extLst>
+              <a:ext uri="{FF2B5EF4-FFF2-40B4-BE49-F238E27FC236}">
+                <a16:creationId xmlns:a16="http://schemas.microsoft.com/office/drawing/2014/main" id="{B73B7AC2-08F0-4DB8-A9C7-B5BEB8E4DE57}"/>
+              </a:ext>
+            </a:extLst>
+          </p:cNvPr>
+          <p:cNvSpPr txBox="1"/>
+          <p:nvPr/>
+        </p:nvSpPr>
+        <p:spPr>
+          <a:xfrm>
+            <a:off x="3476550" y="4810461"/>
+            <a:ext cx="652257" cy="400110"/>
+          </a:xfrm>
+          <a:prstGeom prst="rect">
+            <a:avLst/>
+          </a:prstGeom>
+          <a:noFill/>
+        </p:spPr>
+        <p:txBody>
+          <a:bodyPr wrap="square" rtlCol="0">
+            <a:spAutoFit/>
+          </a:bodyPr>
+          <a:lstStyle/>
+          <a:p>
+            <a:r>
+              <a:rPr lang="en-SG" sz="1000" b="1" dirty="0"/>
+              <a:t>Module import </a:t>
+            </a:r>
+          </a:p>
+        </p:txBody>
+      </p:sp>
     </p:spTree>
     <p:extLst>
       <p:ext uri="{BB962C8B-B14F-4D97-AF65-F5344CB8AC3E}">
@@ -25737,7 +25754,7 @@
           <a:p>
             <a:r>
               <a:rPr lang="en-US" sz="1600" b="1" dirty="0"/>
-              <a:t>Procedure Monitoring</a:t>
+              <a:t>Cyber Exercise Procedure Monitoring</a:t>
             </a:r>
           </a:p>
           <a:p>
@@ -25875,6 +25892,173 @@
           </a:p>
         </p:txBody>
       </p:sp>
+      <p:pic>
+        <p:nvPicPr>
+          <p:cNvPr id="3" name="Picture 2">
+            <a:extLst>
+              <a:ext uri="{FF2B5EF4-FFF2-40B4-BE49-F238E27FC236}">
+                <a16:creationId xmlns:a16="http://schemas.microsoft.com/office/drawing/2014/main" id="{BBA1F799-8E28-F1B4-9AF8-DCF6F9A6384B}"/>
+              </a:ext>
+            </a:extLst>
+          </p:cNvPr>
+          <p:cNvPicPr>
+            <a:picLocks noChangeAspect="1"/>
+          </p:cNvPicPr>
+          <p:nvPr/>
+        </p:nvPicPr>
+        <p:blipFill>
+          <a:blip r:embed="rId3"/>
+          <a:stretch>
+            <a:fillRect/>
+          </a:stretch>
+        </p:blipFill>
+        <p:spPr>
+          <a:xfrm>
+            <a:off x="8807953" y="1508947"/>
+            <a:ext cx="1618309" cy="733421"/>
+          </a:xfrm>
+          <a:prstGeom prst="rect">
+            <a:avLst/>
+          </a:prstGeom>
+        </p:spPr>
+      </p:pic>
+      <p:pic>
+        <p:nvPicPr>
+          <p:cNvPr id="8" name="Picture 7">
+            <a:extLst>
+              <a:ext uri="{FF2B5EF4-FFF2-40B4-BE49-F238E27FC236}">
+                <a16:creationId xmlns:a16="http://schemas.microsoft.com/office/drawing/2014/main" id="{7549B618-E375-A32B-E83F-3480042669CE}"/>
+              </a:ext>
+            </a:extLst>
+          </p:cNvPr>
+          <p:cNvPicPr>
+            <a:picLocks noChangeAspect="1"/>
+          </p:cNvPicPr>
+          <p:nvPr/>
+        </p:nvPicPr>
+        <p:blipFill>
+          <a:blip r:embed="rId4"/>
+          <a:stretch>
+            <a:fillRect/>
+          </a:stretch>
+        </p:blipFill>
+        <p:spPr>
+          <a:xfrm>
+            <a:off x="8807953" y="2472438"/>
+            <a:ext cx="1618309" cy="735200"/>
+          </a:xfrm>
+          <a:prstGeom prst="rect">
+            <a:avLst/>
+          </a:prstGeom>
+        </p:spPr>
+      </p:pic>
+      <p:pic>
+        <p:nvPicPr>
+          <p:cNvPr id="10" name="Picture 9">
+            <a:extLst>
+              <a:ext uri="{FF2B5EF4-FFF2-40B4-BE49-F238E27FC236}">
+                <a16:creationId xmlns:a16="http://schemas.microsoft.com/office/drawing/2014/main" id="{1354E4E7-2CE5-0F92-6236-997BCF53930F}"/>
+              </a:ext>
+            </a:extLst>
+          </p:cNvPr>
+          <p:cNvPicPr>
+            <a:picLocks noChangeAspect="1"/>
+          </p:cNvPicPr>
+          <p:nvPr/>
+        </p:nvPicPr>
+        <p:blipFill>
+          <a:blip r:embed="rId5"/>
+          <a:stretch>
+            <a:fillRect/>
+          </a:stretch>
+        </p:blipFill>
+        <p:spPr>
+          <a:xfrm>
+            <a:off x="10522562" y="3502573"/>
+            <a:ext cx="1330754" cy="638762"/>
+          </a:xfrm>
+          <a:prstGeom prst="rect">
+            <a:avLst/>
+          </a:prstGeom>
+        </p:spPr>
+      </p:pic>
+      <p:pic>
+        <p:nvPicPr>
+          <p:cNvPr id="12" name="Picture 11">
+            <a:extLst>
+              <a:ext uri="{FF2B5EF4-FFF2-40B4-BE49-F238E27FC236}">
+                <a16:creationId xmlns:a16="http://schemas.microsoft.com/office/drawing/2014/main" id="{9400FCA0-975B-B484-B74C-AF227D5D06D3}"/>
+              </a:ext>
+            </a:extLst>
+          </p:cNvPr>
+          <p:cNvPicPr>
+            <a:picLocks noChangeAspect="1"/>
+          </p:cNvPicPr>
+          <p:nvPr/>
+        </p:nvPicPr>
+        <p:blipFill>
+          <a:blip r:embed="rId6"/>
+          <a:stretch>
+            <a:fillRect/>
+          </a:stretch>
+        </p:blipFill>
+        <p:spPr>
+          <a:xfrm>
+            <a:off x="10522562" y="4503128"/>
+            <a:ext cx="1330754" cy="745222"/>
+          </a:xfrm>
+          <a:prstGeom prst="rect">
+            <a:avLst/>
+          </a:prstGeom>
+        </p:spPr>
+      </p:pic>
+      <p:pic>
+        <p:nvPicPr>
+          <p:cNvPr id="13" name="Picture 12" descr="National University of Singapore - Wikipedia">
+            <a:extLst>
+              <a:ext uri="{FF2B5EF4-FFF2-40B4-BE49-F238E27FC236}">
+                <a16:creationId xmlns:a16="http://schemas.microsoft.com/office/drawing/2014/main" id="{8A12763B-4C50-B4BE-7FBF-B9D062DFC597}"/>
+              </a:ext>
+            </a:extLst>
+          </p:cNvPr>
+          <p:cNvPicPr>
+            <a:picLocks noChangeAspect="1" noChangeArrowheads="1"/>
+          </p:cNvPicPr>
+          <p:nvPr/>
+        </p:nvPicPr>
+        <p:blipFill>
+          <a:blip r:embed="rId7">
+            <a:extLst>
+              <a:ext uri="{28A0092B-C50C-407E-A947-70E740481C1C}">
+                <a14:useLocalDpi xmlns:a14="http://schemas.microsoft.com/office/drawing/2010/main" val="0"/>
+              </a:ext>
+            </a:extLst>
+          </a:blip>
+          <a:srcRect/>
+          <a:stretch>
+            <a:fillRect/>
+          </a:stretch>
+        </p:blipFill>
+        <p:spPr bwMode="auto">
+          <a:xfrm>
+            <a:off x="10726219" y="5692714"/>
+            <a:ext cx="684731" cy="873609"/>
+          </a:xfrm>
+          <a:prstGeom prst="rect">
+            <a:avLst/>
+          </a:prstGeom>
+          <a:noFill/>
+          <a:extLst>
+            <a:ext uri="{909E8E84-426E-40DD-AFC4-6F175D3DCCD1}">
+              <a14:hiddenFill xmlns:a14="http://schemas.microsoft.com/office/drawing/2010/main">
+                <a:solidFill>
+                  <a:srgbClr val="FFFFFF"/>
+                </a:solidFill>
+              </a14:hiddenFill>
+            </a:ext>
+          </a:extLst>
+        </p:spPr>
+      </p:pic>
     </p:spTree>
     <p:extLst>
       <p:ext uri="{BB962C8B-B14F-4D97-AF65-F5344CB8AC3E}">
